--- a/Assignment_5/poster_ppt.pptx
+++ b/Assignment_5/poster_ppt.pptx
@@ -1,23 +1,128 @@
 
 <file path=ppt/presentation.xml><?xml version="1.0" encoding="utf-8"?>
-<p:presentation xmlns:a="http://schemas.openxmlformats.org/drawingml/2006/main" xmlns:p="http://schemas.openxmlformats.org/presentationml/2006/main" xmlns:r="http://schemas.openxmlformats.org/officeDocument/2006/relationships" xmlns:p14="http://schemas.microsoft.com/office/powerpoint/2010/main" xmlns:p15="http://schemas.microsoft.com/office/powerpoint/2012/main" xmlns:mc="http://schemas.openxmlformats.org/markup-compatibility/2006">
+<p:presentation xmlns:a="http://schemas.openxmlformats.org/drawingml/2006/main" xmlns:r="http://schemas.openxmlformats.org/officeDocument/2006/relationships" xmlns:p="http://schemas.openxmlformats.org/presentationml/2006/main">
   <p:sldMasterIdLst>
-    <p:sldMasterId id="2147483648" r:id="rId2"/>
+    <p:sldMasterId id="2147483648" r:id="rId1"/>
   </p:sldMasterIdLst>
   <p:notesMasterIdLst>
     <p:notesMasterId r:id="rId3"/>
   </p:notesMasterIdLst>
   <p:sldIdLst>
-    <p:sldId id="256" r:id="rId4"/>
+    <p:sldId id="256" r:id="rId2"/>
   </p:sldIdLst>
-  <p:sldSz cx="10688637" cy="15124112"/>
+  <p:sldSz cx="10688638" cy="15124113"/>
   <p:notesSz cx="6858000" cy="9144000"/>
+  <p:defaultTextStyle>
+    <a:defPPr>
+      <a:defRPr lang="de-DE"/>
+    </a:defPPr>
+    <a:lvl1pPr marL="0" algn="l" defTabSz="914400" rtl="0" eaLnBrk="1" latinLnBrk="0" hangingPunct="1">
+      <a:defRPr sz="1800" kern="1200">
+        <a:solidFill>
+          <a:schemeClr val="tx1"/>
+        </a:solidFill>
+        <a:latin typeface="+mn-lt"/>
+        <a:ea typeface="+mn-ea"/>
+        <a:cs typeface="+mn-cs"/>
+      </a:defRPr>
+    </a:lvl1pPr>
+    <a:lvl2pPr marL="457200" algn="l" defTabSz="914400" rtl="0" eaLnBrk="1" latinLnBrk="0" hangingPunct="1">
+      <a:defRPr sz="1800" kern="1200">
+        <a:solidFill>
+          <a:schemeClr val="tx1"/>
+        </a:solidFill>
+        <a:latin typeface="+mn-lt"/>
+        <a:ea typeface="+mn-ea"/>
+        <a:cs typeface="+mn-cs"/>
+      </a:defRPr>
+    </a:lvl2pPr>
+    <a:lvl3pPr marL="914400" algn="l" defTabSz="914400" rtl="0" eaLnBrk="1" latinLnBrk="0" hangingPunct="1">
+      <a:defRPr sz="1800" kern="1200">
+        <a:solidFill>
+          <a:schemeClr val="tx1"/>
+        </a:solidFill>
+        <a:latin typeface="+mn-lt"/>
+        <a:ea typeface="+mn-ea"/>
+        <a:cs typeface="+mn-cs"/>
+      </a:defRPr>
+    </a:lvl3pPr>
+    <a:lvl4pPr marL="1371600" algn="l" defTabSz="914400" rtl="0" eaLnBrk="1" latinLnBrk="0" hangingPunct="1">
+      <a:defRPr sz="1800" kern="1200">
+        <a:solidFill>
+          <a:schemeClr val="tx1"/>
+        </a:solidFill>
+        <a:latin typeface="+mn-lt"/>
+        <a:ea typeface="+mn-ea"/>
+        <a:cs typeface="+mn-cs"/>
+      </a:defRPr>
+    </a:lvl4pPr>
+    <a:lvl5pPr marL="1828800" algn="l" defTabSz="914400" rtl="0" eaLnBrk="1" latinLnBrk="0" hangingPunct="1">
+      <a:defRPr sz="1800" kern="1200">
+        <a:solidFill>
+          <a:schemeClr val="tx1"/>
+        </a:solidFill>
+        <a:latin typeface="+mn-lt"/>
+        <a:ea typeface="+mn-ea"/>
+        <a:cs typeface="+mn-cs"/>
+      </a:defRPr>
+    </a:lvl5pPr>
+    <a:lvl6pPr marL="2286000" algn="l" defTabSz="914400" rtl="0" eaLnBrk="1" latinLnBrk="0" hangingPunct="1">
+      <a:defRPr sz="1800" kern="1200">
+        <a:solidFill>
+          <a:schemeClr val="tx1"/>
+        </a:solidFill>
+        <a:latin typeface="+mn-lt"/>
+        <a:ea typeface="+mn-ea"/>
+        <a:cs typeface="+mn-cs"/>
+      </a:defRPr>
+    </a:lvl6pPr>
+    <a:lvl7pPr marL="2743200" algn="l" defTabSz="914400" rtl="0" eaLnBrk="1" latinLnBrk="0" hangingPunct="1">
+      <a:defRPr sz="1800" kern="1200">
+        <a:solidFill>
+          <a:schemeClr val="tx1"/>
+        </a:solidFill>
+        <a:latin typeface="+mn-lt"/>
+        <a:ea typeface="+mn-ea"/>
+        <a:cs typeface="+mn-cs"/>
+      </a:defRPr>
+    </a:lvl7pPr>
+    <a:lvl8pPr marL="3200400" algn="l" defTabSz="914400" rtl="0" eaLnBrk="1" latinLnBrk="0" hangingPunct="1">
+      <a:defRPr sz="1800" kern="1200">
+        <a:solidFill>
+          <a:schemeClr val="tx1"/>
+        </a:solidFill>
+        <a:latin typeface="+mn-lt"/>
+        <a:ea typeface="+mn-ea"/>
+        <a:cs typeface="+mn-cs"/>
+      </a:defRPr>
+    </a:lvl8pPr>
+    <a:lvl9pPr marL="3657600" algn="l" defTabSz="914400" rtl="0" eaLnBrk="1" latinLnBrk="0" hangingPunct="1">
+      <a:defRPr sz="1800" kern="1200">
+        <a:solidFill>
+          <a:schemeClr val="tx1"/>
+        </a:solidFill>
+        <a:latin typeface="+mn-lt"/>
+        <a:ea typeface="+mn-ea"/>
+        <a:cs typeface="+mn-cs"/>
+      </a:defRPr>
+    </a:lvl9pPr>
+  </p:defaultTextStyle>
+  <p:extLst>
+    <p:ext uri="{EFAFB233-063F-42B5-8137-9DF3F51BA10A}">
+      <p15:sldGuideLst xmlns:p15="http://schemas.microsoft.com/office/powerpoint/2012/main"/>
+    </p:ext>
+  </p:extLst>
 </p:presentation>
 </file>
 
 <file path=ppt/notesMasters/notesMaster1.xml><?xml version="1.0" encoding="utf-8"?>
-<p:notesMaster xmlns:a="http://schemas.openxmlformats.org/drawingml/2006/main" xmlns:p="http://schemas.openxmlformats.org/presentationml/2006/main" xmlns:r="http://schemas.openxmlformats.org/officeDocument/2006/relationships" xmlns:p14="http://schemas.microsoft.com/office/powerpoint/2010/main" xmlns:p15="http://schemas.microsoft.com/office/powerpoint/2012/main" xmlns:mc="http://schemas.openxmlformats.org/markup-compatibility/2006">
+<p:notesMaster xmlns:a="http://schemas.openxmlformats.org/drawingml/2006/main" xmlns:r="http://schemas.openxmlformats.org/officeDocument/2006/relationships" xmlns:p="http://schemas.openxmlformats.org/presentationml/2006/main">
   <p:cSld>
+    <p:bg>
+      <p:bgRef idx="1001">
+        <a:schemeClr val="bg1"/>
+      </p:bgRef>
+    </p:bg>
     <p:spTree>
       <p:nvGrpSpPr>
         <p:cNvPr id="1" name=""/>
@@ -52,33 +157,23 @@
           </a:prstGeom>
         </p:spPr>
         <p:txBody>
-          <a:bodyPr lIns="0" rIns="0" tIns="0" bIns="0"/>
+          <a:bodyPr lIns="0" tIns="0" rIns="0" bIns="0"/>
+          <a:lstStyle/>
           <a:p>
             <a:r>
-              <a:rPr b="0" lang="de-DE" sz="2000" spc="-1" strike="noStrike">
+              <a:rPr lang="de-DE" sz="2000" b="0" strike="noStrike" spc="-1">
                 <a:solidFill>
                   <a:srgbClr val="000000"/>
                 </a:solidFill>
                 <a:uFill>
                   <a:solidFill>
-                    <a:srgbClr val="ffffff"/>
+                    <a:srgbClr val="FFFFFF"/>
                   </a:solidFill>
                 </a:uFill>
                 <a:latin typeface="Arial"/>
               </a:rPr>
               <a:t>Format der Notizen mittels Klicken bearbeiten</a:t>
             </a:r>
-            <a:endParaRPr b="0" lang="de-DE" sz="2000" spc="-1" strike="noStrike">
-              <a:solidFill>
-                <a:srgbClr val="000000"/>
-              </a:solidFill>
-              <a:uFill>
-                <a:solidFill>
-                  <a:srgbClr val="ffffff"/>
-                </a:solidFill>
-              </a:uFill>
-              <a:latin typeface="Arial"/>
-            </a:endParaRPr>
           </a:p>
         </p:txBody>
       </p:sp>
@@ -102,33 +197,23 @@
           </a:prstGeom>
         </p:spPr>
         <p:txBody>
-          <a:bodyPr lIns="0" rIns="0" tIns="0" bIns="0"/>
+          <a:bodyPr lIns="0" tIns="0" rIns="0" bIns="0"/>
+          <a:lstStyle/>
           <a:p>
             <a:r>
-              <a:rPr b="0" lang="de-DE" sz="1400" spc="-1" strike="noStrike">
+              <a:rPr lang="de-DE" sz="1400" b="0" strike="noStrike" spc="-1">
                 <a:solidFill>
                   <a:srgbClr val="000000"/>
                 </a:solidFill>
                 <a:uFill>
                   <a:solidFill>
-                    <a:srgbClr val="ffffff"/>
+                    <a:srgbClr val="FFFFFF"/>
                   </a:solidFill>
                 </a:uFill>
                 <a:latin typeface="Times New Roman"/>
               </a:rPr>
               <a:t> </a:t>
             </a:r>
-            <a:endParaRPr b="0" lang="de-DE" sz="1400" spc="-1" strike="noStrike">
-              <a:solidFill>
-                <a:srgbClr val="000000"/>
-              </a:solidFill>
-              <a:uFill>
-                <a:solidFill>
-                  <a:srgbClr val="ffffff"/>
-                </a:solidFill>
-              </a:uFill>
-              <a:latin typeface="Times New Roman"/>
-            </a:endParaRPr>
           </a:p>
         </p:txBody>
       </p:sp>
@@ -152,34 +237,24 @@
           </a:prstGeom>
         </p:spPr>
         <p:txBody>
-          <a:bodyPr lIns="0" rIns="0" tIns="0" bIns="0"/>
+          <a:bodyPr lIns="0" tIns="0" rIns="0" bIns="0"/>
+          <a:lstStyle/>
           <a:p>
             <a:pPr algn="r"/>
             <a:r>
-              <a:rPr b="0" lang="de-DE" sz="1400" spc="-1" strike="noStrike">
+              <a:rPr lang="de-DE" sz="1400" b="0" strike="noStrike" spc="-1">
                 <a:solidFill>
                   <a:srgbClr val="000000"/>
                 </a:solidFill>
                 <a:uFill>
                   <a:solidFill>
-                    <a:srgbClr val="ffffff"/>
+                    <a:srgbClr val="FFFFFF"/>
                   </a:solidFill>
                 </a:uFill>
                 <a:latin typeface="Times New Roman"/>
               </a:rPr>
               <a:t> </a:t>
             </a:r>
-            <a:endParaRPr b="0" lang="de-DE" sz="1400" spc="-1" strike="noStrike">
-              <a:solidFill>
-                <a:srgbClr val="000000"/>
-              </a:solidFill>
-              <a:uFill>
-                <a:solidFill>
-                  <a:srgbClr val="ffffff"/>
-                </a:solidFill>
-              </a:uFill>
-              <a:latin typeface="Times New Roman"/>
-            </a:endParaRPr>
           </a:p>
         </p:txBody>
       </p:sp>
@@ -203,33 +278,23 @@
           </a:prstGeom>
         </p:spPr>
         <p:txBody>
-          <a:bodyPr lIns="0" rIns="0" tIns="0" bIns="0" anchor="b"/>
+          <a:bodyPr lIns="0" tIns="0" rIns="0" bIns="0" anchor="b"/>
+          <a:lstStyle/>
           <a:p>
             <a:r>
-              <a:rPr b="0" lang="de-DE" sz="1400" spc="-1" strike="noStrike">
+              <a:rPr lang="de-DE" sz="1400" b="0" strike="noStrike" spc="-1">
                 <a:solidFill>
                   <a:srgbClr val="000000"/>
                 </a:solidFill>
                 <a:uFill>
                   <a:solidFill>
-                    <a:srgbClr val="ffffff"/>
+                    <a:srgbClr val="FFFFFF"/>
                   </a:solidFill>
                 </a:uFill>
                 <a:latin typeface="Times New Roman"/>
               </a:rPr>
               <a:t> </a:t>
             </a:r>
-            <a:endParaRPr b="0" lang="de-DE" sz="1400" spc="-1" strike="noStrike">
-              <a:solidFill>
-                <a:srgbClr val="000000"/>
-              </a:solidFill>
-              <a:uFill>
-                <a:solidFill>
-                  <a:srgbClr val="ffffff"/>
-                </a:solidFill>
-              </a:uFill>
-              <a:latin typeface="Times New Roman"/>
-            </a:endParaRPr>
           </a:p>
         </p:txBody>
       </p:sp>
@@ -253,30 +318,31 @@
           </a:prstGeom>
         </p:spPr>
         <p:txBody>
-          <a:bodyPr lIns="0" rIns="0" tIns="0" bIns="0" anchor="b"/>
+          <a:bodyPr lIns="0" tIns="0" rIns="0" bIns="0" anchor="b"/>
+          <a:lstStyle/>
           <a:p>
             <a:pPr algn="r"/>
             <a:fld id="{F712583D-75CC-44A3-A7F7-25634F9DEB3A}" type="slidenum">
-              <a:rPr b="0" lang="de-DE" sz="1400" spc="-1" strike="noStrike">
+              <a:rPr lang="de-DE" sz="1400" b="0" strike="noStrike" spc="-1">
                 <a:solidFill>
                   <a:srgbClr val="000000"/>
                 </a:solidFill>
                 <a:uFill>
                   <a:solidFill>
-                    <a:srgbClr val="ffffff"/>
+                    <a:srgbClr val="FFFFFF"/>
                   </a:solidFill>
                 </a:uFill>
                 <a:latin typeface="Times New Roman"/>
               </a:rPr>
-              <a:t>1</a:t>
+              <a:t>‹Nr.›</a:t>
             </a:fld>
-            <a:endParaRPr b="0" lang="de-DE" sz="1400" spc="-1" strike="noStrike">
-              <a:solidFill>
-                <a:srgbClr val="000000"/>
-              </a:solidFill>
-              <a:uFill>
-                <a:solidFill>
-                  <a:srgbClr val="ffffff"/>
+            <a:endParaRPr lang="de-DE" sz="1400" b="0" strike="noStrike" spc="-1">
+              <a:solidFill>
+                <a:srgbClr val="000000"/>
+              </a:solidFill>
+              <a:uFill>
+                <a:solidFill>
+                  <a:srgbClr val="FFFFFF"/>
                 </a:solidFill>
               </a:uFill>
               <a:latin typeface="Times New Roman"/>
@@ -286,12 +352,104 @@
       </p:sp>
     </p:spTree>
   </p:cSld>
-  <p:clrMap bg1="lt1" bg2="lt2" tx1="dk1" tx2="dk2" accent1="accent1" accent2="accent2" accent3="accent3" accent4="accent4" accent5="accent5" accent6="accent6" hlink="hlink" folHlink="folHlink"/>
+  <p:clrMap bg1="lt1" tx1="dk1" bg2="lt2" tx2="dk2" accent1="accent1" accent2="accent2" accent3="accent3" accent4="accent4" accent5="accent5" accent6="accent6" hlink="hlink" folHlink="folHlink"/>
+  <p:notesStyle>
+    <a:lvl1pPr marL="0" algn="l" defTabSz="914400" rtl="0" eaLnBrk="1" latinLnBrk="0" hangingPunct="1">
+      <a:defRPr sz="1200" kern="1200">
+        <a:solidFill>
+          <a:schemeClr val="tx1"/>
+        </a:solidFill>
+        <a:latin typeface="+mn-lt"/>
+        <a:ea typeface="+mn-ea"/>
+        <a:cs typeface="+mn-cs"/>
+      </a:defRPr>
+    </a:lvl1pPr>
+    <a:lvl2pPr marL="457200" algn="l" defTabSz="914400" rtl="0" eaLnBrk="1" latinLnBrk="0" hangingPunct="1">
+      <a:defRPr sz="1200" kern="1200">
+        <a:solidFill>
+          <a:schemeClr val="tx1"/>
+        </a:solidFill>
+        <a:latin typeface="+mn-lt"/>
+        <a:ea typeface="+mn-ea"/>
+        <a:cs typeface="+mn-cs"/>
+      </a:defRPr>
+    </a:lvl2pPr>
+    <a:lvl3pPr marL="914400" algn="l" defTabSz="914400" rtl="0" eaLnBrk="1" latinLnBrk="0" hangingPunct="1">
+      <a:defRPr sz="1200" kern="1200">
+        <a:solidFill>
+          <a:schemeClr val="tx1"/>
+        </a:solidFill>
+        <a:latin typeface="+mn-lt"/>
+        <a:ea typeface="+mn-ea"/>
+        <a:cs typeface="+mn-cs"/>
+      </a:defRPr>
+    </a:lvl3pPr>
+    <a:lvl4pPr marL="1371600" algn="l" defTabSz="914400" rtl="0" eaLnBrk="1" latinLnBrk="0" hangingPunct="1">
+      <a:defRPr sz="1200" kern="1200">
+        <a:solidFill>
+          <a:schemeClr val="tx1"/>
+        </a:solidFill>
+        <a:latin typeface="+mn-lt"/>
+        <a:ea typeface="+mn-ea"/>
+        <a:cs typeface="+mn-cs"/>
+      </a:defRPr>
+    </a:lvl4pPr>
+    <a:lvl5pPr marL="1828800" algn="l" defTabSz="914400" rtl="0" eaLnBrk="1" latinLnBrk="0" hangingPunct="1">
+      <a:defRPr sz="1200" kern="1200">
+        <a:solidFill>
+          <a:schemeClr val="tx1"/>
+        </a:solidFill>
+        <a:latin typeface="+mn-lt"/>
+        <a:ea typeface="+mn-ea"/>
+        <a:cs typeface="+mn-cs"/>
+      </a:defRPr>
+    </a:lvl5pPr>
+    <a:lvl6pPr marL="2286000" algn="l" defTabSz="914400" rtl="0" eaLnBrk="1" latinLnBrk="0" hangingPunct="1">
+      <a:defRPr sz="1200" kern="1200">
+        <a:solidFill>
+          <a:schemeClr val="tx1"/>
+        </a:solidFill>
+        <a:latin typeface="+mn-lt"/>
+        <a:ea typeface="+mn-ea"/>
+        <a:cs typeface="+mn-cs"/>
+      </a:defRPr>
+    </a:lvl6pPr>
+    <a:lvl7pPr marL="2743200" algn="l" defTabSz="914400" rtl="0" eaLnBrk="1" latinLnBrk="0" hangingPunct="1">
+      <a:defRPr sz="1200" kern="1200">
+        <a:solidFill>
+          <a:schemeClr val="tx1"/>
+        </a:solidFill>
+        <a:latin typeface="+mn-lt"/>
+        <a:ea typeface="+mn-ea"/>
+        <a:cs typeface="+mn-cs"/>
+      </a:defRPr>
+    </a:lvl7pPr>
+    <a:lvl8pPr marL="3200400" algn="l" defTabSz="914400" rtl="0" eaLnBrk="1" latinLnBrk="0" hangingPunct="1">
+      <a:defRPr sz="1200" kern="1200">
+        <a:solidFill>
+          <a:schemeClr val="tx1"/>
+        </a:solidFill>
+        <a:latin typeface="+mn-lt"/>
+        <a:ea typeface="+mn-ea"/>
+        <a:cs typeface="+mn-cs"/>
+      </a:defRPr>
+    </a:lvl8pPr>
+    <a:lvl9pPr marL="3657600" algn="l" defTabSz="914400" rtl="0" eaLnBrk="1" latinLnBrk="0" hangingPunct="1">
+      <a:defRPr sz="1200" kern="1200">
+        <a:solidFill>
+          <a:schemeClr val="tx1"/>
+        </a:solidFill>
+        <a:latin typeface="+mn-lt"/>
+        <a:ea typeface="+mn-ea"/>
+        <a:cs typeface="+mn-cs"/>
+      </a:defRPr>
+    </a:lvl9pPr>
+  </p:notesStyle>
 </p:notesMaster>
 </file>
 
 <file path=ppt/notesSlides/notesSlide1.xml><?xml version="1.0" encoding="utf-8"?>
-<p:notes xmlns:a="http://schemas.openxmlformats.org/drawingml/2006/main" xmlns:p="http://schemas.openxmlformats.org/presentationml/2006/main" xmlns:r="http://schemas.openxmlformats.org/officeDocument/2006/relationships" xmlns:p14="http://schemas.microsoft.com/office/powerpoint/2010/main" xmlns:p15="http://schemas.microsoft.com/office/powerpoint/2012/main" xmlns:mc="http://schemas.openxmlformats.org/markup-compatibility/2006">
+<p:notes xmlns:a="http://schemas.openxmlformats.org/drawingml/2006/main" xmlns:r="http://schemas.openxmlformats.org/officeDocument/2006/relationships" xmlns:p="http://schemas.openxmlformats.org/presentationml/2006/main">
   <p:cSld>
     <p:spTree>
       <p:nvGrpSpPr>
@@ -327,17 +485,18 @@
           </a:prstGeom>
         </p:spPr>
         <p:txBody>
-          <a:bodyPr lIns="0" rIns="0" tIns="0" bIns="0">
+          <a:bodyPr lIns="0" tIns="0" rIns="0" bIns="0">
             <a:normAutofit/>
           </a:bodyPr>
-          <a:p>
-            <a:endParaRPr b="0" lang="de-DE" sz="2000" spc="-1" strike="noStrike">
-              <a:solidFill>
-                <a:srgbClr val="000000"/>
-              </a:solidFill>
-              <a:uFill>
-                <a:solidFill>
-                  <a:srgbClr val="ffffff"/>
+          <a:lstStyle/>
+          <a:p>
+            <a:endParaRPr lang="de-DE" sz="2000" b="0" strike="noStrike" spc="-1">
+              <a:solidFill>
+                <a:srgbClr val="000000"/>
+              </a:solidFill>
+              <a:uFill>
+                <a:solidFill>
+                  <a:srgbClr val="FFFFFF"/>
                 </a:solidFill>
               </a:uFill>
               <a:latin typeface="Arial"/>
@@ -365,13 +524,20 @@
           </a:ln>
         </p:spPr>
         <p:style>
-          <a:lnRef idx="0"/>
-          <a:fillRef idx="0"/>
-          <a:effectRef idx="0"/>
+          <a:lnRef idx="0">
+            <a:scrgbClr r="0" g="0" b="0"/>
+          </a:lnRef>
+          <a:fillRef idx="0">
+            <a:scrgbClr r="0" g="0" b="0"/>
+          </a:fillRef>
+          <a:effectRef idx="0">
+            <a:scrgbClr r="0" g="0" b="0"/>
+          </a:effectRef>
           <a:fontRef idx="minor"/>
         </p:style>
         <p:txBody>
-          <a:bodyPr lIns="90000" rIns="90000" tIns="45000" bIns="45000" anchor="b"/>
+          <a:bodyPr lIns="90000" tIns="45000" rIns="90000" bIns="45000" anchor="b"/>
+          <a:lstStyle/>
           <a:p>
             <a:pPr algn="r">
               <a:lnSpc>
@@ -379,27 +545,27 @@
               </a:lnSpc>
             </a:pPr>
             <a:fld id="{7898D43B-7950-4C60-8619-D94B3D79B564}" type="slidenum">
-              <a:rPr b="0" lang="de-DE" sz="1200" spc="-1" strike="noStrike">
+              <a:rPr lang="de-DE" sz="1200" b="0" strike="noStrike" spc="-1">
                 <a:solidFill>
                   <a:srgbClr val="000000"/>
                 </a:solidFill>
                 <a:uFill>
                   <a:solidFill>
-                    <a:srgbClr val="ffffff"/>
+                    <a:srgbClr val="FFFFFF"/>
                   </a:solidFill>
                 </a:uFill>
                 <a:latin typeface="+mn-lt"/>
                 <a:ea typeface="+mn-ea"/>
               </a:rPr>
-              <a:t>&lt;Foliennummer&gt;</a:t>
+              <a:t>1</a:t>
             </a:fld>
-            <a:endParaRPr b="0" lang="de-DE" sz="1200" spc="-1" strike="noStrike">
-              <a:solidFill>
-                <a:srgbClr val="000000"/>
-              </a:solidFill>
-              <a:uFill>
-                <a:solidFill>
-                  <a:srgbClr val="ffffff"/>
+            <a:endParaRPr lang="de-DE" sz="1200" b="0" strike="noStrike" spc="-1">
+              <a:solidFill>
+                <a:srgbClr val="000000"/>
+              </a:solidFill>
+              <a:uFill>
+                <a:solidFill>
+                  <a:srgbClr val="FFFFFF"/>
                 </a:solidFill>
               </a:uFill>
               <a:latin typeface="Arial"/>
@@ -409,11 +575,14 @@
       </p:sp>
     </p:spTree>
   </p:cSld>
+  <p:clrMapOvr>
+    <a:masterClrMapping/>
+  </p:clrMapOvr>
 </p:notes>
 </file>
 
 <file path=ppt/slideLayouts/slideLayout1.xml><?xml version="1.0" encoding="utf-8"?>
-<p:sldLayout xmlns:a="http://schemas.openxmlformats.org/drawingml/2006/main" xmlns:p="http://schemas.openxmlformats.org/presentationml/2006/main" xmlns:r="http://schemas.openxmlformats.org/officeDocument/2006/relationships" xmlns:p14="http://schemas.microsoft.com/office/powerpoint/2010/main" xmlns:p15="http://schemas.microsoft.com/office/powerpoint/2012/main" xmlns:mc="http://schemas.openxmlformats.org/markup-compatibility/2006" type="blank" preserve="1">
+<p:sldLayout xmlns:a="http://schemas.openxmlformats.org/drawingml/2006/main" xmlns:r="http://schemas.openxmlformats.org/officeDocument/2006/relationships" xmlns:p="http://schemas.openxmlformats.org/presentationml/2006/main" type="blank" preserve="1">
   <p:cSld name="Blank Slide">
     <p:spTree>
       <p:nvGrpSpPr>
@@ -431,11 +600,14 @@
       </p:grpSpPr>
     </p:spTree>
   </p:cSld>
+  <p:clrMapOvr>
+    <a:masterClrMapping/>
+  </p:clrMapOvr>
 </p:sldLayout>
 </file>
 
 <file path=ppt/slideLayouts/slideLayout10.xml><?xml version="1.0" encoding="utf-8"?>
-<p:sldLayout xmlns:a="http://schemas.openxmlformats.org/drawingml/2006/main" xmlns:p="http://schemas.openxmlformats.org/presentationml/2006/main" xmlns:r="http://schemas.openxmlformats.org/officeDocument/2006/relationships" xmlns:p14="http://schemas.microsoft.com/office/powerpoint/2010/main" xmlns:p15="http://schemas.microsoft.com/office/powerpoint/2012/main" xmlns:mc="http://schemas.openxmlformats.org/markup-compatibility/2006" type="objOverTx" preserve="1">
+<p:sldLayout xmlns:a="http://schemas.openxmlformats.org/drawingml/2006/main" xmlns:r="http://schemas.openxmlformats.org/officeDocument/2006/relationships" xmlns:p="http://schemas.openxmlformats.org/presentationml/2006/main" type="objOverTx" preserve="1">
   <p:cSld name="Title, Content over Content">
     <p:spTree>
       <p:nvGrpSpPr>
@@ -471,16 +643,17 @@
           </a:prstGeom>
         </p:spPr>
         <p:txBody>
-          <a:bodyPr lIns="0" rIns="0" tIns="0" bIns="0" anchor="ctr"/>
+          <a:bodyPr lIns="0" tIns="0" rIns="0" bIns="0" anchor="ctr"/>
+          <a:lstStyle/>
           <a:p>
             <a:pPr algn="ctr"/>
-            <a:endParaRPr b="0" lang="de-DE" sz="4400" spc="-1" strike="noStrike">
-              <a:solidFill>
-                <a:srgbClr val="000000"/>
-              </a:solidFill>
-              <a:uFill>
-                <a:solidFill>
-                  <a:srgbClr val="ffffff"/>
+            <a:endParaRPr lang="de-DE" sz="4400" b="0" strike="noStrike" spc="-1">
+              <a:solidFill>
+                <a:srgbClr val="000000"/>
+              </a:solidFill>
+              <a:uFill>
+                <a:solidFill>
+                  <a:srgbClr val="FFFFFF"/>
                 </a:solidFill>
               </a:uFill>
               <a:latin typeface="Arial"/>
@@ -508,17 +681,18 @@
           </a:prstGeom>
         </p:spPr>
         <p:txBody>
-          <a:bodyPr lIns="0" rIns="0" tIns="0" bIns="0">
+          <a:bodyPr lIns="0" tIns="0" rIns="0" bIns="0">
             <a:normAutofit/>
           </a:bodyPr>
-          <a:p>
-            <a:endParaRPr b="0" lang="de-DE" sz="3200" spc="-1" strike="noStrike">
-              <a:solidFill>
-                <a:srgbClr val="000000"/>
-              </a:solidFill>
-              <a:uFill>
-                <a:solidFill>
-                  <a:srgbClr val="ffffff"/>
+          <a:lstStyle/>
+          <a:p>
+            <a:endParaRPr lang="de-DE" sz="3200" b="0" strike="noStrike" spc="-1">
+              <a:solidFill>
+                <a:srgbClr val="000000"/>
+              </a:solidFill>
+              <a:uFill>
+                <a:solidFill>
+                  <a:srgbClr val="FFFFFF"/>
                 </a:solidFill>
               </a:uFill>
               <a:latin typeface="Arial"/>
@@ -546,17 +720,18 @@
           </a:prstGeom>
         </p:spPr>
         <p:txBody>
-          <a:bodyPr lIns="0" rIns="0" tIns="0" bIns="0">
+          <a:bodyPr lIns="0" tIns="0" rIns="0" bIns="0">
             <a:normAutofit/>
           </a:bodyPr>
-          <a:p>
-            <a:endParaRPr b="0" lang="de-DE" sz="3200" spc="-1" strike="noStrike">
-              <a:solidFill>
-                <a:srgbClr val="000000"/>
-              </a:solidFill>
-              <a:uFill>
-                <a:solidFill>
-                  <a:srgbClr val="ffffff"/>
+          <a:lstStyle/>
+          <a:p>
+            <a:endParaRPr lang="de-DE" sz="3200" b="0" strike="noStrike" spc="-1">
+              <a:solidFill>
+                <a:srgbClr val="000000"/>
+              </a:solidFill>
+              <a:uFill>
+                <a:solidFill>
+                  <a:srgbClr val="FFFFFF"/>
                 </a:solidFill>
               </a:uFill>
               <a:latin typeface="Arial"/>
@@ -566,11 +741,14 @@
       </p:sp>
     </p:spTree>
   </p:cSld>
+  <p:clrMapOvr>
+    <a:masterClrMapping/>
+  </p:clrMapOvr>
 </p:sldLayout>
 </file>
 
 <file path=ppt/slideLayouts/slideLayout11.xml><?xml version="1.0" encoding="utf-8"?>
-<p:sldLayout xmlns:a="http://schemas.openxmlformats.org/drawingml/2006/main" xmlns:p="http://schemas.openxmlformats.org/presentationml/2006/main" xmlns:r="http://schemas.openxmlformats.org/officeDocument/2006/relationships" xmlns:p14="http://schemas.microsoft.com/office/powerpoint/2010/main" xmlns:p15="http://schemas.microsoft.com/office/powerpoint/2012/main" xmlns:mc="http://schemas.openxmlformats.org/markup-compatibility/2006" type="fourObj" preserve="1">
+<p:sldLayout xmlns:a="http://schemas.openxmlformats.org/drawingml/2006/main" xmlns:r="http://schemas.openxmlformats.org/officeDocument/2006/relationships" xmlns:p="http://schemas.openxmlformats.org/presentationml/2006/main" type="fourObj" preserve="1">
   <p:cSld name="Title, 4 Content">
     <p:spTree>
       <p:nvGrpSpPr>
@@ -606,16 +784,17 @@
           </a:prstGeom>
         </p:spPr>
         <p:txBody>
-          <a:bodyPr lIns="0" rIns="0" tIns="0" bIns="0" anchor="ctr"/>
+          <a:bodyPr lIns="0" tIns="0" rIns="0" bIns="0" anchor="ctr"/>
+          <a:lstStyle/>
           <a:p>
             <a:pPr algn="ctr"/>
-            <a:endParaRPr b="0" lang="de-DE" sz="4400" spc="-1" strike="noStrike">
-              <a:solidFill>
-                <a:srgbClr val="000000"/>
-              </a:solidFill>
-              <a:uFill>
-                <a:solidFill>
-                  <a:srgbClr val="ffffff"/>
+            <a:endParaRPr lang="de-DE" sz="4400" b="0" strike="noStrike" spc="-1">
+              <a:solidFill>
+                <a:srgbClr val="000000"/>
+              </a:solidFill>
+              <a:uFill>
+                <a:solidFill>
+                  <a:srgbClr val="FFFFFF"/>
                 </a:solidFill>
               </a:uFill>
               <a:latin typeface="Arial"/>
@@ -643,17 +822,18 @@
           </a:prstGeom>
         </p:spPr>
         <p:txBody>
-          <a:bodyPr lIns="0" rIns="0" tIns="0" bIns="0">
+          <a:bodyPr lIns="0" tIns="0" rIns="0" bIns="0">
             <a:normAutofit/>
           </a:bodyPr>
-          <a:p>
-            <a:endParaRPr b="0" lang="de-DE" sz="3200" spc="-1" strike="noStrike">
-              <a:solidFill>
-                <a:srgbClr val="000000"/>
-              </a:solidFill>
-              <a:uFill>
-                <a:solidFill>
-                  <a:srgbClr val="ffffff"/>
+          <a:lstStyle/>
+          <a:p>
+            <a:endParaRPr lang="de-DE" sz="3200" b="0" strike="noStrike" spc="-1">
+              <a:solidFill>
+                <a:srgbClr val="000000"/>
+              </a:solidFill>
+              <a:uFill>
+                <a:solidFill>
+                  <a:srgbClr val="FFFFFF"/>
                 </a:solidFill>
               </a:uFill>
               <a:latin typeface="Arial"/>
@@ -681,17 +861,18 @@
           </a:prstGeom>
         </p:spPr>
         <p:txBody>
-          <a:bodyPr lIns="0" rIns="0" tIns="0" bIns="0">
+          <a:bodyPr lIns="0" tIns="0" rIns="0" bIns="0">
             <a:normAutofit/>
           </a:bodyPr>
-          <a:p>
-            <a:endParaRPr b="0" lang="de-DE" sz="3200" spc="-1" strike="noStrike">
-              <a:solidFill>
-                <a:srgbClr val="000000"/>
-              </a:solidFill>
-              <a:uFill>
-                <a:solidFill>
-                  <a:srgbClr val="ffffff"/>
+          <a:lstStyle/>
+          <a:p>
+            <a:endParaRPr lang="de-DE" sz="3200" b="0" strike="noStrike" spc="-1">
+              <a:solidFill>
+                <a:srgbClr val="000000"/>
+              </a:solidFill>
+              <a:uFill>
+                <a:solidFill>
+                  <a:srgbClr val="FFFFFF"/>
                 </a:solidFill>
               </a:uFill>
               <a:latin typeface="Arial"/>
@@ -719,17 +900,18 @@
           </a:prstGeom>
         </p:spPr>
         <p:txBody>
-          <a:bodyPr lIns="0" rIns="0" tIns="0" bIns="0">
+          <a:bodyPr lIns="0" tIns="0" rIns="0" bIns="0">
             <a:normAutofit/>
           </a:bodyPr>
-          <a:p>
-            <a:endParaRPr b="0" lang="de-DE" sz="3200" spc="-1" strike="noStrike">
-              <a:solidFill>
-                <a:srgbClr val="000000"/>
-              </a:solidFill>
-              <a:uFill>
-                <a:solidFill>
-                  <a:srgbClr val="ffffff"/>
+          <a:lstStyle/>
+          <a:p>
+            <a:endParaRPr lang="de-DE" sz="3200" b="0" strike="noStrike" spc="-1">
+              <a:solidFill>
+                <a:srgbClr val="000000"/>
+              </a:solidFill>
+              <a:uFill>
+                <a:solidFill>
+                  <a:srgbClr val="FFFFFF"/>
                 </a:solidFill>
               </a:uFill>
               <a:latin typeface="Arial"/>
@@ -757,17 +939,18 @@
           </a:prstGeom>
         </p:spPr>
         <p:txBody>
-          <a:bodyPr lIns="0" rIns="0" tIns="0" bIns="0">
+          <a:bodyPr lIns="0" tIns="0" rIns="0" bIns="0">
             <a:normAutofit/>
           </a:bodyPr>
-          <a:p>
-            <a:endParaRPr b="0" lang="de-DE" sz="3200" spc="-1" strike="noStrike">
-              <a:solidFill>
-                <a:srgbClr val="000000"/>
-              </a:solidFill>
-              <a:uFill>
-                <a:solidFill>
-                  <a:srgbClr val="ffffff"/>
+          <a:lstStyle/>
+          <a:p>
+            <a:endParaRPr lang="de-DE" sz="3200" b="0" strike="noStrike" spc="-1">
+              <a:solidFill>
+                <a:srgbClr val="000000"/>
+              </a:solidFill>
+              <a:uFill>
+                <a:solidFill>
+                  <a:srgbClr val="FFFFFF"/>
                 </a:solidFill>
               </a:uFill>
               <a:latin typeface="Arial"/>
@@ -777,11 +960,14 @@
       </p:sp>
     </p:spTree>
   </p:cSld>
+  <p:clrMapOvr>
+    <a:masterClrMapping/>
+  </p:clrMapOvr>
 </p:sldLayout>
 </file>
 
 <file path=ppt/slideLayouts/slideLayout12.xml><?xml version="1.0" encoding="utf-8"?>
-<p:sldLayout xmlns:a="http://schemas.openxmlformats.org/drawingml/2006/main" xmlns:p="http://schemas.openxmlformats.org/presentationml/2006/main" xmlns:r="http://schemas.openxmlformats.org/officeDocument/2006/relationships" xmlns:p14="http://schemas.microsoft.com/office/powerpoint/2010/main" xmlns:p15="http://schemas.microsoft.com/office/powerpoint/2012/main" xmlns:mc="http://schemas.openxmlformats.org/markup-compatibility/2006" type="blank" preserve="1">
+<p:sldLayout xmlns:a="http://schemas.openxmlformats.org/drawingml/2006/main" xmlns:r="http://schemas.openxmlformats.org/officeDocument/2006/relationships" xmlns:p="http://schemas.openxmlformats.org/presentationml/2006/main" type="blank" preserve="1">
   <p:cSld name="Title, 6 Content">
     <p:spTree>
       <p:nvGrpSpPr>
@@ -817,16 +1003,17 @@
           </a:prstGeom>
         </p:spPr>
         <p:txBody>
-          <a:bodyPr lIns="0" rIns="0" tIns="0" bIns="0" anchor="ctr"/>
+          <a:bodyPr lIns="0" tIns="0" rIns="0" bIns="0" anchor="ctr"/>
+          <a:lstStyle/>
           <a:p>
             <a:pPr algn="ctr"/>
-            <a:endParaRPr b="0" lang="de-DE" sz="4400" spc="-1" strike="noStrike">
-              <a:solidFill>
-                <a:srgbClr val="000000"/>
-              </a:solidFill>
-              <a:uFill>
-                <a:solidFill>
-                  <a:srgbClr val="ffffff"/>
+            <a:endParaRPr lang="de-DE" sz="4400" b="0" strike="noStrike" spc="-1">
+              <a:solidFill>
+                <a:srgbClr val="000000"/>
+              </a:solidFill>
+              <a:uFill>
+                <a:solidFill>
+                  <a:srgbClr val="FFFFFF"/>
                 </a:solidFill>
               </a:uFill>
               <a:latin typeface="Arial"/>
@@ -854,17 +1041,18 @@
           </a:prstGeom>
         </p:spPr>
         <p:txBody>
-          <a:bodyPr lIns="0" rIns="0" tIns="0" bIns="0">
+          <a:bodyPr lIns="0" tIns="0" rIns="0" bIns="0">
             <a:normAutofit/>
           </a:bodyPr>
-          <a:p>
-            <a:endParaRPr b="0" lang="de-DE" sz="3200" spc="-1" strike="noStrike">
-              <a:solidFill>
-                <a:srgbClr val="000000"/>
-              </a:solidFill>
-              <a:uFill>
-                <a:solidFill>
-                  <a:srgbClr val="ffffff"/>
+          <a:lstStyle/>
+          <a:p>
+            <a:endParaRPr lang="de-DE" sz="3200" b="0" strike="noStrike" spc="-1">
+              <a:solidFill>
+                <a:srgbClr val="000000"/>
+              </a:solidFill>
+              <a:uFill>
+                <a:solidFill>
+                  <a:srgbClr val="FFFFFF"/>
                 </a:solidFill>
               </a:uFill>
               <a:latin typeface="Arial"/>
@@ -892,17 +1080,18 @@
           </a:prstGeom>
         </p:spPr>
         <p:txBody>
-          <a:bodyPr lIns="0" rIns="0" tIns="0" bIns="0">
+          <a:bodyPr lIns="0" tIns="0" rIns="0" bIns="0">
             <a:normAutofit/>
           </a:bodyPr>
-          <a:p>
-            <a:endParaRPr b="0" lang="de-DE" sz="3200" spc="-1" strike="noStrike">
-              <a:solidFill>
-                <a:srgbClr val="000000"/>
-              </a:solidFill>
-              <a:uFill>
-                <a:solidFill>
-                  <a:srgbClr val="ffffff"/>
+          <a:lstStyle/>
+          <a:p>
+            <a:endParaRPr lang="de-DE" sz="3200" b="0" strike="noStrike" spc="-1">
+              <a:solidFill>
+                <a:srgbClr val="000000"/>
+              </a:solidFill>
+              <a:uFill>
+                <a:solidFill>
+                  <a:srgbClr val="FFFFFF"/>
                 </a:solidFill>
               </a:uFill>
               <a:latin typeface="Arial"/>
@@ -912,7 +1101,7 @@
       </p:sp>
       <p:pic>
         <p:nvPicPr>
-          <p:cNvPr id="70" name="" descr=""/>
+          <p:cNvPr id="70" name="Grafik 69"/>
           <p:cNvPicPr/>
           <p:nvPr/>
         </p:nvPicPr>
@@ -935,12 +1124,12 @@
       </p:pic>
       <p:pic>
         <p:nvPicPr>
-          <p:cNvPr id="71" name="" descr=""/>
+          <p:cNvPr id="71" name="Grafik 70"/>
           <p:cNvPicPr/>
           <p:nvPr/>
         </p:nvPicPr>
         <p:blipFill>
-          <a:blip r:embed="rId3"/>
+          <a:blip r:embed="rId2"/>
           <a:stretch/>
         </p:blipFill>
         <p:spPr>
@@ -958,11 +1147,14 @@
       </p:pic>
     </p:spTree>
   </p:cSld>
+  <p:clrMapOvr>
+    <a:masterClrMapping/>
+  </p:clrMapOvr>
 </p:sldLayout>
 </file>
 
 <file path=ppt/slideLayouts/slideLayout2.xml><?xml version="1.0" encoding="utf-8"?>
-<p:sldLayout xmlns:a="http://schemas.openxmlformats.org/drawingml/2006/main" xmlns:p="http://schemas.openxmlformats.org/presentationml/2006/main" xmlns:r="http://schemas.openxmlformats.org/officeDocument/2006/relationships" xmlns:p14="http://schemas.microsoft.com/office/powerpoint/2010/main" xmlns:p15="http://schemas.microsoft.com/office/powerpoint/2012/main" xmlns:mc="http://schemas.openxmlformats.org/markup-compatibility/2006" type="tx" preserve="1">
+<p:sldLayout xmlns:a="http://schemas.openxmlformats.org/drawingml/2006/main" xmlns:r="http://schemas.openxmlformats.org/officeDocument/2006/relationships" xmlns:p="http://schemas.openxmlformats.org/presentationml/2006/main" type="tx" preserve="1">
   <p:cSld name="Title Slide">
     <p:spTree>
       <p:nvGrpSpPr>
@@ -998,16 +1190,17 @@
           </a:prstGeom>
         </p:spPr>
         <p:txBody>
-          <a:bodyPr lIns="0" rIns="0" tIns="0" bIns="0" anchor="ctr"/>
+          <a:bodyPr lIns="0" tIns="0" rIns="0" bIns="0" anchor="ctr"/>
+          <a:lstStyle/>
           <a:p>
             <a:pPr algn="ctr"/>
-            <a:endParaRPr b="0" lang="de-DE" sz="4400" spc="-1" strike="noStrike">
-              <a:solidFill>
-                <a:srgbClr val="000000"/>
-              </a:solidFill>
-              <a:uFill>
-                <a:solidFill>
-                  <a:srgbClr val="ffffff"/>
+            <a:endParaRPr lang="de-DE" sz="4400" b="0" strike="noStrike" spc="-1">
+              <a:solidFill>
+                <a:srgbClr val="000000"/>
+              </a:solidFill>
+              <a:uFill>
+                <a:solidFill>
+                  <a:srgbClr val="FFFFFF"/>
                 </a:solidFill>
               </a:uFill>
               <a:latin typeface="Arial"/>
@@ -1035,16 +1228,17 @@
           </a:prstGeom>
         </p:spPr>
         <p:txBody>
-          <a:bodyPr lIns="0" rIns="0" tIns="0" bIns="0" anchor="ctr"/>
+          <a:bodyPr lIns="0" tIns="0" rIns="0" bIns="0" anchor="ctr"/>
+          <a:lstStyle/>
           <a:p>
             <a:pPr algn="ctr"/>
-            <a:endParaRPr b="0" lang="de-DE" sz="3200" spc="-1" strike="noStrike">
-              <a:solidFill>
-                <a:srgbClr val="000000"/>
-              </a:solidFill>
-              <a:uFill>
-                <a:solidFill>
-                  <a:srgbClr val="ffffff"/>
+            <a:endParaRPr lang="de-DE" sz="3200" b="0" strike="noStrike" spc="-1">
+              <a:solidFill>
+                <a:srgbClr val="000000"/>
+              </a:solidFill>
+              <a:uFill>
+                <a:solidFill>
+                  <a:srgbClr val="FFFFFF"/>
                 </a:solidFill>
               </a:uFill>
               <a:latin typeface="Arial"/>
@@ -1054,11 +1248,14 @@
       </p:sp>
     </p:spTree>
   </p:cSld>
+  <p:clrMapOvr>
+    <a:masterClrMapping/>
+  </p:clrMapOvr>
 </p:sldLayout>
 </file>
 
 <file path=ppt/slideLayouts/slideLayout3.xml><?xml version="1.0" encoding="utf-8"?>
-<p:sldLayout xmlns:a="http://schemas.openxmlformats.org/drawingml/2006/main" xmlns:p="http://schemas.openxmlformats.org/presentationml/2006/main" xmlns:r="http://schemas.openxmlformats.org/officeDocument/2006/relationships" xmlns:p14="http://schemas.microsoft.com/office/powerpoint/2010/main" xmlns:p15="http://schemas.microsoft.com/office/powerpoint/2012/main" xmlns:mc="http://schemas.openxmlformats.org/markup-compatibility/2006" type="obj" preserve="1">
+<p:sldLayout xmlns:a="http://schemas.openxmlformats.org/drawingml/2006/main" xmlns:r="http://schemas.openxmlformats.org/officeDocument/2006/relationships" xmlns:p="http://schemas.openxmlformats.org/presentationml/2006/main" type="obj" preserve="1">
   <p:cSld name="Title, Content">
     <p:spTree>
       <p:nvGrpSpPr>
@@ -1094,16 +1291,17 @@
           </a:prstGeom>
         </p:spPr>
         <p:txBody>
-          <a:bodyPr lIns="0" rIns="0" tIns="0" bIns="0" anchor="ctr"/>
+          <a:bodyPr lIns="0" tIns="0" rIns="0" bIns="0" anchor="ctr"/>
+          <a:lstStyle/>
           <a:p>
             <a:pPr algn="ctr"/>
-            <a:endParaRPr b="0" lang="de-DE" sz="4400" spc="-1" strike="noStrike">
-              <a:solidFill>
-                <a:srgbClr val="000000"/>
-              </a:solidFill>
-              <a:uFill>
-                <a:solidFill>
-                  <a:srgbClr val="ffffff"/>
+            <a:endParaRPr lang="de-DE" sz="4400" b="0" strike="noStrike" spc="-1">
+              <a:solidFill>
+                <a:srgbClr val="000000"/>
+              </a:solidFill>
+              <a:uFill>
+                <a:solidFill>
+                  <a:srgbClr val="FFFFFF"/>
                 </a:solidFill>
               </a:uFill>
               <a:latin typeface="Arial"/>
@@ -1131,17 +1329,18 @@
           </a:prstGeom>
         </p:spPr>
         <p:txBody>
-          <a:bodyPr lIns="0" rIns="0" tIns="0" bIns="0">
+          <a:bodyPr lIns="0" tIns="0" rIns="0" bIns="0">
             <a:normAutofit/>
           </a:bodyPr>
-          <a:p>
-            <a:endParaRPr b="0" lang="de-DE" sz="3200" spc="-1" strike="noStrike">
-              <a:solidFill>
-                <a:srgbClr val="000000"/>
-              </a:solidFill>
-              <a:uFill>
-                <a:solidFill>
-                  <a:srgbClr val="ffffff"/>
+          <a:lstStyle/>
+          <a:p>
+            <a:endParaRPr lang="de-DE" sz="3200" b="0" strike="noStrike" spc="-1">
+              <a:solidFill>
+                <a:srgbClr val="000000"/>
+              </a:solidFill>
+              <a:uFill>
+                <a:solidFill>
+                  <a:srgbClr val="FFFFFF"/>
                 </a:solidFill>
               </a:uFill>
               <a:latin typeface="Arial"/>
@@ -1151,11 +1350,14 @@
       </p:sp>
     </p:spTree>
   </p:cSld>
+  <p:clrMapOvr>
+    <a:masterClrMapping/>
+  </p:clrMapOvr>
 </p:sldLayout>
 </file>
 
 <file path=ppt/slideLayouts/slideLayout4.xml><?xml version="1.0" encoding="utf-8"?>
-<p:sldLayout xmlns:a="http://schemas.openxmlformats.org/drawingml/2006/main" xmlns:p="http://schemas.openxmlformats.org/presentationml/2006/main" xmlns:r="http://schemas.openxmlformats.org/officeDocument/2006/relationships" xmlns:p14="http://schemas.microsoft.com/office/powerpoint/2010/main" xmlns:p15="http://schemas.microsoft.com/office/powerpoint/2012/main" xmlns:mc="http://schemas.openxmlformats.org/markup-compatibility/2006" type="twoObj" preserve="1">
+<p:sldLayout xmlns:a="http://schemas.openxmlformats.org/drawingml/2006/main" xmlns:r="http://schemas.openxmlformats.org/officeDocument/2006/relationships" xmlns:p="http://schemas.openxmlformats.org/presentationml/2006/main" type="twoObj" preserve="1">
   <p:cSld name="Title, 2 Content">
     <p:spTree>
       <p:nvGrpSpPr>
@@ -1191,16 +1393,17 @@
           </a:prstGeom>
         </p:spPr>
         <p:txBody>
-          <a:bodyPr lIns="0" rIns="0" tIns="0" bIns="0" anchor="ctr"/>
+          <a:bodyPr lIns="0" tIns="0" rIns="0" bIns="0" anchor="ctr"/>
+          <a:lstStyle/>
           <a:p>
             <a:pPr algn="ctr"/>
-            <a:endParaRPr b="0" lang="de-DE" sz="4400" spc="-1" strike="noStrike">
-              <a:solidFill>
-                <a:srgbClr val="000000"/>
-              </a:solidFill>
-              <a:uFill>
-                <a:solidFill>
-                  <a:srgbClr val="ffffff"/>
+            <a:endParaRPr lang="de-DE" sz="4400" b="0" strike="noStrike" spc="-1">
+              <a:solidFill>
+                <a:srgbClr val="000000"/>
+              </a:solidFill>
+              <a:uFill>
+                <a:solidFill>
+                  <a:srgbClr val="FFFFFF"/>
                 </a:solidFill>
               </a:uFill>
               <a:latin typeface="Arial"/>
@@ -1228,17 +1431,18 @@
           </a:prstGeom>
         </p:spPr>
         <p:txBody>
-          <a:bodyPr lIns="0" rIns="0" tIns="0" bIns="0">
+          <a:bodyPr lIns="0" tIns="0" rIns="0" bIns="0">
             <a:normAutofit/>
           </a:bodyPr>
-          <a:p>
-            <a:endParaRPr b="0" lang="de-DE" sz="3200" spc="-1" strike="noStrike">
-              <a:solidFill>
-                <a:srgbClr val="000000"/>
-              </a:solidFill>
-              <a:uFill>
-                <a:solidFill>
-                  <a:srgbClr val="ffffff"/>
+          <a:lstStyle/>
+          <a:p>
+            <a:endParaRPr lang="de-DE" sz="3200" b="0" strike="noStrike" spc="-1">
+              <a:solidFill>
+                <a:srgbClr val="000000"/>
+              </a:solidFill>
+              <a:uFill>
+                <a:solidFill>
+                  <a:srgbClr val="FFFFFF"/>
                 </a:solidFill>
               </a:uFill>
               <a:latin typeface="Arial"/>
@@ -1266,17 +1470,18 @@
           </a:prstGeom>
         </p:spPr>
         <p:txBody>
-          <a:bodyPr lIns="0" rIns="0" tIns="0" bIns="0">
+          <a:bodyPr lIns="0" tIns="0" rIns="0" bIns="0">
             <a:normAutofit/>
           </a:bodyPr>
-          <a:p>
-            <a:endParaRPr b="0" lang="de-DE" sz="3200" spc="-1" strike="noStrike">
-              <a:solidFill>
-                <a:srgbClr val="000000"/>
-              </a:solidFill>
-              <a:uFill>
-                <a:solidFill>
-                  <a:srgbClr val="ffffff"/>
+          <a:lstStyle/>
+          <a:p>
+            <a:endParaRPr lang="de-DE" sz="3200" b="0" strike="noStrike" spc="-1">
+              <a:solidFill>
+                <a:srgbClr val="000000"/>
+              </a:solidFill>
+              <a:uFill>
+                <a:solidFill>
+                  <a:srgbClr val="FFFFFF"/>
                 </a:solidFill>
               </a:uFill>
               <a:latin typeface="Arial"/>
@@ -1286,11 +1491,14 @@
       </p:sp>
     </p:spTree>
   </p:cSld>
+  <p:clrMapOvr>
+    <a:masterClrMapping/>
+  </p:clrMapOvr>
 </p:sldLayout>
 </file>
 
 <file path=ppt/slideLayouts/slideLayout5.xml><?xml version="1.0" encoding="utf-8"?>
-<p:sldLayout xmlns:a="http://schemas.openxmlformats.org/drawingml/2006/main" xmlns:p="http://schemas.openxmlformats.org/presentationml/2006/main" xmlns:r="http://schemas.openxmlformats.org/officeDocument/2006/relationships" xmlns:p14="http://schemas.microsoft.com/office/powerpoint/2010/main" xmlns:p15="http://schemas.microsoft.com/office/powerpoint/2012/main" xmlns:mc="http://schemas.openxmlformats.org/markup-compatibility/2006" type="titleOnly" preserve="1">
+<p:sldLayout xmlns:a="http://schemas.openxmlformats.org/drawingml/2006/main" xmlns:r="http://schemas.openxmlformats.org/officeDocument/2006/relationships" xmlns:p="http://schemas.openxmlformats.org/presentationml/2006/main" type="titleOnly" preserve="1">
   <p:cSld name="Title Only">
     <p:spTree>
       <p:nvGrpSpPr>
@@ -1326,16 +1534,17 @@
           </a:prstGeom>
         </p:spPr>
         <p:txBody>
-          <a:bodyPr lIns="0" rIns="0" tIns="0" bIns="0" anchor="ctr"/>
+          <a:bodyPr lIns="0" tIns="0" rIns="0" bIns="0" anchor="ctr"/>
+          <a:lstStyle/>
           <a:p>
             <a:pPr algn="ctr"/>
-            <a:endParaRPr b="0" lang="de-DE" sz="4400" spc="-1" strike="noStrike">
-              <a:solidFill>
-                <a:srgbClr val="000000"/>
-              </a:solidFill>
-              <a:uFill>
-                <a:solidFill>
-                  <a:srgbClr val="ffffff"/>
+            <a:endParaRPr lang="de-DE" sz="4400" b="0" strike="noStrike" spc="-1">
+              <a:solidFill>
+                <a:srgbClr val="000000"/>
+              </a:solidFill>
+              <a:uFill>
+                <a:solidFill>
+                  <a:srgbClr val="FFFFFF"/>
                 </a:solidFill>
               </a:uFill>
               <a:latin typeface="Arial"/>
@@ -1345,11 +1554,14 @@
       </p:sp>
     </p:spTree>
   </p:cSld>
+  <p:clrMapOvr>
+    <a:masterClrMapping/>
+  </p:clrMapOvr>
 </p:sldLayout>
 </file>
 
 <file path=ppt/slideLayouts/slideLayout6.xml><?xml version="1.0" encoding="utf-8"?>
-<p:sldLayout xmlns:a="http://schemas.openxmlformats.org/drawingml/2006/main" xmlns:p="http://schemas.openxmlformats.org/presentationml/2006/main" xmlns:r="http://schemas.openxmlformats.org/officeDocument/2006/relationships" xmlns:p14="http://schemas.microsoft.com/office/powerpoint/2010/main" xmlns:p15="http://schemas.microsoft.com/office/powerpoint/2012/main" xmlns:mc="http://schemas.openxmlformats.org/markup-compatibility/2006" type="objOnly" preserve="1">
+<p:sldLayout xmlns:a="http://schemas.openxmlformats.org/drawingml/2006/main" xmlns:r="http://schemas.openxmlformats.org/officeDocument/2006/relationships" xmlns:p="http://schemas.openxmlformats.org/presentationml/2006/main" type="objOnly" preserve="1">
   <p:cSld name="Centered Text">
     <p:spTree>
       <p:nvGrpSpPr>
@@ -1385,16 +1597,17 @@
           </a:prstGeom>
         </p:spPr>
         <p:txBody>
-          <a:bodyPr lIns="0" rIns="0" tIns="0" bIns="0" anchor="ctr"/>
+          <a:bodyPr lIns="0" tIns="0" rIns="0" bIns="0" anchor="ctr"/>
+          <a:lstStyle/>
           <a:p>
             <a:pPr algn="ctr"/>
-            <a:endParaRPr b="0" lang="de-DE" sz="3200" spc="-1" strike="noStrike">
-              <a:solidFill>
-                <a:srgbClr val="000000"/>
-              </a:solidFill>
-              <a:uFill>
-                <a:solidFill>
-                  <a:srgbClr val="ffffff"/>
+            <a:endParaRPr lang="de-DE" sz="3200" b="0" strike="noStrike" spc="-1">
+              <a:solidFill>
+                <a:srgbClr val="000000"/>
+              </a:solidFill>
+              <a:uFill>
+                <a:solidFill>
+                  <a:srgbClr val="FFFFFF"/>
                 </a:solidFill>
               </a:uFill>
               <a:latin typeface="Arial"/>
@@ -1404,11 +1617,14 @@
       </p:sp>
     </p:spTree>
   </p:cSld>
+  <p:clrMapOvr>
+    <a:masterClrMapping/>
+  </p:clrMapOvr>
 </p:sldLayout>
 </file>
 
 <file path=ppt/slideLayouts/slideLayout7.xml><?xml version="1.0" encoding="utf-8"?>
-<p:sldLayout xmlns:a="http://schemas.openxmlformats.org/drawingml/2006/main" xmlns:p="http://schemas.openxmlformats.org/presentationml/2006/main" xmlns:r="http://schemas.openxmlformats.org/officeDocument/2006/relationships" xmlns:p14="http://schemas.microsoft.com/office/powerpoint/2010/main" xmlns:p15="http://schemas.microsoft.com/office/powerpoint/2012/main" xmlns:mc="http://schemas.openxmlformats.org/markup-compatibility/2006" type="twoObjAndObj" preserve="1">
+<p:sldLayout xmlns:a="http://schemas.openxmlformats.org/drawingml/2006/main" xmlns:r="http://schemas.openxmlformats.org/officeDocument/2006/relationships" xmlns:p="http://schemas.openxmlformats.org/presentationml/2006/main" type="twoObjAndObj" preserve="1">
   <p:cSld name="Title, 2 Content and Content">
     <p:spTree>
       <p:nvGrpSpPr>
@@ -1444,16 +1660,17 @@
           </a:prstGeom>
         </p:spPr>
         <p:txBody>
-          <a:bodyPr lIns="0" rIns="0" tIns="0" bIns="0" anchor="ctr"/>
+          <a:bodyPr lIns="0" tIns="0" rIns="0" bIns="0" anchor="ctr"/>
+          <a:lstStyle/>
           <a:p>
             <a:pPr algn="ctr"/>
-            <a:endParaRPr b="0" lang="de-DE" sz="4400" spc="-1" strike="noStrike">
-              <a:solidFill>
-                <a:srgbClr val="000000"/>
-              </a:solidFill>
-              <a:uFill>
-                <a:solidFill>
-                  <a:srgbClr val="ffffff"/>
+            <a:endParaRPr lang="de-DE" sz="4400" b="0" strike="noStrike" spc="-1">
+              <a:solidFill>
+                <a:srgbClr val="000000"/>
+              </a:solidFill>
+              <a:uFill>
+                <a:solidFill>
+                  <a:srgbClr val="FFFFFF"/>
                 </a:solidFill>
               </a:uFill>
               <a:latin typeface="Arial"/>
@@ -1481,17 +1698,18 @@
           </a:prstGeom>
         </p:spPr>
         <p:txBody>
-          <a:bodyPr lIns="0" rIns="0" tIns="0" bIns="0">
+          <a:bodyPr lIns="0" tIns="0" rIns="0" bIns="0">
             <a:normAutofit/>
           </a:bodyPr>
-          <a:p>
-            <a:endParaRPr b="0" lang="de-DE" sz="3200" spc="-1" strike="noStrike">
-              <a:solidFill>
-                <a:srgbClr val="000000"/>
-              </a:solidFill>
-              <a:uFill>
-                <a:solidFill>
-                  <a:srgbClr val="ffffff"/>
+          <a:lstStyle/>
+          <a:p>
+            <a:endParaRPr lang="de-DE" sz="3200" b="0" strike="noStrike" spc="-1">
+              <a:solidFill>
+                <a:srgbClr val="000000"/>
+              </a:solidFill>
+              <a:uFill>
+                <a:solidFill>
+                  <a:srgbClr val="FFFFFF"/>
                 </a:solidFill>
               </a:uFill>
               <a:latin typeface="Arial"/>
@@ -1519,17 +1737,18 @@
           </a:prstGeom>
         </p:spPr>
         <p:txBody>
-          <a:bodyPr lIns="0" rIns="0" tIns="0" bIns="0">
+          <a:bodyPr lIns="0" tIns="0" rIns="0" bIns="0">
             <a:normAutofit/>
           </a:bodyPr>
-          <a:p>
-            <a:endParaRPr b="0" lang="de-DE" sz="3200" spc="-1" strike="noStrike">
-              <a:solidFill>
-                <a:srgbClr val="000000"/>
-              </a:solidFill>
-              <a:uFill>
-                <a:solidFill>
-                  <a:srgbClr val="ffffff"/>
+          <a:lstStyle/>
+          <a:p>
+            <a:endParaRPr lang="de-DE" sz="3200" b="0" strike="noStrike" spc="-1">
+              <a:solidFill>
+                <a:srgbClr val="000000"/>
+              </a:solidFill>
+              <a:uFill>
+                <a:solidFill>
+                  <a:srgbClr val="FFFFFF"/>
                 </a:solidFill>
               </a:uFill>
               <a:latin typeface="Arial"/>
@@ -1557,17 +1776,18 @@
           </a:prstGeom>
         </p:spPr>
         <p:txBody>
-          <a:bodyPr lIns="0" rIns="0" tIns="0" bIns="0">
+          <a:bodyPr lIns="0" tIns="0" rIns="0" bIns="0">
             <a:normAutofit/>
           </a:bodyPr>
-          <a:p>
-            <a:endParaRPr b="0" lang="de-DE" sz="3200" spc="-1" strike="noStrike">
-              <a:solidFill>
-                <a:srgbClr val="000000"/>
-              </a:solidFill>
-              <a:uFill>
-                <a:solidFill>
-                  <a:srgbClr val="ffffff"/>
+          <a:lstStyle/>
+          <a:p>
+            <a:endParaRPr lang="de-DE" sz="3200" b="0" strike="noStrike" spc="-1">
+              <a:solidFill>
+                <a:srgbClr val="000000"/>
+              </a:solidFill>
+              <a:uFill>
+                <a:solidFill>
+                  <a:srgbClr val="FFFFFF"/>
                 </a:solidFill>
               </a:uFill>
               <a:latin typeface="Arial"/>
@@ -1577,11 +1797,14 @@
       </p:sp>
     </p:spTree>
   </p:cSld>
+  <p:clrMapOvr>
+    <a:masterClrMapping/>
+  </p:clrMapOvr>
 </p:sldLayout>
 </file>
 
 <file path=ppt/slideLayouts/slideLayout8.xml><?xml version="1.0" encoding="utf-8"?>
-<p:sldLayout xmlns:a="http://schemas.openxmlformats.org/drawingml/2006/main" xmlns:p="http://schemas.openxmlformats.org/presentationml/2006/main" xmlns:r="http://schemas.openxmlformats.org/officeDocument/2006/relationships" xmlns:p14="http://schemas.microsoft.com/office/powerpoint/2010/main" xmlns:p15="http://schemas.microsoft.com/office/powerpoint/2012/main" xmlns:mc="http://schemas.openxmlformats.org/markup-compatibility/2006" type="objAndTwoObj" preserve="1">
+<p:sldLayout xmlns:a="http://schemas.openxmlformats.org/drawingml/2006/main" xmlns:r="http://schemas.openxmlformats.org/officeDocument/2006/relationships" xmlns:p="http://schemas.openxmlformats.org/presentationml/2006/main" type="objAndTwoObj" preserve="1">
   <p:cSld name="Title Content and 2 Content">
     <p:spTree>
       <p:nvGrpSpPr>
@@ -1617,16 +1840,17 @@
           </a:prstGeom>
         </p:spPr>
         <p:txBody>
-          <a:bodyPr lIns="0" rIns="0" tIns="0" bIns="0" anchor="ctr"/>
+          <a:bodyPr lIns="0" tIns="0" rIns="0" bIns="0" anchor="ctr"/>
+          <a:lstStyle/>
           <a:p>
             <a:pPr algn="ctr"/>
-            <a:endParaRPr b="0" lang="de-DE" sz="4400" spc="-1" strike="noStrike">
-              <a:solidFill>
-                <a:srgbClr val="000000"/>
-              </a:solidFill>
-              <a:uFill>
-                <a:solidFill>
-                  <a:srgbClr val="ffffff"/>
+            <a:endParaRPr lang="de-DE" sz="4400" b="0" strike="noStrike" spc="-1">
+              <a:solidFill>
+                <a:srgbClr val="000000"/>
+              </a:solidFill>
+              <a:uFill>
+                <a:solidFill>
+                  <a:srgbClr val="FFFFFF"/>
                 </a:solidFill>
               </a:uFill>
               <a:latin typeface="Arial"/>
@@ -1654,17 +1878,18 @@
           </a:prstGeom>
         </p:spPr>
         <p:txBody>
-          <a:bodyPr lIns="0" rIns="0" tIns="0" bIns="0">
+          <a:bodyPr lIns="0" tIns="0" rIns="0" bIns="0">
             <a:normAutofit/>
           </a:bodyPr>
-          <a:p>
-            <a:endParaRPr b="0" lang="de-DE" sz="3200" spc="-1" strike="noStrike">
-              <a:solidFill>
-                <a:srgbClr val="000000"/>
-              </a:solidFill>
-              <a:uFill>
-                <a:solidFill>
-                  <a:srgbClr val="ffffff"/>
+          <a:lstStyle/>
+          <a:p>
+            <a:endParaRPr lang="de-DE" sz="3200" b="0" strike="noStrike" spc="-1">
+              <a:solidFill>
+                <a:srgbClr val="000000"/>
+              </a:solidFill>
+              <a:uFill>
+                <a:solidFill>
+                  <a:srgbClr val="FFFFFF"/>
                 </a:solidFill>
               </a:uFill>
               <a:latin typeface="Arial"/>
@@ -1692,17 +1917,18 @@
           </a:prstGeom>
         </p:spPr>
         <p:txBody>
-          <a:bodyPr lIns="0" rIns="0" tIns="0" bIns="0">
+          <a:bodyPr lIns="0" tIns="0" rIns="0" bIns="0">
             <a:normAutofit/>
           </a:bodyPr>
-          <a:p>
-            <a:endParaRPr b="0" lang="de-DE" sz="3200" spc="-1" strike="noStrike">
-              <a:solidFill>
-                <a:srgbClr val="000000"/>
-              </a:solidFill>
-              <a:uFill>
-                <a:solidFill>
-                  <a:srgbClr val="ffffff"/>
+          <a:lstStyle/>
+          <a:p>
+            <a:endParaRPr lang="de-DE" sz="3200" b="0" strike="noStrike" spc="-1">
+              <a:solidFill>
+                <a:srgbClr val="000000"/>
+              </a:solidFill>
+              <a:uFill>
+                <a:solidFill>
+                  <a:srgbClr val="FFFFFF"/>
                 </a:solidFill>
               </a:uFill>
               <a:latin typeface="Arial"/>
@@ -1730,17 +1956,18 @@
           </a:prstGeom>
         </p:spPr>
         <p:txBody>
-          <a:bodyPr lIns="0" rIns="0" tIns="0" bIns="0">
+          <a:bodyPr lIns="0" tIns="0" rIns="0" bIns="0">
             <a:normAutofit/>
           </a:bodyPr>
-          <a:p>
-            <a:endParaRPr b="0" lang="de-DE" sz="3200" spc="-1" strike="noStrike">
-              <a:solidFill>
-                <a:srgbClr val="000000"/>
-              </a:solidFill>
-              <a:uFill>
-                <a:solidFill>
-                  <a:srgbClr val="ffffff"/>
+          <a:lstStyle/>
+          <a:p>
+            <a:endParaRPr lang="de-DE" sz="3200" b="0" strike="noStrike" spc="-1">
+              <a:solidFill>
+                <a:srgbClr val="000000"/>
+              </a:solidFill>
+              <a:uFill>
+                <a:solidFill>
+                  <a:srgbClr val="FFFFFF"/>
                 </a:solidFill>
               </a:uFill>
               <a:latin typeface="Arial"/>
@@ -1750,11 +1977,14 @@
       </p:sp>
     </p:spTree>
   </p:cSld>
+  <p:clrMapOvr>
+    <a:masterClrMapping/>
+  </p:clrMapOvr>
 </p:sldLayout>
 </file>
 
 <file path=ppt/slideLayouts/slideLayout9.xml><?xml version="1.0" encoding="utf-8"?>
-<p:sldLayout xmlns:a="http://schemas.openxmlformats.org/drawingml/2006/main" xmlns:p="http://schemas.openxmlformats.org/presentationml/2006/main" xmlns:r="http://schemas.openxmlformats.org/officeDocument/2006/relationships" xmlns:p14="http://schemas.microsoft.com/office/powerpoint/2010/main" xmlns:p15="http://schemas.microsoft.com/office/powerpoint/2012/main" xmlns:mc="http://schemas.openxmlformats.org/markup-compatibility/2006" type="twoObjOverTx" preserve="1">
+<p:sldLayout xmlns:a="http://schemas.openxmlformats.org/drawingml/2006/main" xmlns:r="http://schemas.openxmlformats.org/officeDocument/2006/relationships" xmlns:p="http://schemas.openxmlformats.org/presentationml/2006/main" type="twoObjOverTx" preserve="1">
   <p:cSld name="Title, 2 Content over Content">
     <p:spTree>
       <p:nvGrpSpPr>
@@ -1790,16 +2020,17 @@
           </a:prstGeom>
         </p:spPr>
         <p:txBody>
-          <a:bodyPr lIns="0" rIns="0" tIns="0" bIns="0" anchor="ctr"/>
+          <a:bodyPr lIns="0" tIns="0" rIns="0" bIns="0" anchor="ctr"/>
+          <a:lstStyle/>
           <a:p>
             <a:pPr algn="ctr"/>
-            <a:endParaRPr b="0" lang="de-DE" sz="4400" spc="-1" strike="noStrike">
-              <a:solidFill>
-                <a:srgbClr val="000000"/>
-              </a:solidFill>
-              <a:uFill>
-                <a:solidFill>
-                  <a:srgbClr val="ffffff"/>
+            <a:endParaRPr lang="de-DE" sz="4400" b="0" strike="noStrike" spc="-1">
+              <a:solidFill>
+                <a:srgbClr val="000000"/>
+              </a:solidFill>
+              <a:uFill>
+                <a:solidFill>
+                  <a:srgbClr val="FFFFFF"/>
                 </a:solidFill>
               </a:uFill>
               <a:latin typeface="Arial"/>
@@ -1827,17 +2058,18 @@
           </a:prstGeom>
         </p:spPr>
         <p:txBody>
-          <a:bodyPr lIns="0" rIns="0" tIns="0" bIns="0">
+          <a:bodyPr lIns="0" tIns="0" rIns="0" bIns="0">
             <a:normAutofit/>
           </a:bodyPr>
-          <a:p>
-            <a:endParaRPr b="0" lang="de-DE" sz="3200" spc="-1" strike="noStrike">
-              <a:solidFill>
-                <a:srgbClr val="000000"/>
-              </a:solidFill>
-              <a:uFill>
-                <a:solidFill>
-                  <a:srgbClr val="ffffff"/>
+          <a:lstStyle/>
+          <a:p>
+            <a:endParaRPr lang="de-DE" sz="3200" b="0" strike="noStrike" spc="-1">
+              <a:solidFill>
+                <a:srgbClr val="000000"/>
+              </a:solidFill>
+              <a:uFill>
+                <a:solidFill>
+                  <a:srgbClr val="FFFFFF"/>
                 </a:solidFill>
               </a:uFill>
               <a:latin typeface="Arial"/>
@@ -1865,17 +2097,18 @@
           </a:prstGeom>
         </p:spPr>
         <p:txBody>
-          <a:bodyPr lIns="0" rIns="0" tIns="0" bIns="0">
+          <a:bodyPr lIns="0" tIns="0" rIns="0" bIns="0">
             <a:normAutofit/>
           </a:bodyPr>
-          <a:p>
-            <a:endParaRPr b="0" lang="de-DE" sz="3200" spc="-1" strike="noStrike">
-              <a:solidFill>
-                <a:srgbClr val="000000"/>
-              </a:solidFill>
-              <a:uFill>
-                <a:solidFill>
-                  <a:srgbClr val="ffffff"/>
+          <a:lstStyle/>
+          <a:p>
+            <a:endParaRPr lang="de-DE" sz="3200" b="0" strike="noStrike" spc="-1">
+              <a:solidFill>
+                <a:srgbClr val="000000"/>
+              </a:solidFill>
+              <a:uFill>
+                <a:solidFill>
+                  <a:srgbClr val="FFFFFF"/>
                 </a:solidFill>
               </a:uFill>
               <a:latin typeface="Arial"/>
@@ -1903,17 +2136,18 @@
           </a:prstGeom>
         </p:spPr>
         <p:txBody>
-          <a:bodyPr lIns="0" rIns="0" tIns="0" bIns="0">
+          <a:bodyPr lIns="0" tIns="0" rIns="0" bIns="0">
             <a:normAutofit/>
           </a:bodyPr>
-          <a:p>
-            <a:endParaRPr b="0" lang="de-DE" sz="3200" spc="-1" strike="noStrike">
-              <a:solidFill>
-                <a:srgbClr val="000000"/>
-              </a:solidFill>
-              <a:uFill>
-                <a:solidFill>
-                  <a:srgbClr val="ffffff"/>
+          <a:lstStyle/>
+          <a:p>
+            <a:endParaRPr lang="de-DE" sz="3200" b="0" strike="noStrike" spc="-1">
+              <a:solidFill>
+                <a:srgbClr val="000000"/>
+              </a:solidFill>
+              <a:uFill>
+                <a:solidFill>
+                  <a:srgbClr val="FFFFFF"/>
                 </a:solidFill>
               </a:uFill>
               <a:latin typeface="Arial"/>
@@ -1923,17 +2157,21 @@
       </p:sp>
     </p:spTree>
   </p:cSld>
+  <p:clrMapOvr>
+    <a:masterClrMapping/>
+  </p:clrMapOvr>
 </p:sldLayout>
 </file>
 
 <file path=ppt/slideMasters/slideMaster1.xml><?xml version="1.0" encoding="utf-8"?>
-<p:sldMaster xmlns:a="http://schemas.openxmlformats.org/drawingml/2006/main" xmlns:p="http://schemas.openxmlformats.org/presentationml/2006/main" xmlns:r="http://schemas.openxmlformats.org/officeDocument/2006/relationships" xmlns:p14="http://schemas.microsoft.com/office/powerpoint/2010/main" xmlns:p15="http://schemas.microsoft.com/office/powerpoint/2012/main" xmlns:mc="http://schemas.openxmlformats.org/markup-compatibility/2006">
+<p:sldMaster xmlns:a="http://schemas.openxmlformats.org/drawingml/2006/main" xmlns:r="http://schemas.openxmlformats.org/officeDocument/2006/relationships" xmlns:p="http://schemas.openxmlformats.org/presentationml/2006/main">
   <p:cSld>
     <p:bg>
       <p:bgPr>
         <a:solidFill>
-          <a:srgbClr val="ffffff"/>
+          <a:srgbClr val="FFFFFF"/>
         </a:solidFill>
+        <a:effectLst/>
       </p:bgPr>
     </p:bg>
     <p:spTree>
@@ -1952,12 +2190,12 @@
       </p:grpSpPr>
       <p:pic>
         <p:nvPicPr>
-          <p:cNvPr id="0" name="" descr=""/>
+          <p:cNvPr id="38" name="Grafik 37"/>
           <p:cNvPicPr/>
           <p:nvPr/>
         </p:nvPicPr>
         <p:blipFill>
-          <a:blip r:embed="rId2"/>
+          <a:blip r:embed="rId14"/>
           <a:stretch/>
         </p:blipFill>
         <p:spPr>
@@ -1975,12 +2213,12 @@
       </p:pic>
       <p:pic>
         <p:nvPicPr>
-          <p:cNvPr id="1" name="" descr=""/>
+          <p:cNvPr id="39" name="Grafik 38"/>
           <p:cNvPicPr/>
           <p:nvPr/>
         </p:nvPicPr>
         <p:blipFill>
-          <a:blip r:embed="rId3"/>
+          <a:blip r:embed="rId15"/>
           <a:stretch/>
         </p:blipFill>
         <p:spPr>
@@ -1998,12 +2236,12 @@
       </p:pic>
       <p:pic>
         <p:nvPicPr>
-          <p:cNvPr id="2" name="" descr=""/>
+          <p:cNvPr id="2" name="Grafik 1"/>
           <p:cNvPicPr/>
           <p:nvPr/>
         </p:nvPicPr>
         <p:blipFill>
-          <a:blip r:embed="rId4"/>
+          <a:blip r:embed="rId16"/>
           <a:stretch/>
         </p:blipFill>
         <p:spPr>
@@ -2021,12 +2259,12 @@
       </p:pic>
       <p:pic>
         <p:nvPicPr>
-          <p:cNvPr id="3" name="" descr=""/>
+          <p:cNvPr id="3" name="Grafik 2"/>
           <p:cNvPicPr/>
           <p:nvPr/>
         </p:nvPicPr>
         <p:blipFill>
-          <a:blip r:embed="rId5"/>
+          <a:blip r:embed="rId17"/>
           <a:stretch/>
         </p:blipFill>
         <p:spPr>
@@ -2081,7 +2319,8 @@
           <a:fontRef idx="minor"/>
         </p:style>
         <p:txBody>
-          <a:bodyPr lIns="182880" rIns="182880" tIns="182880" bIns="182880"/>
+          <a:bodyPr lIns="182880" tIns="182880" rIns="182880" bIns="182880"/>
+          <a:lstStyle/>
           <a:p>
             <a:pPr algn="ctr">
               <a:lnSpc>
@@ -2089,13 +2328,13 @@
               </a:lnSpc>
             </a:pPr>
             <a:r>
-              <a:rPr b="1" lang="de-DE" sz="1800" spc="-1" strike="noStrike">
-                <a:solidFill>
-                  <a:srgbClr val="ff0000"/>
-                </a:solidFill>
-                <a:uFill>
-                  <a:solidFill>
-                    <a:srgbClr val="ffffff"/>
+              <a:rPr lang="de-DE" sz="1800" b="1" strike="noStrike" spc="-1">
+                <a:solidFill>
+                  <a:srgbClr val="FF0000"/>
+                </a:solidFill>
+                <a:uFill>
+                  <a:solidFill>
+                    <a:srgbClr val="FFFFFF"/>
                   </a:solidFill>
                 </a:uFill>
                 <a:latin typeface="Trebuchet MS"/>
@@ -2103,13 +2342,13 @@
               </a:rPr>
               <a:t>(—THIS SIDEBAR DOES NOT PRINT—)</a:t>
             </a:r>
-            <a:endParaRPr b="0" lang="de-DE" sz="1800" spc="-1" strike="noStrike">
-              <a:solidFill>
-                <a:srgbClr val="000000"/>
-              </a:solidFill>
-              <a:uFill>
-                <a:solidFill>
-                  <a:srgbClr val="ffffff"/>
+            <a:endParaRPr lang="de-DE" sz="1800" b="0" strike="noStrike" spc="-1">
+              <a:solidFill>
+                <a:srgbClr val="000000"/>
+              </a:solidFill>
+              <a:uFill>
+                <a:solidFill>
+                  <a:srgbClr val="FFFFFF"/>
                 </a:solidFill>
               </a:uFill>
               <a:latin typeface="Arial"/>
@@ -2122,13 +2361,13 @@
               </a:lnSpc>
             </a:pPr>
             <a:r>
-              <a:rPr b="1" lang="de-DE" sz="2000" spc="596" strike="noStrike">
-                <a:solidFill>
-                  <a:srgbClr val="ffffff"/>
-                </a:solidFill>
-                <a:uFill>
-                  <a:solidFill>
-                    <a:srgbClr val="ffffff"/>
+              <a:rPr lang="de-DE" sz="2000" b="1" strike="noStrike" spc="596">
+                <a:solidFill>
+                  <a:srgbClr val="FFFFFF"/>
+                </a:solidFill>
+                <a:uFill>
+                  <a:solidFill>
+                    <a:srgbClr val="FFFFFF"/>
                   </a:solidFill>
                 </a:uFill>
                 <a:latin typeface="Trebuchet MS"/>
@@ -2136,13 +2375,13 @@
               </a:rPr>
               <a:t>DESIGN GUIDE</a:t>
             </a:r>
-            <a:endParaRPr b="0" lang="de-DE" sz="2000" spc="-1" strike="noStrike">
-              <a:solidFill>
-                <a:srgbClr val="000000"/>
-              </a:solidFill>
-              <a:uFill>
-                <a:solidFill>
-                  <a:srgbClr val="ffffff"/>
+            <a:endParaRPr lang="de-DE" sz="2000" b="0" strike="noStrike" spc="-1">
+              <a:solidFill>
+                <a:srgbClr val="000000"/>
+              </a:solidFill>
+              <a:uFill>
+                <a:solidFill>
+                  <a:srgbClr val="FFFFFF"/>
                 </a:solidFill>
               </a:uFill>
               <a:latin typeface="Arial"/>
@@ -2155,13 +2394,13 @@
               </a:lnSpc>
             </a:pPr>
             <a:r>
-              <a:rPr b="1" lang="de-DE" sz="900" spc="-1" strike="noStrike">
-                <a:solidFill>
-                  <a:srgbClr val="ffffff"/>
-                </a:solidFill>
-                <a:uFill>
-                  <a:solidFill>
-                    <a:srgbClr val="ffffff"/>
+              <a:rPr lang="de-DE" sz="900" b="1" strike="noStrike" spc="-1">
+                <a:solidFill>
+                  <a:srgbClr val="FFFFFF"/>
+                </a:solidFill>
+                <a:uFill>
+                  <a:solidFill>
+                    <a:srgbClr val="FFFFFF"/>
                   </a:solidFill>
                 </a:uFill>
                 <a:latin typeface="Trebuchet MS"/>
@@ -2169,13 +2408,13 @@
               </a:rPr>
               <a:t> </a:t>
             </a:r>
-            <a:endParaRPr b="0" lang="de-DE" sz="900" spc="-1" strike="noStrike">
-              <a:solidFill>
-                <a:srgbClr val="000000"/>
-              </a:solidFill>
-              <a:uFill>
-                <a:solidFill>
-                  <a:srgbClr val="ffffff"/>
+            <a:endParaRPr lang="de-DE" sz="900" b="0" strike="noStrike" spc="-1">
+              <a:solidFill>
+                <a:srgbClr val="000000"/>
+              </a:solidFill>
+              <a:uFill>
+                <a:solidFill>
+                  <a:srgbClr val="FFFFFF"/>
                 </a:solidFill>
               </a:uFill>
               <a:latin typeface="Arial"/>
@@ -2188,13 +2427,13 @@
               </a:lnSpc>
             </a:pPr>
             <a:r>
-              <a:rPr b="0" lang="de-DE" sz="1400" spc="-1" strike="noStrike">
-                <a:solidFill>
-                  <a:srgbClr val="ffffff"/>
-                </a:solidFill>
-                <a:uFill>
-                  <a:solidFill>
-                    <a:srgbClr val="ffffff"/>
+              <a:rPr lang="de-DE" sz="1400" b="0" strike="noStrike" spc="-1">
+                <a:solidFill>
+                  <a:srgbClr val="FFFFFF"/>
+                </a:solidFill>
+                <a:uFill>
+                  <a:solidFill>
+                    <a:srgbClr val="FFFFFF"/>
                   </a:solidFill>
                 </a:uFill>
                 <a:latin typeface="Trebuchet MS"/>
@@ -2202,13 +2441,13 @@
               </a:rPr>
               <a:t>This PowerPoint 2007 template produces an A3 presentation poster. You can use it to create your research poster and save valuable time placing titles, subtitles, text, and graphics. </a:t>
             </a:r>
-            <a:endParaRPr b="0" lang="de-DE" sz="1400" spc="-1" strike="noStrike">
-              <a:solidFill>
-                <a:srgbClr val="000000"/>
-              </a:solidFill>
-              <a:uFill>
-                <a:solidFill>
-                  <a:srgbClr val="ffffff"/>
+            <a:endParaRPr lang="de-DE" sz="1400" b="0" strike="noStrike" spc="-1">
+              <a:solidFill>
+                <a:srgbClr val="000000"/>
+              </a:solidFill>
+              <a:uFill>
+                <a:solidFill>
+                  <a:srgbClr val="FFFFFF"/>
                 </a:solidFill>
               </a:uFill>
               <a:latin typeface="Arial"/>
@@ -2221,13 +2460,13 @@
               </a:lnSpc>
             </a:pPr>
             <a:r>
-              <a:rPr b="0" lang="de-DE" sz="900" spc="-1" strike="noStrike">
-                <a:solidFill>
-                  <a:srgbClr val="ffffff"/>
-                </a:solidFill>
-                <a:uFill>
-                  <a:solidFill>
-                    <a:srgbClr val="ffffff"/>
+              <a:rPr lang="de-DE" sz="900" b="0" strike="noStrike" spc="-1">
+                <a:solidFill>
+                  <a:srgbClr val="FFFFFF"/>
+                </a:solidFill>
+                <a:uFill>
+                  <a:solidFill>
+                    <a:srgbClr val="FFFFFF"/>
                   </a:solidFill>
                 </a:uFill>
                 <a:latin typeface="Trebuchet MS"/>
@@ -2235,13 +2474,13 @@
               </a:rPr>
               <a:t> </a:t>
             </a:r>
-            <a:endParaRPr b="0" lang="de-DE" sz="900" spc="-1" strike="noStrike">
-              <a:solidFill>
-                <a:srgbClr val="000000"/>
-              </a:solidFill>
-              <a:uFill>
-                <a:solidFill>
-                  <a:srgbClr val="ffffff"/>
+            <a:endParaRPr lang="de-DE" sz="900" b="0" strike="noStrike" spc="-1">
+              <a:solidFill>
+                <a:srgbClr val="000000"/>
+              </a:solidFill>
+              <a:uFill>
+                <a:solidFill>
+                  <a:srgbClr val="FFFFFF"/>
                 </a:solidFill>
               </a:uFill>
               <a:latin typeface="Arial"/>
@@ -2254,13 +2493,13 @@
               </a:lnSpc>
             </a:pPr>
             <a:r>
-              <a:rPr b="0" lang="de-DE" sz="1400" spc="-1" strike="noStrike">
-                <a:solidFill>
-                  <a:srgbClr val="ffffff"/>
-                </a:solidFill>
-                <a:uFill>
-                  <a:solidFill>
-                    <a:srgbClr val="ffffff"/>
+              <a:rPr lang="de-DE" sz="1400" b="0" strike="noStrike" spc="-1">
+                <a:solidFill>
+                  <a:srgbClr val="FFFFFF"/>
+                </a:solidFill>
+                <a:uFill>
+                  <a:solidFill>
+                    <a:srgbClr val="FFFFFF"/>
                   </a:solidFill>
                 </a:uFill>
                 <a:latin typeface="Trebuchet MS"/>
@@ -2269,13 +2508,13 @@
               <a:t>We provide a series of online answer your poster production questions. To view our template tutorials, go online to </a:t>
             </a:r>
             <a:r>
-              <a:rPr b="1" lang="de-DE" sz="1400" spc="-1" strike="noStrike">
-                <a:solidFill>
-                  <a:srgbClr val="ffc000"/>
-                </a:solidFill>
-                <a:uFill>
-                  <a:solidFill>
-                    <a:srgbClr val="ffffff"/>
+              <a:rPr lang="de-DE" sz="1400" b="1" strike="noStrike" spc="-1">
+                <a:solidFill>
+                  <a:srgbClr val="FFC000"/>
+                </a:solidFill>
+                <a:uFill>
+                  <a:solidFill>
+                    <a:srgbClr val="FFFFFF"/>
                   </a:solidFill>
                 </a:uFill>
                 <a:latin typeface="Trebuchet MS"/>
@@ -2284,13 +2523,13 @@
               <a:t>PosterPresentations.com</a:t>
             </a:r>
             <a:r>
-              <a:rPr b="1" lang="de-DE" sz="1400" spc="-1" strike="noStrike">
-                <a:solidFill>
-                  <a:srgbClr val="ffffff"/>
-                </a:solidFill>
-                <a:uFill>
-                  <a:solidFill>
-                    <a:srgbClr val="ffffff"/>
+              <a:rPr lang="de-DE" sz="1400" b="1" strike="noStrike" spc="-1">
+                <a:solidFill>
+                  <a:srgbClr val="FFFFFF"/>
+                </a:solidFill>
+                <a:uFill>
+                  <a:solidFill>
+                    <a:srgbClr val="FFFFFF"/>
                   </a:solidFill>
                 </a:uFill>
                 <a:latin typeface="Trebuchet MS"/>
@@ -2299,13 +2538,13 @@
               <a:t> </a:t>
             </a:r>
             <a:r>
-              <a:rPr b="0" lang="de-DE" sz="1400" spc="-1" strike="noStrike">
-                <a:solidFill>
-                  <a:srgbClr val="ffffff"/>
-                </a:solidFill>
-                <a:uFill>
-                  <a:solidFill>
-                    <a:srgbClr val="ffffff"/>
+              <a:rPr lang="de-DE" sz="1400" b="0" strike="noStrike" spc="-1">
+                <a:solidFill>
+                  <a:srgbClr val="FFFFFF"/>
+                </a:solidFill>
+                <a:uFill>
+                  <a:solidFill>
+                    <a:srgbClr val="FFFFFF"/>
                   </a:solidFill>
                 </a:uFill>
                 <a:latin typeface="Trebuchet MS"/>
@@ -2313,13 +2552,13 @@
               </a:rPr>
               <a:t>and click on HELP DESK.</a:t>
             </a:r>
-            <a:endParaRPr b="0" lang="de-DE" sz="1400" spc="-1" strike="noStrike">
-              <a:solidFill>
-                <a:srgbClr val="000000"/>
-              </a:solidFill>
-              <a:uFill>
-                <a:solidFill>
-                  <a:srgbClr val="ffffff"/>
+            <a:endParaRPr lang="de-DE" sz="1400" b="0" strike="noStrike" spc="-1">
+              <a:solidFill>
+                <a:srgbClr val="000000"/>
+              </a:solidFill>
+              <a:uFill>
+                <a:solidFill>
+                  <a:srgbClr val="FFFFFF"/>
                 </a:solidFill>
               </a:uFill>
               <a:latin typeface="Arial"/>
@@ -2332,13 +2571,13 @@
               </a:lnSpc>
             </a:pPr>
             <a:r>
-              <a:rPr b="0" lang="de-DE" sz="900" spc="-1" strike="noStrike">
-                <a:solidFill>
-                  <a:srgbClr val="ffffff"/>
-                </a:solidFill>
-                <a:uFill>
-                  <a:solidFill>
-                    <a:srgbClr val="ffffff"/>
+              <a:rPr lang="de-DE" sz="900" b="0" strike="noStrike" spc="-1">
+                <a:solidFill>
+                  <a:srgbClr val="FFFFFF"/>
+                </a:solidFill>
+                <a:uFill>
+                  <a:solidFill>
+                    <a:srgbClr val="FFFFFF"/>
                   </a:solidFill>
                 </a:uFill>
                 <a:latin typeface="Trebuchet MS"/>
@@ -2346,13 +2585,13 @@
               </a:rPr>
               <a:t> </a:t>
             </a:r>
-            <a:endParaRPr b="0" lang="de-DE" sz="900" spc="-1" strike="noStrike">
-              <a:solidFill>
-                <a:srgbClr val="000000"/>
-              </a:solidFill>
-              <a:uFill>
-                <a:solidFill>
-                  <a:srgbClr val="ffffff"/>
+            <a:endParaRPr lang="de-DE" sz="900" b="0" strike="noStrike" spc="-1">
+              <a:solidFill>
+                <a:srgbClr val="000000"/>
+              </a:solidFill>
+              <a:uFill>
+                <a:solidFill>
+                  <a:srgbClr val="FFFFFF"/>
                 </a:solidFill>
               </a:uFill>
               <a:latin typeface="Arial"/>
@@ -2365,13 +2604,13 @@
               </a:lnSpc>
             </a:pPr>
             <a:r>
-              <a:rPr b="0" lang="de-DE" sz="1400" spc="-1" strike="noStrike">
-                <a:solidFill>
-                  <a:srgbClr val="ffffff"/>
-                </a:solidFill>
-                <a:uFill>
-                  <a:solidFill>
-                    <a:srgbClr val="ffffff"/>
+              <a:rPr lang="de-DE" sz="1400" b="0" strike="noStrike" spc="-1">
+                <a:solidFill>
+                  <a:srgbClr val="FFFFFF"/>
+                </a:solidFill>
+                <a:uFill>
+                  <a:solidFill>
+                    <a:srgbClr val="FFFFFF"/>
                   </a:solidFill>
                 </a:uFill>
                 <a:latin typeface="Trebuchet MS"/>
@@ -2381,13 +2620,13 @@
             </a:r>
             <a:br/>
             <a:r>
-              <a:rPr b="0" lang="de-DE" sz="900" spc="-1" strike="noStrike">
-                <a:solidFill>
-                  <a:srgbClr val="ffffff"/>
-                </a:solidFill>
-                <a:uFill>
-                  <a:solidFill>
-                    <a:srgbClr val="ffffff"/>
+              <a:rPr lang="de-DE" sz="900" b="0" strike="noStrike" spc="-1">
+                <a:solidFill>
+                  <a:srgbClr val="FFFFFF"/>
+                </a:solidFill>
+                <a:uFill>
+                  <a:solidFill>
+                    <a:srgbClr val="FFFFFF"/>
                   </a:solidFill>
                 </a:uFill>
                 <a:latin typeface="Trebuchet MS"/>
@@ -2395,13 +2634,13 @@
               </a:rPr>
               <a:t> </a:t>
             </a:r>
-            <a:endParaRPr b="0" lang="de-DE" sz="900" spc="-1" strike="noStrike">
-              <a:solidFill>
-                <a:srgbClr val="000000"/>
-              </a:solidFill>
-              <a:uFill>
-                <a:solidFill>
-                  <a:srgbClr val="ffffff"/>
+            <a:endParaRPr lang="de-DE" sz="900" b="0" strike="noStrike" spc="-1">
+              <a:solidFill>
+                <a:srgbClr val="000000"/>
+              </a:solidFill>
+              <a:uFill>
+                <a:solidFill>
+                  <a:srgbClr val="FFFFFF"/>
                 </a:solidFill>
               </a:uFill>
               <a:latin typeface="Arial"/>
@@ -2414,13 +2653,13 @@
               </a:lnSpc>
             </a:pPr>
             <a:r>
-              <a:rPr b="0" lang="de-DE" sz="1400" spc="-1" strike="noStrike">
-                <a:solidFill>
-                  <a:srgbClr val="ffffff"/>
-                </a:solidFill>
-                <a:uFill>
-                  <a:solidFill>
-                    <a:srgbClr val="ffffff"/>
+              <a:rPr lang="de-DE" sz="1400" b="0" strike="noStrike" spc="-1">
+                <a:solidFill>
+                  <a:srgbClr val="FFFFFF"/>
+                </a:solidFill>
+                <a:uFill>
+                  <a:solidFill>
+                    <a:srgbClr val="FFFFFF"/>
                   </a:solidFill>
                 </a:uFill>
                 <a:latin typeface="Trebuchet MS"/>
@@ -2429,13 +2668,13 @@
               <a:t>Need assistance? Call us at </a:t>
             </a:r>
             <a:r>
-              <a:rPr b="0" lang="de-DE" sz="1400" spc="-1" strike="noStrike">
-                <a:solidFill>
-                  <a:srgbClr val="ffc000"/>
-                </a:solidFill>
-                <a:uFill>
-                  <a:solidFill>
-                    <a:srgbClr val="ffffff"/>
+              <a:rPr lang="de-DE" sz="1400" b="0" strike="noStrike" spc="-1">
+                <a:solidFill>
+                  <a:srgbClr val="FFC000"/>
+                </a:solidFill>
+                <a:uFill>
+                  <a:solidFill>
+                    <a:srgbClr val="FFFFFF"/>
                   </a:solidFill>
                 </a:uFill>
                 <a:latin typeface="Trebuchet MS"/>
@@ -2443,13 +2682,13 @@
               </a:rPr>
               <a:t>1.510.649.3001</a:t>
             </a:r>
-            <a:endParaRPr b="0" lang="de-DE" sz="1400" spc="-1" strike="noStrike">
-              <a:solidFill>
-                <a:srgbClr val="000000"/>
-              </a:solidFill>
-              <a:uFill>
-                <a:solidFill>
-                  <a:srgbClr val="ffffff"/>
+            <a:endParaRPr lang="de-DE" sz="1400" b="0" strike="noStrike" spc="-1">
+              <a:solidFill>
+                <a:srgbClr val="000000"/>
+              </a:solidFill>
+              <a:uFill>
+                <a:solidFill>
+                  <a:srgbClr val="FFFFFF"/>
                 </a:solidFill>
               </a:uFill>
               <a:latin typeface="Arial"/>
@@ -2462,13 +2701,13 @@
               </a:lnSpc>
             </a:pPr>
             <a:r>
-              <a:rPr b="1" lang="de-DE" sz="900" spc="-1" strike="noStrike">
-                <a:solidFill>
-                  <a:srgbClr val="ffff00"/>
-                </a:solidFill>
-                <a:uFill>
-                  <a:solidFill>
-                    <a:srgbClr val="ffffff"/>
+              <a:rPr lang="de-DE" sz="900" b="1" strike="noStrike" spc="-1">
+                <a:solidFill>
+                  <a:srgbClr val="FFFF00"/>
+                </a:solidFill>
+                <a:uFill>
+                  <a:solidFill>
+                    <a:srgbClr val="FFFFFF"/>
                   </a:solidFill>
                 </a:uFill>
                 <a:latin typeface="Trebuchet MS"/>
@@ -2476,13 +2715,13 @@
               </a:rPr>
               <a:t> </a:t>
             </a:r>
-            <a:endParaRPr b="0" lang="de-DE" sz="900" spc="-1" strike="noStrike">
-              <a:solidFill>
-                <a:srgbClr val="000000"/>
-              </a:solidFill>
-              <a:uFill>
-                <a:solidFill>
-                  <a:srgbClr val="ffffff"/>
+            <a:endParaRPr lang="de-DE" sz="900" b="0" strike="noStrike" spc="-1">
+              <a:solidFill>
+                <a:srgbClr val="000000"/>
+              </a:solidFill>
+              <a:uFill>
+                <a:solidFill>
+                  <a:srgbClr val="FFFFFF"/>
                 </a:solidFill>
               </a:uFill>
               <a:latin typeface="Arial"/>
@@ -2494,13 +2733,13 @@
                 <a:spcPct val="100000"/>
               </a:lnSpc>
             </a:pPr>
-            <a:endParaRPr b="0" lang="de-DE" sz="900" spc="-1" strike="noStrike">
-              <a:solidFill>
-                <a:srgbClr val="000000"/>
-              </a:solidFill>
-              <a:uFill>
-                <a:solidFill>
-                  <a:srgbClr val="ffffff"/>
+            <a:endParaRPr lang="de-DE" sz="900" b="0" strike="noStrike" spc="-1">
+              <a:solidFill>
+                <a:srgbClr val="000000"/>
+              </a:solidFill>
+              <a:uFill>
+                <a:solidFill>
+                  <a:srgbClr val="FFFFFF"/>
                 </a:solidFill>
               </a:uFill>
               <a:latin typeface="Arial"/>
@@ -2513,13 +2752,13 @@
               </a:lnSpc>
             </a:pPr>
             <a:r>
-              <a:rPr b="1" lang="de-DE" sz="2000" spc="596" strike="noStrike">
-                <a:solidFill>
-                  <a:srgbClr val="ffffff"/>
-                </a:solidFill>
-                <a:uFill>
-                  <a:solidFill>
-                    <a:srgbClr val="ffffff"/>
+              <a:rPr lang="de-DE" sz="2000" b="1" strike="noStrike" spc="596">
+                <a:solidFill>
+                  <a:srgbClr val="FFFFFF"/>
+                </a:solidFill>
+                <a:uFill>
+                  <a:solidFill>
+                    <a:srgbClr val="FFFFFF"/>
                   </a:solidFill>
                 </a:uFill>
                 <a:latin typeface="Trebuchet MS"/>
@@ -2527,13 +2766,13 @@
               </a:rPr>
               <a:t>QUICK START</a:t>
             </a:r>
-            <a:endParaRPr b="0" lang="de-DE" sz="2000" spc="-1" strike="noStrike">
-              <a:solidFill>
-                <a:srgbClr val="000000"/>
-              </a:solidFill>
-              <a:uFill>
-                <a:solidFill>
-                  <a:srgbClr val="ffffff"/>
+            <a:endParaRPr lang="de-DE" sz="2000" b="0" strike="noStrike" spc="-1">
+              <a:solidFill>
+                <a:srgbClr val="000000"/>
+              </a:solidFill>
+              <a:uFill>
+                <a:solidFill>
+                  <a:srgbClr val="FFFFFF"/>
                 </a:solidFill>
               </a:uFill>
               <a:latin typeface="Arial"/>
@@ -2546,13 +2785,13 @@
               </a:lnSpc>
             </a:pPr>
             <a:r>
-              <a:rPr b="1" lang="de-DE" sz="900" spc="-1" strike="noStrike">
-                <a:solidFill>
-                  <a:srgbClr val="ffffff"/>
-                </a:solidFill>
-                <a:uFill>
-                  <a:solidFill>
-                    <a:srgbClr val="ffffff"/>
+              <a:rPr lang="de-DE" sz="900" b="1" strike="noStrike" spc="-1">
+                <a:solidFill>
+                  <a:srgbClr val="FFFFFF"/>
+                </a:solidFill>
+                <a:uFill>
+                  <a:solidFill>
+                    <a:srgbClr val="FFFFFF"/>
                   </a:solidFill>
                 </a:uFill>
                 <a:latin typeface="Trebuchet MS"/>
@@ -2560,13 +2799,13 @@
               </a:rPr>
               <a:t> </a:t>
             </a:r>
-            <a:endParaRPr b="0" lang="de-DE" sz="900" spc="-1" strike="noStrike">
-              <a:solidFill>
-                <a:srgbClr val="000000"/>
-              </a:solidFill>
-              <a:uFill>
-                <a:solidFill>
-                  <a:srgbClr val="ffffff"/>
+            <a:endParaRPr lang="de-DE" sz="900" b="0" strike="noStrike" spc="-1">
+              <a:solidFill>
+                <a:srgbClr val="000000"/>
+              </a:solidFill>
+              <a:uFill>
+                <a:solidFill>
+                  <a:srgbClr val="FFFFFF"/>
                 </a:solidFill>
               </a:uFill>
               <a:latin typeface="Arial"/>
@@ -2579,13 +2818,13 @@
               </a:lnSpc>
             </a:pPr>
             <a:r>
-              <a:rPr b="1" lang="de-DE" sz="1600" spc="-1" strike="noStrike">
-                <a:solidFill>
-                  <a:srgbClr val="ffc000"/>
-                </a:solidFill>
-                <a:uFill>
-                  <a:solidFill>
-                    <a:srgbClr val="ffffff"/>
+              <a:rPr lang="de-DE" sz="1600" b="1" strike="noStrike" spc="-1">
+                <a:solidFill>
+                  <a:srgbClr val="FFC000"/>
+                </a:solidFill>
+                <a:uFill>
+                  <a:solidFill>
+                    <a:srgbClr val="FFFFFF"/>
                   </a:solidFill>
                 </a:uFill>
                 <a:latin typeface="Trebuchet MS"/>
@@ -2593,13 +2832,13 @@
               </a:rPr>
               <a:t>Zoom in and out</a:t>
             </a:r>
-            <a:endParaRPr b="0" lang="de-DE" sz="1600" spc="-1" strike="noStrike">
-              <a:solidFill>
-                <a:srgbClr val="000000"/>
-              </a:solidFill>
-              <a:uFill>
-                <a:solidFill>
-                  <a:srgbClr val="ffffff"/>
+            <a:endParaRPr lang="de-DE" sz="1600" b="0" strike="noStrike" spc="-1">
+              <a:solidFill>
+                <a:srgbClr val="000000"/>
+              </a:solidFill>
+              <a:uFill>
+                <a:solidFill>
+                  <a:srgbClr val="FFFFFF"/>
                 </a:solidFill>
               </a:uFill>
               <a:latin typeface="Arial"/>
@@ -2612,13 +2851,13 @@
               </a:lnSpc>
             </a:pPr>
             <a:r>
-              <a:rPr b="0" lang="de-DE" sz="1200" spc="-1" strike="noStrike">
-                <a:solidFill>
-                  <a:srgbClr val="bfbfbf"/>
-                </a:solidFill>
-                <a:uFill>
-                  <a:solidFill>
-                    <a:srgbClr val="ffffff"/>
+              <a:rPr lang="de-DE" sz="1200" b="0" strike="noStrike" spc="-1">
+                <a:solidFill>
+                  <a:srgbClr val="BFBFBF"/>
+                </a:solidFill>
+                <a:uFill>
+                  <a:solidFill>
+                    <a:srgbClr val="FFFFFF"/>
                   </a:solidFill>
                 </a:uFill>
                 <a:latin typeface="Trebuchet MS"/>
@@ -2626,13 +2865,13 @@
               </a:rPr>
               <a:t>As you work on your poster zoom in and out to the level that is more comfortable to you. Go to VIEW &gt; ZOOM.</a:t>
             </a:r>
-            <a:endParaRPr b="0" lang="de-DE" sz="1200" spc="-1" strike="noStrike">
-              <a:solidFill>
-                <a:srgbClr val="000000"/>
-              </a:solidFill>
-              <a:uFill>
-                <a:solidFill>
-                  <a:srgbClr val="ffffff"/>
+            <a:endParaRPr lang="de-DE" sz="1200" b="0" strike="noStrike" spc="-1">
+              <a:solidFill>
+                <a:srgbClr val="000000"/>
+              </a:solidFill>
+              <a:uFill>
+                <a:solidFill>
+                  <a:srgbClr val="FFFFFF"/>
                 </a:solidFill>
               </a:uFill>
               <a:latin typeface="Arial"/>
@@ -2644,13 +2883,13 @@
                 <a:spcPct val="100000"/>
               </a:lnSpc>
             </a:pPr>
-            <a:endParaRPr b="0" lang="de-DE" sz="1200" spc="-1" strike="noStrike">
-              <a:solidFill>
-                <a:srgbClr val="000000"/>
-              </a:solidFill>
-              <a:uFill>
-                <a:solidFill>
-                  <a:srgbClr val="ffffff"/>
+            <a:endParaRPr lang="de-DE" sz="1200" b="0" strike="noStrike" spc="-1">
+              <a:solidFill>
+                <a:srgbClr val="000000"/>
+              </a:solidFill>
+              <a:uFill>
+                <a:solidFill>
+                  <a:srgbClr val="FFFFFF"/>
                 </a:solidFill>
               </a:uFill>
               <a:latin typeface="Arial"/>
@@ -2663,13 +2902,13 @@
               </a:lnSpc>
             </a:pPr>
             <a:r>
-              <a:rPr b="1" lang="de-DE" sz="1600" spc="-1" strike="noStrike">
-                <a:solidFill>
-                  <a:srgbClr val="ffc000"/>
-                </a:solidFill>
-                <a:uFill>
-                  <a:solidFill>
-                    <a:srgbClr val="ffffff"/>
+              <a:rPr lang="de-DE" sz="1600" b="1" strike="noStrike" spc="-1">
+                <a:solidFill>
+                  <a:srgbClr val="FFC000"/>
+                </a:solidFill>
+                <a:uFill>
+                  <a:solidFill>
+                    <a:srgbClr val="FFFFFF"/>
                   </a:solidFill>
                 </a:uFill>
                 <a:latin typeface="Trebuchet MS"/>
@@ -2677,13 +2916,13 @@
               </a:rPr>
               <a:t>Title, Authors, and Affiliations</a:t>
             </a:r>
-            <a:endParaRPr b="0" lang="de-DE" sz="1600" spc="-1" strike="noStrike">
-              <a:solidFill>
-                <a:srgbClr val="000000"/>
-              </a:solidFill>
-              <a:uFill>
-                <a:solidFill>
-                  <a:srgbClr val="ffffff"/>
+            <a:endParaRPr lang="de-DE" sz="1600" b="0" strike="noStrike" spc="-1">
+              <a:solidFill>
+                <a:srgbClr val="000000"/>
+              </a:solidFill>
+              <a:uFill>
+                <a:solidFill>
+                  <a:srgbClr val="FFFFFF"/>
                 </a:solidFill>
               </a:uFill>
               <a:latin typeface="Arial"/>
@@ -2696,13 +2935,13 @@
               </a:lnSpc>
             </a:pPr>
             <a:r>
-              <a:rPr b="0" lang="de-DE" sz="1200" spc="-1" strike="noStrike">
-                <a:solidFill>
-                  <a:srgbClr val="bfbfbf"/>
-                </a:solidFill>
-                <a:uFill>
-                  <a:solidFill>
-                    <a:srgbClr val="ffffff"/>
+              <a:rPr lang="de-DE" sz="1200" b="0" strike="noStrike" spc="-1">
+                <a:solidFill>
+                  <a:srgbClr val="BFBFBF"/>
+                </a:solidFill>
+                <a:uFill>
+                  <a:solidFill>
+                    <a:srgbClr val="FFFFFF"/>
                   </a:solidFill>
                 </a:uFill>
                 <a:latin typeface="Trebuchet MS"/>
@@ -2710,13 +2949,13 @@
               </a:rPr>
               <a:t>Start designing your poster by adding the title, the names of the authors, and the affiliated institutions. You can type or paste text into the provided boxes. The template will automatically adjust the size of your text to fit the title box. You can manually override this feature and change the size of your text. </a:t>
             </a:r>
-            <a:endParaRPr b="0" lang="de-DE" sz="1200" spc="-1" strike="noStrike">
-              <a:solidFill>
-                <a:srgbClr val="000000"/>
-              </a:solidFill>
-              <a:uFill>
-                <a:solidFill>
-                  <a:srgbClr val="ffffff"/>
+            <a:endParaRPr lang="de-DE" sz="1200" b="0" strike="noStrike" spc="-1">
+              <a:solidFill>
+                <a:srgbClr val="000000"/>
+              </a:solidFill>
+              <a:uFill>
+                <a:solidFill>
+                  <a:srgbClr val="FFFFFF"/>
                 </a:solidFill>
               </a:uFill>
               <a:latin typeface="Arial"/>
@@ -2729,13 +2968,13 @@
               </a:lnSpc>
             </a:pPr>
             <a:r>
-              <a:rPr b="0" lang="de-DE" sz="900" spc="-1" strike="noStrike">
-                <a:solidFill>
-                  <a:srgbClr val="bfbfbf"/>
-                </a:solidFill>
-                <a:uFill>
-                  <a:solidFill>
-                    <a:srgbClr val="ffffff"/>
+              <a:rPr lang="de-DE" sz="900" b="0" strike="noStrike" spc="-1">
+                <a:solidFill>
+                  <a:srgbClr val="BFBFBF"/>
+                </a:solidFill>
+                <a:uFill>
+                  <a:solidFill>
+                    <a:srgbClr val="FFFFFF"/>
                   </a:solidFill>
                 </a:uFill>
                 <a:latin typeface="Trebuchet MS"/>
@@ -2743,13 +2982,13 @@
               </a:rPr>
               <a:t> </a:t>
             </a:r>
-            <a:endParaRPr b="0" lang="de-DE" sz="900" spc="-1" strike="noStrike">
-              <a:solidFill>
-                <a:srgbClr val="000000"/>
-              </a:solidFill>
-              <a:uFill>
-                <a:solidFill>
-                  <a:srgbClr val="ffffff"/>
+            <a:endParaRPr lang="de-DE" sz="900" b="0" strike="noStrike" spc="-1">
+              <a:solidFill>
+                <a:srgbClr val="000000"/>
+              </a:solidFill>
+              <a:uFill>
+                <a:solidFill>
+                  <a:srgbClr val="FFFFFF"/>
                 </a:solidFill>
               </a:uFill>
               <a:latin typeface="Arial"/>
@@ -2762,13 +3001,13 @@
               </a:lnSpc>
             </a:pPr>
             <a:r>
-              <a:rPr b="1" lang="de-DE" sz="1200" spc="296" strike="noStrike">
-                <a:solidFill>
-                  <a:srgbClr val="ffc000"/>
-                </a:solidFill>
-                <a:uFill>
-                  <a:solidFill>
-                    <a:srgbClr val="ffffff"/>
+              <a:rPr lang="de-DE" sz="1200" b="1" strike="noStrike" spc="296">
+                <a:solidFill>
+                  <a:srgbClr val="FFC000"/>
+                </a:solidFill>
+                <a:uFill>
+                  <a:solidFill>
+                    <a:srgbClr val="FFFFFF"/>
                   </a:solidFill>
                 </a:uFill>
                 <a:latin typeface="Trebuchet MS"/>
@@ -2777,13 +3016,13 @@
               <a:t>TIP</a:t>
             </a:r>
             <a:r>
-              <a:rPr b="1" lang="de-DE" sz="1200" spc="-1" strike="noStrike">
-                <a:solidFill>
-                  <a:srgbClr val="ffc000"/>
-                </a:solidFill>
-                <a:uFill>
-                  <a:solidFill>
-                    <a:srgbClr val="ffffff"/>
+              <a:rPr lang="de-DE" sz="1200" b="1" strike="noStrike" spc="-1">
+                <a:solidFill>
+                  <a:srgbClr val="FFC000"/>
+                </a:solidFill>
+                <a:uFill>
+                  <a:solidFill>
+                    <a:srgbClr val="FFFFFF"/>
                   </a:solidFill>
                 </a:uFill>
                 <a:latin typeface="Trebuchet MS"/>
@@ -2792,13 +3031,13 @@
               <a:t>: </a:t>
             </a:r>
             <a:r>
-              <a:rPr b="0" lang="de-DE" sz="1200" spc="-1" strike="noStrike">
-                <a:solidFill>
-                  <a:srgbClr val="bfbfbf"/>
-                </a:solidFill>
-                <a:uFill>
-                  <a:solidFill>
-                    <a:srgbClr val="ffffff"/>
+              <a:rPr lang="de-DE" sz="1200" b="0" strike="noStrike" spc="-1">
+                <a:solidFill>
+                  <a:srgbClr val="BFBFBF"/>
+                </a:solidFill>
+                <a:uFill>
+                  <a:solidFill>
+                    <a:srgbClr val="FFFFFF"/>
                   </a:solidFill>
                 </a:uFill>
                 <a:latin typeface="Trebuchet MS"/>
@@ -2806,13 +3045,13 @@
               </a:rPr>
               <a:t>The font size of your title should be bigger than your name(s) and institution name(s).</a:t>
             </a:r>
-            <a:endParaRPr b="0" lang="de-DE" sz="1200" spc="-1" strike="noStrike">
-              <a:solidFill>
-                <a:srgbClr val="000000"/>
-              </a:solidFill>
-              <a:uFill>
-                <a:solidFill>
-                  <a:srgbClr val="ffffff"/>
+            <a:endParaRPr lang="de-DE" sz="1200" b="0" strike="noStrike" spc="-1">
+              <a:solidFill>
+                <a:srgbClr val="000000"/>
+              </a:solidFill>
+              <a:uFill>
+                <a:solidFill>
+                  <a:srgbClr val="FFFFFF"/>
                 </a:solidFill>
               </a:uFill>
               <a:latin typeface="Arial"/>
@@ -2825,13 +3064,13 @@
               </a:lnSpc>
             </a:pPr>
             <a:br/>
-            <a:endParaRPr b="0" lang="de-DE" sz="1200" spc="-1" strike="noStrike">
-              <a:solidFill>
-                <a:srgbClr val="000000"/>
-              </a:solidFill>
-              <a:uFill>
-                <a:solidFill>
-                  <a:srgbClr val="ffffff"/>
+            <a:endParaRPr lang="de-DE" sz="1200" b="0" strike="noStrike" spc="-1">
+              <a:solidFill>
+                <a:srgbClr val="000000"/>
+              </a:solidFill>
+              <a:uFill>
+                <a:solidFill>
+                  <a:srgbClr val="FFFFFF"/>
                 </a:solidFill>
               </a:uFill>
               <a:latin typeface="Arial"/>
@@ -2843,13 +3082,13 @@
                 <a:spcPct val="100000"/>
               </a:lnSpc>
             </a:pPr>
-            <a:endParaRPr b="0" lang="de-DE" sz="1200" spc="-1" strike="noStrike">
-              <a:solidFill>
-                <a:srgbClr val="000000"/>
-              </a:solidFill>
-              <a:uFill>
-                <a:solidFill>
-                  <a:srgbClr val="ffffff"/>
+            <a:endParaRPr lang="de-DE" sz="1200" b="0" strike="noStrike" spc="-1">
+              <a:solidFill>
+                <a:srgbClr val="000000"/>
+              </a:solidFill>
+              <a:uFill>
+                <a:solidFill>
+                  <a:srgbClr val="FFFFFF"/>
                 </a:solidFill>
               </a:uFill>
               <a:latin typeface="Arial"/>
@@ -2861,13 +3100,13 @@
                 <a:spcPct val="100000"/>
               </a:lnSpc>
             </a:pPr>
-            <a:endParaRPr b="0" lang="de-DE" sz="1200" spc="-1" strike="noStrike">
-              <a:solidFill>
-                <a:srgbClr val="000000"/>
-              </a:solidFill>
-              <a:uFill>
-                <a:solidFill>
-                  <a:srgbClr val="ffffff"/>
+            <a:endParaRPr lang="de-DE" sz="1200" b="0" strike="noStrike" spc="-1">
+              <a:solidFill>
+                <a:srgbClr val="000000"/>
+              </a:solidFill>
+              <a:uFill>
+                <a:solidFill>
+                  <a:srgbClr val="FFFFFF"/>
                 </a:solidFill>
               </a:uFill>
               <a:latin typeface="Arial"/>
@@ -2880,13 +3119,13 @@
               </a:lnSpc>
             </a:pPr>
             <a:r>
-              <a:rPr b="1" lang="de-DE" sz="1600" spc="-1" strike="noStrike">
-                <a:solidFill>
-                  <a:srgbClr val="ffc000"/>
-                </a:solidFill>
-                <a:uFill>
-                  <a:solidFill>
-                    <a:srgbClr val="ffffff"/>
+              <a:rPr lang="de-DE" sz="1600" b="1" strike="noStrike" spc="-1">
+                <a:solidFill>
+                  <a:srgbClr val="FFC000"/>
+                </a:solidFill>
+                <a:uFill>
+                  <a:solidFill>
+                    <a:srgbClr val="FFFFFF"/>
                   </a:solidFill>
                 </a:uFill>
                 <a:latin typeface="Trebuchet MS"/>
@@ -2894,13 +3133,13 @@
               </a:rPr>
               <a:t>Adding Logos / Seals</a:t>
             </a:r>
-            <a:endParaRPr b="0" lang="de-DE" sz="1600" spc="-1" strike="noStrike">
-              <a:solidFill>
-                <a:srgbClr val="000000"/>
-              </a:solidFill>
-              <a:uFill>
-                <a:solidFill>
-                  <a:srgbClr val="ffffff"/>
+            <a:endParaRPr lang="de-DE" sz="1600" b="0" strike="noStrike" spc="-1">
+              <a:solidFill>
+                <a:srgbClr val="000000"/>
+              </a:solidFill>
+              <a:uFill>
+                <a:solidFill>
+                  <a:srgbClr val="FFFFFF"/>
                 </a:solidFill>
               </a:uFill>
               <a:latin typeface="Arial"/>
@@ -2913,13 +3152,13 @@
               </a:lnSpc>
             </a:pPr>
             <a:r>
-              <a:rPr b="0" lang="de-DE" sz="1200" spc="-1" strike="noStrike">
-                <a:solidFill>
-                  <a:srgbClr val="bfbfbf"/>
-                </a:solidFill>
-                <a:uFill>
-                  <a:solidFill>
-                    <a:srgbClr val="ffffff"/>
+              <a:rPr lang="de-DE" sz="1200" b="0" strike="noStrike" spc="-1">
+                <a:solidFill>
+                  <a:srgbClr val="BFBFBF"/>
+                </a:solidFill>
+                <a:uFill>
+                  <a:solidFill>
+                    <a:srgbClr val="FFFFFF"/>
                   </a:solidFill>
                 </a:uFill>
                 <a:latin typeface="Trebuchet MS"/>
@@ -2927,13 +3166,13 @@
               </a:rPr>
               <a:t>Most often, logos are added on each side of the title. You can insert a logo by dragging and dropping it from your desktop, copy and paste or by going to INSERT &gt; PICTURES. Logos taken from web sites are likely to be low quality when printed. Zoom it at 100% to see what the logo will look like on the final poster and make any necessary adjustments.  </a:t>
             </a:r>
-            <a:endParaRPr b="0" lang="de-DE" sz="1200" spc="-1" strike="noStrike">
-              <a:solidFill>
-                <a:srgbClr val="000000"/>
-              </a:solidFill>
-              <a:uFill>
-                <a:solidFill>
-                  <a:srgbClr val="ffffff"/>
+            <a:endParaRPr lang="de-DE" sz="1200" b="0" strike="noStrike" spc="-1">
+              <a:solidFill>
+                <a:srgbClr val="000000"/>
+              </a:solidFill>
+              <a:uFill>
+                <a:solidFill>
+                  <a:srgbClr val="FFFFFF"/>
                 </a:solidFill>
               </a:uFill>
               <a:latin typeface="Arial"/>
@@ -2945,13 +3184,13 @@
                 <a:spcPct val="100000"/>
               </a:lnSpc>
             </a:pPr>
-            <a:endParaRPr b="0" lang="de-DE" sz="1200" spc="-1" strike="noStrike">
-              <a:solidFill>
-                <a:srgbClr val="000000"/>
-              </a:solidFill>
-              <a:uFill>
-                <a:solidFill>
-                  <a:srgbClr val="ffffff"/>
+            <a:endParaRPr lang="de-DE" sz="1200" b="0" strike="noStrike" spc="-1">
+              <a:solidFill>
+                <a:srgbClr val="000000"/>
+              </a:solidFill>
+              <a:uFill>
+                <a:solidFill>
+                  <a:srgbClr val="FFFFFF"/>
                 </a:solidFill>
               </a:uFill>
               <a:latin typeface="Arial"/>
@@ -2964,13 +3203,13 @@
               </a:lnSpc>
             </a:pPr>
             <a:r>
-              <a:rPr b="1" lang="de-DE" sz="1200" spc="296" strike="noStrike">
-                <a:solidFill>
-                  <a:srgbClr val="ffc000"/>
-                </a:solidFill>
-                <a:uFill>
-                  <a:solidFill>
-                    <a:srgbClr val="ffffff"/>
+              <a:rPr lang="de-DE" sz="1200" b="1" strike="noStrike" spc="296">
+                <a:solidFill>
+                  <a:srgbClr val="FFC000"/>
+                </a:solidFill>
+                <a:uFill>
+                  <a:solidFill>
+                    <a:srgbClr val="FFFFFF"/>
                   </a:solidFill>
                 </a:uFill>
                 <a:latin typeface="Trebuchet MS"/>
@@ -2979,13 +3218,13 @@
               <a:t>TIP:</a:t>
             </a:r>
             <a:r>
-              <a:rPr b="1" lang="de-DE" sz="1200" spc="-1" strike="noStrike">
-                <a:solidFill>
-                  <a:srgbClr val="ffc000"/>
-                </a:solidFill>
-                <a:uFill>
-                  <a:solidFill>
-                    <a:srgbClr val="ffffff"/>
+              <a:rPr lang="de-DE" sz="1200" b="1" strike="noStrike" spc="-1">
+                <a:solidFill>
+                  <a:srgbClr val="FFC000"/>
+                </a:solidFill>
+                <a:uFill>
+                  <a:solidFill>
+                    <a:srgbClr val="FFFFFF"/>
                   </a:solidFill>
                 </a:uFill>
                 <a:latin typeface="Trebuchet MS"/>
@@ -2994,13 +3233,13 @@
               <a:t> </a:t>
             </a:r>
             <a:r>
-              <a:rPr b="0" lang="de-DE" sz="1200" spc="-1" strike="noStrike">
-                <a:solidFill>
-                  <a:srgbClr val="bfbfbf"/>
-                </a:solidFill>
-                <a:uFill>
-                  <a:solidFill>
-                    <a:srgbClr val="ffffff"/>
+              <a:rPr lang="de-DE" sz="1200" b="0" strike="noStrike" spc="-1">
+                <a:solidFill>
+                  <a:srgbClr val="BFBFBF"/>
+                </a:solidFill>
+                <a:uFill>
+                  <a:solidFill>
+                    <a:srgbClr val="FFFFFF"/>
                   </a:solidFill>
                 </a:uFill>
                 <a:latin typeface="Trebuchet MS"/>
@@ -3008,13 +3247,13 @@
               </a:rPr>
               <a:t>See if your company’s logo is available on our free poster templates page.</a:t>
             </a:r>
-            <a:endParaRPr b="0" lang="de-DE" sz="1200" spc="-1" strike="noStrike">
-              <a:solidFill>
-                <a:srgbClr val="000000"/>
-              </a:solidFill>
-              <a:uFill>
-                <a:solidFill>
-                  <a:srgbClr val="ffffff"/>
+            <a:endParaRPr lang="de-DE" sz="1200" b="0" strike="noStrike" spc="-1">
+              <a:solidFill>
+                <a:srgbClr val="000000"/>
+              </a:solidFill>
+              <a:uFill>
+                <a:solidFill>
+                  <a:srgbClr val="FFFFFF"/>
                 </a:solidFill>
               </a:uFill>
               <a:latin typeface="Arial"/>
@@ -3026,13 +3265,13 @@
                 <a:spcPct val="100000"/>
               </a:lnSpc>
             </a:pPr>
-            <a:endParaRPr b="0" lang="de-DE" sz="1200" spc="-1" strike="noStrike">
-              <a:solidFill>
-                <a:srgbClr val="000000"/>
-              </a:solidFill>
-              <a:uFill>
-                <a:solidFill>
-                  <a:srgbClr val="ffffff"/>
+            <a:endParaRPr lang="de-DE" sz="1200" b="0" strike="noStrike" spc="-1">
+              <a:solidFill>
+                <a:srgbClr val="000000"/>
+              </a:solidFill>
+              <a:uFill>
+                <a:solidFill>
+                  <a:srgbClr val="FFFFFF"/>
                 </a:solidFill>
               </a:uFill>
               <a:latin typeface="Arial"/>
@@ -3045,13 +3284,13 @@
               </a:lnSpc>
             </a:pPr>
             <a:r>
-              <a:rPr b="1" lang="de-DE" sz="1600" spc="-1" strike="noStrike">
-                <a:solidFill>
-                  <a:srgbClr val="ffc000"/>
-                </a:solidFill>
-                <a:uFill>
-                  <a:solidFill>
-                    <a:srgbClr val="ffffff"/>
+              <a:rPr lang="de-DE" sz="1600" b="1" strike="noStrike" spc="-1">
+                <a:solidFill>
+                  <a:srgbClr val="FFC000"/>
+                </a:solidFill>
+                <a:uFill>
+                  <a:solidFill>
+                    <a:srgbClr val="FFFFFF"/>
                   </a:solidFill>
                 </a:uFill>
                 <a:latin typeface="Trebuchet MS"/>
@@ -3059,13 +3298,13 @@
               </a:rPr>
               <a:t>Photographs / Graphics</a:t>
             </a:r>
-            <a:endParaRPr b="0" lang="de-DE" sz="1600" spc="-1" strike="noStrike">
-              <a:solidFill>
-                <a:srgbClr val="000000"/>
-              </a:solidFill>
-              <a:uFill>
-                <a:solidFill>
-                  <a:srgbClr val="ffffff"/>
+            <a:endParaRPr lang="de-DE" sz="1600" b="0" strike="noStrike" spc="-1">
+              <a:solidFill>
+                <a:srgbClr val="000000"/>
+              </a:solidFill>
+              <a:uFill>
+                <a:solidFill>
+                  <a:srgbClr val="FFFFFF"/>
                 </a:solidFill>
               </a:uFill>
               <a:latin typeface="Arial"/>
@@ -3078,13 +3317,13 @@
               </a:lnSpc>
             </a:pPr>
             <a:r>
-              <a:rPr b="0" lang="de-DE" sz="1200" spc="-1" strike="noStrike">
-                <a:solidFill>
-                  <a:srgbClr val="bfbfbf"/>
-                </a:solidFill>
-                <a:uFill>
-                  <a:solidFill>
-                    <a:srgbClr val="ffffff"/>
+              <a:rPr lang="de-DE" sz="1200" b="0" strike="noStrike" spc="-1">
+                <a:solidFill>
+                  <a:srgbClr val="BFBFBF"/>
+                </a:solidFill>
+                <a:uFill>
+                  <a:solidFill>
+                    <a:srgbClr val="FFFFFF"/>
                   </a:solidFill>
                 </a:uFill>
                 <a:latin typeface="Trebuchet MS"/>
@@ -3092,13 +3331,13 @@
               </a:rPr>
               <a:t>You can add images by dragging and dropping from your desktop, copy and paste, or by going to INSERT &gt; PICTURES. Resize images proportionally by holding down the SHIFT key and dragging one of the corner handles. For a professional-looking poster, do not distort your images by enlarging them disproportionally.</a:t>
             </a:r>
-            <a:endParaRPr b="0" lang="de-DE" sz="1200" spc="-1" strike="noStrike">
-              <a:solidFill>
-                <a:srgbClr val="000000"/>
-              </a:solidFill>
-              <a:uFill>
-                <a:solidFill>
-                  <a:srgbClr val="ffffff"/>
+            <a:endParaRPr lang="de-DE" sz="1200" b="0" strike="noStrike" spc="-1">
+              <a:solidFill>
+                <a:srgbClr val="000000"/>
+              </a:solidFill>
+              <a:uFill>
+                <a:solidFill>
+                  <a:srgbClr val="FFFFFF"/>
                 </a:solidFill>
               </a:uFill>
               <a:latin typeface="Arial"/>
@@ -3110,13 +3349,13 @@
                 <a:spcPct val="100000"/>
               </a:lnSpc>
             </a:pPr>
-            <a:endParaRPr b="0" lang="de-DE" sz="1200" spc="-1" strike="noStrike">
-              <a:solidFill>
-                <a:srgbClr val="000000"/>
-              </a:solidFill>
-              <a:uFill>
-                <a:solidFill>
-                  <a:srgbClr val="ffffff"/>
+            <a:endParaRPr lang="de-DE" sz="1200" b="0" strike="noStrike" spc="-1">
+              <a:solidFill>
+                <a:srgbClr val="000000"/>
+              </a:solidFill>
+              <a:uFill>
+                <a:solidFill>
+                  <a:srgbClr val="FFFFFF"/>
                 </a:solidFill>
               </a:uFill>
               <a:latin typeface="Arial"/>
@@ -3128,13 +3367,13 @@
                 <a:spcPct val="100000"/>
               </a:lnSpc>
             </a:pPr>
-            <a:endParaRPr b="0" lang="de-DE" sz="1200" spc="-1" strike="noStrike">
-              <a:solidFill>
-                <a:srgbClr val="000000"/>
-              </a:solidFill>
-              <a:uFill>
-                <a:solidFill>
-                  <a:srgbClr val="ffffff"/>
+            <a:endParaRPr lang="de-DE" sz="1200" b="0" strike="noStrike" spc="-1">
+              <a:solidFill>
+                <a:srgbClr val="000000"/>
+              </a:solidFill>
+              <a:uFill>
+                <a:solidFill>
+                  <a:srgbClr val="FFFFFF"/>
                 </a:solidFill>
               </a:uFill>
               <a:latin typeface="Arial"/>
@@ -3146,13 +3385,13 @@
                 <a:spcPct val="100000"/>
               </a:lnSpc>
             </a:pPr>
-            <a:endParaRPr b="0" lang="de-DE" sz="1200" spc="-1" strike="noStrike">
-              <a:solidFill>
-                <a:srgbClr val="000000"/>
-              </a:solidFill>
-              <a:uFill>
-                <a:solidFill>
-                  <a:srgbClr val="ffffff"/>
+            <a:endParaRPr lang="de-DE" sz="1200" b="0" strike="noStrike" spc="-1">
+              <a:solidFill>
+                <a:srgbClr val="000000"/>
+              </a:solidFill>
+              <a:uFill>
+                <a:solidFill>
+                  <a:srgbClr val="FFFFFF"/>
                 </a:solidFill>
               </a:uFill>
               <a:latin typeface="Arial"/>
@@ -3164,13 +3403,13 @@
                 <a:spcPct val="100000"/>
               </a:lnSpc>
             </a:pPr>
-            <a:endParaRPr b="0" lang="de-DE" sz="1200" spc="-1" strike="noStrike">
-              <a:solidFill>
-                <a:srgbClr val="000000"/>
-              </a:solidFill>
-              <a:uFill>
-                <a:solidFill>
-                  <a:srgbClr val="ffffff"/>
+            <a:endParaRPr lang="de-DE" sz="1200" b="0" strike="noStrike" spc="-1">
+              <a:solidFill>
+                <a:srgbClr val="000000"/>
+              </a:solidFill>
+              <a:uFill>
+                <a:solidFill>
+                  <a:srgbClr val="FFFFFF"/>
                 </a:solidFill>
               </a:uFill>
               <a:latin typeface="Arial"/>
@@ -3182,13 +3421,13 @@
                 <a:spcPct val="100000"/>
               </a:lnSpc>
             </a:pPr>
-            <a:endParaRPr b="0" lang="de-DE" sz="1200" spc="-1" strike="noStrike">
-              <a:solidFill>
-                <a:srgbClr val="000000"/>
-              </a:solidFill>
-              <a:uFill>
-                <a:solidFill>
-                  <a:srgbClr val="ffffff"/>
+            <a:endParaRPr lang="de-DE" sz="1200" b="0" strike="noStrike" spc="-1">
+              <a:solidFill>
+                <a:srgbClr val="000000"/>
+              </a:solidFill>
+              <a:uFill>
+                <a:solidFill>
+                  <a:srgbClr val="FFFFFF"/>
                 </a:solidFill>
               </a:uFill>
               <a:latin typeface="Arial"/>
@@ -3200,13 +3439,13 @@
                 <a:spcPct val="100000"/>
               </a:lnSpc>
             </a:pPr>
-            <a:endParaRPr b="0" lang="de-DE" sz="1200" spc="-1" strike="noStrike">
-              <a:solidFill>
-                <a:srgbClr val="000000"/>
-              </a:solidFill>
-              <a:uFill>
-                <a:solidFill>
-                  <a:srgbClr val="ffffff"/>
+            <a:endParaRPr lang="de-DE" sz="1200" b="0" strike="noStrike" spc="-1">
+              <a:solidFill>
+                <a:srgbClr val="000000"/>
+              </a:solidFill>
+              <a:uFill>
+                <a:solidFill>
+                  <a:srgbClr val="FFFFFF"/>
                 </a:solidFill>
               </a:uFill>
               <a:latin typeface="Arial"/>
@@ -3218,13 +3457,13 @@
                 <a:spcPct val="100000"/>
               </a:lnSpc>
             </a:pPr>
-            <a:endParaRPr b="0" lang="de-DE" sz="1200" spc="-1" strike="noStrike">
-              <a:solidFill>
-                <a:srgbClr val="000000"/>
-              </a:solidFill>
-              <a:uFill>
-                <a:solidFill>
-                  <a:srgbClr val="ffffff"/>
+            <a:endParaRPr lang="de-DE" sz="1200" b="0" strike="noStrike" spc="-1">
+              <a:solidFill>
+                <a:srgbClr val="000000"/>
+              </a:solidFill>
+              <a:uFill>
+                <a:solidFill>
+                  <a:srgbClr val="FFFFFF"/>
                 </a:solidFill>
               </a:uFill>
               <a:latin typeface="Arial"/>
@@ -3237,13 +3476,13 @@
               </a:lnSpc>
             </a:pPr>
             <a:r>
-              <a:rPr b="1" lang="de-DE" sz="1600" spc="-1" strike="noStrike">
-                <a:solidFill>
-                  <a:srgbClr val="ffc000"/>
-                </a:solidFill>
-                <a:uFill>
-                  <a:solidFill>
-                    <a:srgbClr val="ffffff"/>
+              <a:rPr lang="de-DE" sz="1600" b="1" strike="noStrike" spc="-1">
+                <a:solidFill>
+                  <a:srgbClr val="FFC000"/>
+                </a:solidFill>
+                <a:uFill>
+                  <a:solidFill>
+                    <a:srgbClr val="FFFFFF"/>
                   </a:solidFill>
                 </a:uFill>
                 <a:latin typeface="Trebuchet MS"/>
@@ -3251,13 +3490,13 @@
               </a:rPr>
               <a:t>Image Quality Check</a:t>
             </a:r>
-            <a:endParaRPr b="0" lang="de-DE" sz="1600" spc="-1" strike="noStrike">
-              <a:solidFill>
-                <a:srgbClr val="000000"/>
-              </a:solidFill>
-              <a:uFill>
-                <a:solidFill>
-                  <a:srgbClr val="ffffff"/>
+            <a:endParaRPr lang="de-DE" sz="1600" b="0" strike="noStrike" spc="-1">
+              <a:solidFill>
+                <a:srgbClr val="000000"/>
+              </a:solidFill>
+              <a:uFill>
+                <a:solidFill>
+                  <a:srgbClr val="FFFFFF"/>
                 </a:solidFill>
               </a:uFill>
               <a:latin typeface="Arial"/>
@@ -3270,13 +3509,13 @@
               </a:lnSpc>
             </a:pPr>
             <a:r>
-              <a:rPr b="0" lang="de-DE" sz="1200" spc="-1" strike="noStrike">
-                <a:solidFill>
-                  <a:srgbClr val="bfbfbf"/>
-                </a:solidFill>
-                <a:uFill>
-                  <a:solidFill>
-                    <a:srgbClr val="ffffff"/>
+              <a:rPr lang="de-DE" sz="1200" b="0" strike="noStrike" spc="-1">
+                <a:solidFill>
+                  <a:srgbClr val="BFBFBF"/>
+                </a:solidFill>
+                <a:uFill>
+                  <a:solidFill>
+                    <a:srgbClr val="FFFFFF"/>
                   </a:solidFill>
                 </a:uFill>
                 <a:latin typeface="Trebuchet MS"/>
@@ -3286,13 +3525,13 @@
             </a:r>
             <a:br/>
             <a:r>
-              <a:rPr b="0" lang="de-DE" sz="1200" spc="-1" strike="noStrike">
-                <a:solidFill>
-                  <a:srgbClr val="bfbfbf"/>
-                </a:solidFill>
-                <a:uFill>
-                  <a:solidFill>
-                    <a:srgbClr val="ffffff"/>
+              <a:rPr lang="de-DE" sz="1200" b="0" strike="noStrike" spc="-1">
+                <a:solidFill>
+                  <a:srgbClr val="BFBFBF"/>
+                </a:solidFill>
+                <a:uFill>
+                  <a:solidFill>
+                    <a:srgbClr val="FFFFFF"/>
                   </a:solidFill>
                 </a:uFill>
                 <a:latin typeface="Trebuchet MS"/>
@@ -3300,13 +3539,13 @@
               </a:rPr>
               <a:t>will print well. </a:t>
             </a:r>
-            <a:endParaRPr b="0" lang="de-DE" sz="1200" spc="-1" strike="noStrike">
-              <a:solidFill>
-                <a:srgbClr val="000000"/>
-              </a:solidFill>
-              <a:uFill>
-                <a:solidFill>
-                  <a:srgbClr val="ffffff"/>
+            <a:endParaRPr lang="de-DE" sz="1200" b="0" strike="noStrike" spc="-1">
+              <a:solidFill>
+                <a:srgbClr val="000000"/>
+              </a:solidFill>
+              <a:uFill>
+                <a:solidFill>
+                  <a:srgbClr val="FFFFFF"/>
                 </a:solidFill>
               </a:uFill>
               <a:latin typeface="Arial"/>
@@ -3330,7 +3569,7 @@
           </a:prstGeom>
           <a:ln>
             <a:solidFill>
-              <a:srgbClr val="ffc000"/>
+              <a:srgbClr val="FFC000"/>
             </a:solidFill>
             <a:round/>
           </a:ln>
@@ -3350,12 +3589,12 @@
       </p:sp>
       <p:pic>
         <p:nvPicPr>
-          <p:cNvPr id="6" name="Picture 95" descr=""/>
+          <p:cNvPr id="6" name="Picture 95"/>
           <p:cNvPicPr/>
           <p:nvPr/>
         </p:nvPicPr>
         <p:blipFill>
-          <a:blip r:embed="rId6"/>
+          <a:blip r:embed="rId18"/>
           <a:stretch/>
         </p:blipFill>
         <p:spPr>
@@ -3373,12 +3612,12 @@
       </p:pic>
       <p:pic>
         <p:nvPicPr>
-          <p:cNvPr id="7" name="Picture 96" descr=""/>
+          <p:cNvPr id="7" name="Picture 96"/>
           <p:cNvPicPr/>
           <p:nvPr/>
         </p:nvPicPr>
         <p:blipFill>
-          <a:blip r:embed="rId7"/>
+          <a:blip r:embed="rId19"/>
           <a:stretch/>
         </p:blipFill>
         <p:spPr>
@@ -3396,12 +3635,12 @@
       </p:pic>
       <p:pic>
         <p:nvPicPr>
-          <p:cNvPr id="8" name="Picture 109" descr=""/>
+          <p:cNvPr id="8" name="Picture 109"/>
           <p:cNvPicPr/>
           <p:nvPr/>
         </p:nvPicPr>
         <p:blipFill>
-          <a:blip r:embed="rId8"/>
+          <a:blip r:embed="rId20"/>
           <a:stretch/>
         </p:blipFill>
         <p:spPr>
@@ -3439,13 +3678,20 @@
           </a:ln>
         </p:spPr>
         <p:style>
-          <a:lnRef idx="0"/>
-          <a:fillRef idx="0"/>
-          <a:effectRef idx="0"/>
+          <a:lnRef idx="0">
+            <a:scrgbClr r="0" g="0" b="0"/>
+          </a:lnRef>
+          <a:fillRef idx="0">
+            <a:scrgbClr r="0" g="0" b="0"/>
+          </a:fillRef>
+          <a:effectRef idx="0">
+            <a:scrgbClr r="0" g="0" b="0"/>
+          </a:effectRef>
           <a:fontRef idx="minor"/>
         </p:style>
         <p:txBody>
-          <a:bodyPr lIns="0" rIns="0" tIns="0" bIns="0"/>
+          <a:bodyPr lIns="0" tIns="0" rIns="0" bIns="0"/>
+          <a:lstStyle/>
           <a:p>
             <a:pPr algn="ctr">
               <a:lnSpc>
@@ -3453,13 +3699,13 @@
               </a:lnSpc>
             </a:pPr>
             <a:r>
-              <a:rPr b="1" lang="de-DE" sz="1200" spc="-1" strike="noStrike">
+              <a:rPr lang="de-DE" sz="1200" b="1" strike="noStrike" spc="-1">
                 <a:solidFill>
                   <a:srgbClr val="000000"/>
                 </a:solidFill>
                 <a:uFill>
                   <a:solidFill>
-                    <a:srgbClr val="ffffff"/>
+                    <a:srgbClr val="FFFFFF"/>
                   </a:solidFill>
                 </a:uFill>
                 <a:latin typeface="Calibri"/>
@@ -3467,13 +3713,13 @@
               </a:rPr>
               <a:t>ORIGINAL</a:t>
             </a:r>
-            <a:endParaRPr b="0" lang="de-DE" sz="1200" spc="-1" strike="noStrike">
-              <a:solidFill>
-                <a:srgbClr val="000000"/>
-              </a:solidFill>
-              <a:uFill>
-                <a:solidFill>
-                  <a:srgbClr val="ffffff"/>
+            <a:endParaRPr lang="de-DE" sz="1200" b="0" strike="noStrike" spc="-1">
+              <a:solidFill>
+                <a:srgbClr val="000000"/>
+              </a:solidFill>
+              <a:uFill>
+                <a:solidFill>
+                  <a:srgbClr val="FFFFFF"/>
                 </a:solidFill>
               </a:uFill>
               <a:latin typeface="Arial"/>
@@ -3483,12 +3729,12 @@
       </p:sp>
       <p:pic>
         <p:nvPicPr>
-          <p:cNvPr id="10" name="Picture 107" descr=""/>
+          <p:cNvPr id="10" name="Picture 107"/>
           <p:cNvPicPr/>
           <p:nvPr/>
         </p:nvPicPr>
         <p:blipFill>
-          <a:blip r:embed="rId9"/>
+          <a:blip r:embed="rId20"/>
           <a:stretch/>
         </p:blipFill>
         <p:spPr>
@@ -3519,20 +3765,27 @@
             <a:avLst/>
           </a:prstGeom>
           <a:solidFill>
-            <a:srgbClr val="ff0000"/>
+            <a:srgbClr val="FF0000"/>
           </a:solidFill>
           <a:ln>
             <a:noFill/>
           </a:ln>
         </p:spPr>
         <p:style>
-          <a:lnRef idx="0"/>
-          <a:fillRef idx="0"/>
-          <a:effectRef idx="0"/>
+          <a:lnRef idx="0">
+            <a:scrgbClr r="0" g="0" b="0"/>
+          </a:lnRef>
+          <a:fillRef idx="0">
+            <a:scrgbClr r="0" g="0" b="0"/>
+          </a:fillRef>
+          <a:effectRef idx="0">
+            <a:scrgbClr r="0" g="0" b="0"/>
+          </a:effectRef>
           <a:fontRef idx="minor"/>
         </p:style>
         <p:txBody>
-          <a:bodyPr lIns="0" rIns="0" tIns="0" bIns="0"/>
+          <a:bodyPr lIns="0" tIns="0" rIns="0" bIns="0"/>
+          <a:lstStyle/>
           <a:p>
             <a:pPr algn="ctr">
               <a:lnSpc>
@@ -3540,13 +3793,13 @@
               </a:lnSpc>
             </a:pPr>
             <a:r>
-              <a:rPr b="1" lang="de-DE" sz="1400" spc="-1" strike="noStrike">
-                <a:solidFill>
-                  <a:srgbClr val="ffffff"/>
-                </a:solidFill>
-                <a:uFill>
-                  <a:solidFill>
-                    <a:srgbClr val="ffffff"/>
+              <a:rPr lang="de-DE" sz="1400" b="1" strike="noStrike" spc="-1">
+                <a:solidFill>
+                  <a:srgbClr val="FFFFFF"/>
+                </a:solidFill>
+                <a:uFill>
+                  <a:solidFill>
+                    <a:srgbClr val="FFFFFF"/>
                   </a:solidFill>
                 </a:uFill>
                 <a:latin typeface="Calibri"/>
@@ -3554,13 +3807,13 @@
               </a:rPr>
               <a:t>DISTORTED</a:t>
             </a:r>
-            <a:endParaRPr b="0" lang="de-DE" sz="1400" spc="-1" strike="noStrike">
-              <a:solidFill>
-                <a:srgbClr val="000000"/>
-              </a:solidFill>
-              <a:uFill>
-                <a:solidFill>
-                  <a:srgbClr val="ffffff"/>
+            <a:endParaRPr lang="de-DE" sz="1400" b="0" strike="noStrike" spc="-1">
+              <a:solidFill>
+                <a:srgbClr val="000000"/>
+              </a:solidFill>
+              <a:uFill>
+                <a:solidFill>
+                  <a:srgbClr val="FFFFFF"/>
                 </a:solidFill>
               </a:uFill>
               <a:latin typeface="Arial"/>
@@ -3570,12 +3823,12 @@
       </p:sp>
       <p:pic>
         <p:nvPicPr>
-          <p:cNvPr id="12" name="Picture 105" descr=""/>
+          <p:cNvPr id="12" name="Picture 105"/>
           <p:cNvPicPr/>
           <p:nvPr/>
         </p:nvPicPr>
         <p:blipFill>
-          <a:blip r:embed="rId10"/>
+          <a:blip r:embed="rId21"/>
           <a:stretch/>
         </p:blipFill>
         <p:spPr>
@@ -3611,13 +3864,20 @@
           </a:ln>
         </p:spPr>
         <p:style>
-          <a:lnRef idx="0"/>
-          <a:fillRef idx="0"/>
-          <a:effectRef idx="0"/>
+          <a:lnRef idx="0">
+            <a:scrgbClr r="0" g="0" b="0"/>
+          </a:lnRef>
+          <a:fillRef idx="0">
+            <a:scrgbClr r="0" g="0" b="0"/>
+          </a:fillRef>
+          <a:effectRef idx="0">
+            <a:scrgbClr r="0" g="0" b="0"/>
+          </a:effectRef>
           <a:fontRef idx="minor"/>
         </p:style>
         <p:txBody>
-          <a:bodyPr lIns="0" rIns="0" tIns="0" bIns="0"/>
+          <a:bodyPr lIns="0" tIns="0" rIns="0" bIns="0"/>
+          <a:lstStyle/>
           <a:p>
             <a:pPr algn="ctr">
               <a:lnSpc>
@@ -3625,13 +3885,13 @@
               </a:lnSpc>
             </a:pPr>
             <a:r>
-              <a:rPr b="0" lang="de-DE" sz="1400" spc="-1" strike="noStrike">
-                <a:solidFill>
-                  <a:srgbClr val="ffffff"/>
-                </a:solidFill>
-                <a:uFill>
-                  <a:solidFill>
-                    <a:srgbClr val="ffffff"/>
+              <a:rPr lang="de-DE" sz="1400" b="0" strike="noStrike" spc="-1">
+                <a:solidFill>
+                  <a:srgbClr val="FFFFFF"/>
+                </a:solidFill>
+                <a:uFill>
+                  <a:solidFill>
+                    <a:srgbClr val="FFFFFF"/>
                   </a:solidFill>
                 </a:uFill>
                 <a:latin typeface="Calibri"/>
@@ -3639,13 +3899,13 @@
               </a:rPr>
               <a:t>Corner handles</a:t>
             </a:r>
-            <a:endParaRPr b="0" lang="de-DE" sz="1400" spc="-1" strike="noStrike">
-              <a:solidFill>
-                <a:srgbClr val="000000"/>
-              </a:solidFill>
-              <a:uFill>
-                <a:solidFill>
-                  <a:srgbClr val="ffffff"/>
+            <a:endParaRPr lang="de-DE" sz="1400" b="0" strike="noStrike" spc="-1">
+              <a:solidFill>
+                <a:srgbClr val="000000"/>
+              </a:solidFill>
+              <a:uFill>
+                <a:solidFill>
+                  <a:srgbClr val="FFFFFF"/>
                 </a:solidFill>
               </a:uFill>
               <a:latin typeface="Arial"/>
@@ -3673,13 +3933,20 @@
           </a:ln>
         </p:spPr>
         <p:style>
-          <a:lnRef idx="0"/>
-          <a:fillRef idx="0"/>
-          <a:effectRef idx="0"/>
+          <a:lnRef idx="0">
+            <a:scrgbClr r="0" g="0" b="0"/>
+          </a:lnRef>
+          <a:fillRef idx="0">
+            <a:scrgbClr r="0" g="0" b="0"/>
+          </a:fillRef>
+          <a:effectRef idx="0">
+            <a:scrgbClr r="0" g="0" b="0"/>
+          </a:effectRef>
           <a:fontRef idx="minor"/>
         </p:style>
         <p:txBody>
-          <a:bodyPr lIns="0" rIns="0" tIns="0" bIns="0"/>
+          <a:bodyPr lIns="0" tIns="0" rIns="0" bIns="0"/>
+          <a:lstStyle/>
           <a:p>
             <a:pPr algn="ctr">
               <a:lnSpc>
@@ -3687,13 +3954,13 @@
               </a:lnSpc>
             </a:pPr>
             <a:r>
-              <a:rPr b="0" lang="de-DE" sz="1100" spc="-1" strike="noStrike">
-                <a:solidFill>
-                  <a:srgbClr val="92d050"/>
-                </a:solidFill>
-                <a:uFill>
-                  <a:solidFill>
-                    <a:srgbClr val="ffffff"/>
+              <a:rPr lang="de-DE" sz="1100" b="0" strike="noStrike" spc="-1">
+                <a:solidFill>
+                  <a:srgbClr val="92D050"/>
+                </a:solidFill>
+                <a:uFill>
+                  <a:solidFill>
+                    <a:srgbClr val="FFFFFF"/>
                   </a:solidFill>
                 </a:uFill>
                 <a:latin typeface="Calibri"/>
@@ -3702,13 +3969,13 @@
               <a:t>Good </a:t>
             </a:r>
             <a:r>
-              <a:rPr b="0" lang="de-DE" sz="1100" spc="-1" strike="noStrike">
-                <a:solidFill>
-                  <a:srgbClr val="ffffff"/>
-                </a:solidFill>
-                <a:uFill>
-                  <a:solidFill>
-                    <a:srgbClr val="ffffff"/>
+              <a:rPr lang="de-DE" sz="1100" b="0" strike="noStrike" spc="-1">
+                <a:solidFill>
+                  <a:srgbClr val="FFFFFF"/>
+                </a:solidFill>
+                <a:uFill>
+                  <a:solidFill>
+                    <a:srgbClr val="FFFFFF"/>
                   </a:solidFill>
                 </a:uFill>
                 <a:latin typeface="Calibri"/>
@@ -3716,13 +3983,13 @@
               </a:rPr>
               <a:t>printing quality</a:t>
             </a:r>
-            <a:endParaRPr b="0" lang="de-DE" sz="1100" spc="-1" strike="noStrike">
-              <a:solidFill>
-                <a:srgbClr val="000000"/>
-              </a:solidFill>
-              <a:uFill>
-                <a:solidFill>
-                  <a:srgbClr val="ffffff"/>
+            <a:endParaRPr lang="de-DE" sz="1100" b="0" strike="noStrike" spc="-1">
+              <a:solidFill>
+                <a:srgbClr val="000000"/>
+              </a:solidFill>
+              <a:uFill>
+                <a:solidFill>
+                  <a:srgbClr val="FFFFFF"/>
                 </a:solidFill>
               </a:uFill>
               <a:latin typeface="Arial"/>
@@ -3750,13 +4017,20 @@
           </a:ln>
         </p:spPr>
         <p:style>
-          <a:lnRef idx="0"/>
-          <a:fillRef idx="0"/>
-          <a:effectRef idx="0"/>
+          <a:lnRef idx="0">
+            <a:scrgbClr r="0" g="0" b="0"/>
+          </a:lnRef>
+          <a:fillRef idx="0">
+            <a:scrgbClr r="0" g="0" b="0"/>
+          </a:fillRef>
+          <a:effectRef idx="0">
+            <a:scrgbClr r="0" g="0" b="0"/>
+          </a:effectRef>
           <a:fontRef idx="minor"/>
         </p:style>
         <p:txBody>
-          <a:bodyPr lIns="0" rIns="0" tIns="0" bIns="0"/>
+          <a:bodyPr lIns="0" tIns="0" rIns="0" bIns="0"/>
+          <a:lstStyle/>
           <a:p>
             <a:pPr algn="ctr">
               <a:lnSpc>
@@ -3764,13 +4038,13 @@
               </a:lnSpc>
             </a:pPr>
             <a:r>
-              <a:rPr b="0" lang="de-DE" sz="1200" spc="-1" strike="noStrike">
-                <a:solidFill>
-                  <a:srgbClr val="ff0000"/>
-                </a:solidFill>
-                <a:uFill>
-                  <a:solidFill>
-                    <a:srgbClr val="ffffff"/>
+              <a:rPr lang="de-DE" sz="1200" b="0" strike="noStrike" spc="-1">
+                <a:solidFill>
+                  <a:srgbClr val="FF0000"/>
+                </a:solidFill>
+                <a:uFill>
+                  <a:solidFill>
+                    <a:srgbClr val="FFFFFF"/>
                   </a:solidFill>
                 </a:uFill>
                 <a:latin typeface="Calibri"/>
@@ -3779,13 +4053,13 @@
               <a:t>Bad </a:t>
             </a:r>
             <a:r>
-              <a:rPr b="0" lang="de-DE" sz="1200" spc="-1" strike="noStrike">
-                <a:solidFill>
-                  <a:srgbClr val="ffffff"/>
-                </a:solidFill>
-                <a:uFill>
-                  <a:solidFill>
-                    <a:srgbClr val="ffffff"/>
+              <a:rPr lang="de-DE" sz="1200" b="0" strike="noStrike" spc="-1">
+                <a:solidFill>
+                  <a:srgbClr val="FFFFFF"/>
+                </a:solidFill>
+                <a:uFill>
+                  <a:solidFill>
+                    <a:srgbClr val="FFFFFF"/>
                   </a:solidFill>
                 </a:uFill>
                 <a:latin typeface="Calibri"/>
@@ -3793,13 +4067,13 @@
               </a:rPr>
               <a:t>printing quality</a:t>
             </a:r>
-            <a:endParaRPr b="0" lang="de-DE" sz="1200" spc="-1" strike="noStrike">
-              <a:solidFill>
-                <a:srgbClr val="000000"/>
-              </a:solidFill>
-              <a:uFill>
-                <a:solidFill>
-                  <a:srgbClr val="ffffff"/>
+            <a:endParaRPr lang="de-DE" sz="1200" b="0" strike="noStrike" spc="-1">
+              <a:solidFill>
+                <a:srgbClr val="000000"/>
+              </a:solidFill>
+              <a:uFill>
+                <a:solidFill>
+                  <a:srgbClr val="FFFFFF"/>
                 </a:solidFill>
               </a:uFill>
               <a:latin typeface="Arial"/>
@@ -3846,7 +4120,8 @@
           <a:fontRef idx="minor"/>
         </p:style>
         <p:txBody>
-          <a:bodyPr lIns="457200" rIns="457200" tIns="457200" bIns="0"/>
+          <a:bodyPr lIns="457200" tIns="457200" rIns="457200" bIns="0"/>
+          <a:lstStyle/>
           <a:p>
             <a:pPr algn="ctr">
               <a:lnSpc>
@@ -3854,13 +4129,13 @@
               </a:lnSpc>
             </a:pPr>
             <a:r>
-              <a:rPr b="1" lang="de-DE" sz="2400" spc="596" strike="noStrike">
-                <a:solidFill>
-                  <a:srgbClr val="ffffff"/>
-                </a:solidFill>
-                <a:uFill>
-                  <a:solidFill>
-                    <a:srgbClr val="ffffff"/>
+              <a:rPr lang="de-DE" sz="2400" b="1" strike="noStrike" spc="596">
+                <a:solidFill>
+                  <a:srgbClr val="FFFFFF"/>
+                </a:solidFill>
+                <a:uFill>
+                  <a:solidFill>
+                    <a:srgbClr val="FFFFFF"/>
                   </a:solidFill>
                 </a:uFill>
                 <a:latin typeface="Trebuchet MS"/>
@@ -3868,13 +4143,13 @@
               </a:rPr>
               <a:t>QUICK START (cont.)</a:t>
             </a:r>
-            <a:endParaRPr b="0" lang="de-DE" sz="2400" spc="-1" strike="noStrike">
-              <a:solidFill>
-                <a:srgbClr val="000000"/>
-              </a:solidFill>
-              <a:uFill>
-                <a:solidFill>
-                  <a:srgbClr val="ffffff"/>
+            <a:endParaRPr lang="de-DE" sz="2400" b="0" strike="noStrike" spc="-1">
+              <a:solidFill>
+                <a:srgbClr val="000000"/>
+              </a:solidFill>
+              <a:uFill>
+                <a:solidFill>
+                  <a:srgbClr val="FFFFFF"/>
                 </a:solidFill>
               </a:uFill>
               <a:latin typeface="Arial"/>
@@ -3886,13 +4161,13 @@
                 <a:spcPct val="100000"/>
               </a:lnSpc>
             </a:pPr>
-            <a:endParaRPr b="0" lang="de-DE" sz="2400" spc="-1" strike="noStrike">
-              <a:solidFill>
-                <a:srgbClr val="000000"/>
-              </a:solidFill>
-              <a:uFill>
-                <a:solidFill>
-                  <a:srgbClr val="ffffff"/>
+            <a:endParaRPr lang="de-DE" sz="2400" b="0" strike="noStrike" spc="-1">
+              <a:solidFill>
+                <a:srgbClr val="000000"/>
+              </a:solidFill>
+              <a:uFill>
+                <a:solidFill>
+                  <a:srgbClr val="FFFFFF"/>
                 </a:solidFill>
               </a:uFill>
               <a:latin typeface="Arial"/>
@@ -3905,13 +4180,13 @@
               </a:lnSpc>
             </a:pPr>
             <a:r>
-              <a:rPr b="1" lang="de-DE" sz="1600" spc="-1" strike="noStrike">
-                <a:solidFill>
-                  <a:srgbClr val="ffc000"/>
-                </a:solidFill>
-                <a:uFill>
-                  <a:solidFill>
-                    <a:srgbClr val="ffffff"/>
+              <a:rPr lang="de-DE" sz="1600" b="1" strike="noStrike" spc="-1">
+                <a:solidFill>
+                  <a:srgbClr val="FFC000"/>
+                </a:solidFill>
+                <a:uFill>
+                  <a:solidFill>
+                    <a:srgbClr val="FFFFFF"/>
                   </a:solidFill>
                 </a:uFill>
                 <a:latin typeface="Trebuchet MS"/>
@@ -3919,13 +4194,13 @@
               </a:rPr>
               <a:t>How to change the template color theme</a:t>
             </a:r>
-            <a:endParaRPr b="0" lang="de-DE" sz="1600" spc="-1" strike="noStrike">
-              <a:solidFill>
-                <a:srgbClr val="000000"/>
-              </a:solidFill>
-              <a:uFill>
-                <a:solidFill>
-                  <a:srgbClr val="ffffff"/>
+            <a:endParaRPr lang="de-DE" sz="1600" b="0" strike="noStrike" spc="-1">
+              <a:solidFill>
+                <a:srgbClr val="000000"/>
+              </a:solidFill>
+              <a:uFill>
+                <a:solidFill>
+                  <a:srgbClr val="FFFFFF"/>
                 </a:solidFill>
               </a:uFill>
               <a:latin typeface="Arial"/>
@@ -3938,13 +4213,13 @@
               </a:lnSpc>
             </a:pPr>
             <a:r>
-              <a:rPr b="0" lang="de-DE" sz="1200" spc="-1" strike="noStrike">
-                <a:solidFill>
-                  <a:srgbClr val="bfbfbf"/>
-                </a:solidFill>
-                <a:uFill>
-                  <a:solidFill>
-                    <a:srgbClr val="ffffff"/>
+              <a:rPr lang="de-DE" sz="1200" b="0" strike="noStrike" spc="-1">
+                <a:solidFill>
+                  <a:srgbClr val="BFBFBF"/>
+                </a:solidFill>
+                <a:uFill>
+                  <a:solidFill>
+                    <a:srgbClr val="FFFFFF"/>
                   </a:solidFill>
                 </a:uFill>
                 <a:latin typeface="Trebuchet MS"/>
@@ -3952,13 +4227,13 @@
               </a:rPr>
               <a:t>You can easily change the color theme of your poster by going to the DESIGN menu, click on COLORS, and choose the color theme of your choice. You can also create your own color theme.</a:t>
             </a:r>
-            <a:endParaRPr b="0" lang="de-DE" sz="1200" spc="-1" strike="noStrike">
-              <a:solidFill>
-                <a:srgbClr val="000000"/>
-              </a:solidFill>
-              <a:uFill>
-                <a:solidFill>
-                  <a:srgbClr val="ffffff"/>
+            <a:endParaRPr lang="de-DE" sz="1200" b="0" strike="noStrike" spc="-1">
+              <a:solidFill>
+                <a:srgbClr val="000000"/>
+              </a:solidFill>
+              <a:uFill>
+                <a:solidFill>
+                  <a:srgbClr val="FFFFFF"/>
                 </a:solidFill>
               </a:uFill>
               <a:latin typeface="Arial"/>
@@ -3970,13 +4245,13 @@
                 <a:spcPct val="100000"/>
               </a:lnSpc>
             </a:pPr>
-            <a:endParaRPr b="0" lang="de-DE" sz="1200" spc="-1" strike="noStrike">
-              <a:solidFill>
-                <a:srgbClr val="000000"/>
-              </a:solidFill>
-              <a:uFill>
-                <a:solidFill>
-                  <a:srgbClr val="ffffff"/>
+            <a:endParaRPr lang="de-DE" sz="1200" b="0" strike="noStrike" spc="-1">
+              <a:solidFill>
+                <a:srgbClr val="000000"/>
+              </a:solidFill>
+              <a:uFill>
+                <a:solidFill>
+                  <a:srgbClr val="FFFFFF"/>
                 </a:solidFill>
               </a:uFill>
               <a:latin typeface="Arial"/>
@@ -3988,13 +4263,13 @@
                 <a:spcPct val="100000"/>
               </a:lnSpc>
             </a:pPr>
-            <a:endParaRPr b="0" lang="de-DE" sz="1200" spc="-1" strike="noStrike">
-              <a:solidFill>
-                <a:srgbClr val="000000"/>
-              </a:solidFill>
-              <a:uFill>
-                <a:solidFill>
-                  <a:srgbClr val="ffffff"/>
+            <a:endParaRPr lang="de-DE" sz="1200" b="0" strike="noStrike" spc="-1">
+              <a:solidFill>
+                <a:srgbClr val="000000"/>
+              </a:solidFill>
+              <a:uFill>
+                <a:solidFill>
+                  <a:srgbClr val="FFFFFF"/>
                 </a:solidFill>
               </a:uFill>
               <a:latin typeface="Arial"/>
@@ -4006,13 +4281,13 @@
                 <a:spcPct val="100000"/>
               </a:lnSpc>
             </a:pPr>
-            <a:endParaRPr b="0" lang="de-DE" sz="1200" spc="-1" strike="noStrike">
-              <a:solidFill>
-                <a:srgbClr val="000000"/>
-              </a:solidFill>
-              <a:uFill>
-                <a:solidFill>
-                  <a:srgbClr val="ffffff"/>
+            <a:endParaRPr lang="de-DE" sz="1200" b="0" strike="noStrike" spc="-1">
+              <a:solidFill>
+                <a:srgbClr val="000000"/>
+              </a:solidFill>
+              <a:uFill>
+                <a:solidFill>
+                  <a:srgbClr val="FFFFFF"/>
                 </a:solidFill>
               </a:uFill>
               <a:latin typeface="Arial"/>
@@ -4024,13 +4299,13 @@
                 <a:spcPct val="100000"/>
               </a:lnSpc>
             </a:pPr>
-            <a:endParaRPr b="0" lang="de-DE" sz="1200" spc="-1" strike="noStrike">
-              <a:solidFill>
-                <a:srgbClr val="000000"/>
-              </a:solidFill>
-              <a:uFill>
-                <a:solidFill>
-                  <a:srgbClr val="ffffff"/>
+            <a:endParaRPr lang="de-DE" sz="1200" b="0" strike="noStrike" spc="-1">
+              <a:solidFill>
+                <a:srgbClr val="000000"/>
+              </a:solidFill>
+              <a:uFill>
+                <a:solidFill>
+                  <a:srgbClr val="FFFFFF"/>
                 </a:solidFill>
               </a:uFill>
               <a:latin typeface="Arial"/>
@@ -4042,13 +4317,13 @@
                 <a:spcPct val="100000"/>
               </a:lnSpc>
             </a:pPr>
-            <a:endParaRPr b="0" lang="de-DE" sz="1200" spc="-1" strike="noStrike">
-              <a:solidFill>
-                <a:srgbClr val="000000"/>
-              </a:solidFill>
-              <a:uFill>
-                <a:solidFill>
-                  <a:srgbClr val="ffffff"/>
+            <a:endParaRPr lang="de-DE" sz="1200" b="0" strike="noStrike" spc="-1">
+              <a:solidFill>
+                <a:srgbClr val="000000"/>
+              </a:solidFill>
+              <a:uFill>
+                <a:solidFill>
+                  <a:srgbClr val="FFFFFF"/>
                 </a:solidFill>
               </a:uFill>
               <a:latin typeface="Arial"/>
@@ -4060,13 +4335,13 @@
                 <a:spcPct val="100000"/>
               </a:lnSpc>
             </a:pPr>
-            <a:endParaRPr b="0" lang="de-DE" sz="1200" spc="-1" strike="noStrike">
-              <a:solidFill>
-                <a:srgbClr val="000000"/>
-              </a:solidFill>
-              <a:uFill>
-                <a:solidFill>
-                  <a:srgbClr val="ffffff"/>
+            <a:endParaRPr lang="de-DE" sz="1200" b="0" strike="noStrike" spc="-1">
+              <a:solidFill>
+                <a:srgbClr val="000000"/>
+              </a:solidFill>
+              <a:uFill>
+                <a:solidFill>
+                  <a:srgbClr val="FFFFFF"/>
                 </a:solidFill>
               </a:uFill>
               <a:latin typeface="Arial"/>
@@ -4078,13 +4353,13 @@
                 <a:spcPct val="100000"/>
               </a:lnSpc>
             </a:pPr>
-            <a:endParaRPr b="0" lang="de-DE" sz="1200" spc="-1" strike="noStrike">
-              <a:solidFill>
-                <a:srgbClr val="000000"/>
-              </a:solidFill>
-              <a:uFill>
-                <a:solidFill>
-                  <a:srgbClr val="ffffff"/>
+            <a:endParaRPr lang="de-DE" sz="1200" b="0" strike="noStrike" spc="-1">
+              <a:solidFill>
+                <a:srgbClr val="000000"/>
+              </a:solidFill>
+              <a:uFill>
+                <a:solidFill>
+                  <a:srgbClr val="FFFFFF"/>
                 </a:solidFill>
               </a:uFill>
               <a:latin typeface="Arial"/>
@@ -4097,13 +4372,13 @@
               </a:lnSpc>
             </a:pPr>
             <a:r>
-              <a:rPr b="0" lang="de-DE" sz="1200" spc="-1" strike="noStrike">
-                <a:solidFill>
-                  <a:srgbClr val="bfbfbf"/>
-                </a:solidFill>
-                <a:uFill>
-                  <a:solidFill>
-                    <a:srgbClr val="ffffff"/>
+              <a:rPr lang="de-DE" sz="1200" b="0" strike="noStrike" spc="-1">
+                <a:solidFill>
+                  <a:srgbClr val="BFBFBF"/>
+                </a:solidFill>
+                <a:uFill>
+                  <a:solidFill>
+                    <a:srgbClr val="FFFFFF"/>
                   </a:solidFill>
                 </a:uFill>
                 <a:latin typeface="Trebuchet MS"/>
@@ -4111,13 +4386,13 @@
               </a:rPr>
               <a:t>You can also manually change the color of your background by going to VIEW &gt; SLIDE MASTER.  After you finish working on the master be sure to go to VIEW &gt; NORMAL to continue working on your poster.</a:t>
             </a:r>
-            <a:endParaRPr b="0" lang="de-DE" sz="1200" spc="-1" strike="noStrike">
-              <a:solidFill>
-                <a:srgbClr val="000000"/>
-              </a:solidFill>
-              <a:uFill>
-                <a:solidFill>
-                  <a:srgbClr val="ffffff"/>
+            <a:endParaRPr lang="de-DE" sz="1200" b="0" strike="noStrike" spc="-1">
+              <a:solidFill>
+                <a:srgbClr val="000000"/>
+              </a:solidFill>
+              <a:uFill>
+                <a:solidFill>
+                  <a:srgbClr val="FFFFFF"/>
                 </a:solidFill>
               </a:uFill>
               <a:latin typeface="Arial"/>
@@ -4129,13 +4404,13 @@
                 <a:spcPct val="100000"/>
               </a:lnSpc>
             </a:pPr>
-            <a:endParaRPr b="0" lang="de-DE" sz="1200" spc="-1" strike="noStrike">
-              <a:solidFill>
-                <a:srgbClr val="000000"/>
-              </a:solidFill>
-              <a:uFill>
-                <a:solidFill>
-                  <a:srgbClr val="ffffff"/>
+            <a:endParaRPr lang="de-DE" sz="1200" b="0" strike="noStrike" spc="-1">
+              <a:solidFill>
+                <a:srgbClr val="000000"/>
+              </a:solidFill>
+              <a:uFill>
+                <a:solidFill>
+                  <a:srgbClr val="FFFFFF"/>
                 </a:solidFill>
               </a:uFill>
               <a:latin typeface="Arial"/>
@@ -4148,13 +4423,13 @@
               </a:lnSpc>
             </a:pPr>
             <a:r>
-              <a:rPr b="1" lang="de-DE" sz="1600" spc="-1" strike="noStrike">
-                <a:solidFill>
-                  <a:srgbClr val="ffc000"/>
-                </a:solidFill>
-                <a:uFill>
-                  <a:solidFill>
-                    <a:srgbClr val="ffffff"/>
+              <a:rPr lang="de-DE" sz="1600" b="1" strike="noStrike" spc="-1">
+                <a:solidFill>
+                  <a:srgbClr val="FFC000"/>
+                </a:solidFill>
+                <a:uFill>
+                  <a:solidFill>
+                    <a:srgbClr val="FFFFFF"/>
                   </a:solidFill>
                 </a:uFill>
                 <a:latin typeface="Trebuchet MS"/>
@@ -4162,13 +4437,13 @@
               </a:rPr>
               <a:t>How to add Text</a:t>
             </a:r>
-            <a:endParaRPr b="0" lang="de-DE" sz="1600" spc="-1" strike="noStrike">
-              <a:solidFill>
-                <a:srgbClr val="000000"/>
-              </a:solidFill>
-              <a:uFill>
-                <a:solidFill>
-                  <a:srgbClr val="ffffff"/>
+            <a:endParaRPr lang="de-DE" sz="1600" b="0" strike="noStrike" spc="-1">
+              <a:solidFill>
+                <a:srgbClr val="000000"/>
+              </a:solidFill>
+              <a:uFill>
+                <a:solidFill>
+                  <a:srgbClr val="FFFFFF"/>
                 </a:solidFill>
               </a:uFill>
               <a:latin typeface="Arial"/>
@@ -4181,13 +4456,13 @@
               </a:lnSpc>
             </a:pPr>
             <a:r>
-              <a:rPr b="0" lang="de-DE" sz="1200" spc="-1" strike="noStrike">
-                <a:solidFill>
-                  <a:srgbClr val="bfbfbf"/>
-                </a:solidFill>
-                <a:uFill>
-                  <a:solidFill>
-                    <a:srgbClr val="ffffff"/>
+              <a:rPr lang="de-DE" sz="1200" b="0" strike="noStrike" spc="-1">
+                <a:solidFill>
+                  <a:srgbClr val="BFBFBF"/>
+                </a:solidFill>
+                <a:uFill>
+                  <a:solidFill>
+                    <a:srgbClr val="FFFFFF"/>
                   </a:solidFill>
                 </a:uFill>
                 <a:latin typeface="Trebuchet MS"/>
@@ -4195,13 +4470,13 @@
               </a:rPr>
               <a:t>The template comes with a number of pre-formatted placeholders for headers and text blocks. You can add more blocks by copying and pasting the existing ones or by adding a text box from the HOME menu. </a:t>
             </a:r>
-            <a:endParaRPr b="0" lang="de-DE" sz="1200" spc="-1" strike="noStrike">
-              <a:solidFill>
-                <a:srgbClr val="000000"/>
-              </a:solidFill>
-              <a:uFill>
-                <a:solidFill>
-                  <a:srgbClr val="ffffff"/>
+            <a:endParaRPr lang="de-DE" sz="1200" b="0" strike="noStrike" spc="-1">
+              <a:solidFill>
+                <a:srgbClr val="000000"/>
+              </a:solidFill>
+              <a:uFill>
+                <a:solidFill>
+                  <a:srgbClr val="FFFFFF"/>
                 </a:solidFill>
               </a:uFill>
               <a:latin typeface="Arial"/>
@@ -4213,13 +4488,13 @@
                 <a:spcPct val="100000"/>
               </a:lnSpc>
             </a:pPr>
-            <a:endParaRPr b="0" lang="de-DE" sz="1200" spc="-1" strike="noStrike">
-              <a:solidFill>
-                <a:srgbClr val="000000"/>
-              </a:solidFill>
-              <a:uFill>
-                <a:solidFill>
-                  <a:srgbClr val="ffffff"/>
+            <a:endParaRPr lang="de-DE" sz="1200" b="0" strike="noStrike" spc="-1">
+              <a:solidFill>
+                <a:srgbClr val="000000"/>
+              </a:solidFill>
+              <a:uFill>
+                <a:solidFill>
+                  <a:srgbClr val="FFFFFF"/>
                 </a:solidFill>
               </a:uFill>
               <a:latin typeface="Arial"/>
@@ -4232,13 +4507,13 @@
               </a:lnSpc>
             </a:pPr>
             <a:r>
-              <a:rPr b="0" lang="de-DE" sz="1200" spc="-1" strike="noStrike">
-                <a:solidFill>
-                  <a:srgbClr val="bfbfbf"/>
-                </a:solidFill>
-                <a:uFill>
-                  <a:solidFill>
-                    <a:srgbClr val="ffffff"/>
+              <a:rPr lang="de-DE" sz="1200" b="0" strike="noStrike" spc="-1">
+                <a:solidFill>
+                  <a:srgbClr val="BFBFBF"/>
+                </a:solidFill>
+                <a:uFill>
+                  <a:solidFill>
+                    <a:srgbClr val="FFFFFF"/>
                   </a:solidFill>
                 </a:uFill>
                 <a:latin typeface="Trebuchet MS"/>
@@ -4247,13 +4522,13 @@
               <a:t> </a:t>
             </a:r>
             <a:r>
-              <a:rPr b="1" lang="de-DE" sz="1600" spc="-1" strike="noStrike">
-                <a:solidFill>
-                  <a:srgbClr val="ffc000"/>
-                </a:solidFill>
-                <a:uFill>
-                  <a:solidFill>
-                    <a:srgbClr val="ffffff"/>
+              <a:rPr lang="de-DE" sz="1600" b="1" strike="noStrike" spc="-1">
+                <a:solidFill>
+                  <a:srgbClr val="FFC000"/>
+                </a:solidFill>
+                <a:uFill>
+                  <a:solidFill>
+                    <a:srgbClr val="FFFFFF"/>
                   </a:solidFill>
                 </a:uFill>
                 <a:latin typeface="Trebuchet MS"/>
@@ -4261,13 +4536,13 @@
               </a:rPr>
               <a:t>Text size</a:t>
             </a:r>
-            <a:endParaRPr b="0" lang="de-DE" sz="1600" spc="-1" strike="noStrike">
-              <a:solidFill>
-                <a:srgbClr val="000000"/>
-              </a:solidFill>
-              <a:uFill>
-                <a:solidFill>
-                  <a:srgbClr val="ffffff"/>
+            <a:endParaRPr lang="de-DE" sz="1600" b="0" strike="noStrike" spc="-1">
+              <a:solidFill>
+                <a:srgbClr val="000000"/>
+              </a:solidFill>
+              <a:uFill>
+                <a:solidFill>
+                  <a:srgbClr val="FFFFFF"/>
                 </a:solidFill>
               </a:uFill>
               <a:latin typeface="Arial"/>
@@ -4280,13 +4555,13 @@
               </a:lnSpc>
             </a:pPr>
             <a:r>
-              <a:rPr b="0" lang="de-DE" sz="1200" spc="-1" strike="noStrike">
-                <a:solidFill>
-                  <a:srgbClr val="bfbfbf"/>
-                </a:solidFill>
-                <a:uFill>
-                  <a:solidFill>
-                    <a:srgbClr val="ffffff"/>
+              <a:rPr lang="de-DE" sz="1200" b="0" strike="noStrike" spc="-1">
+                <a:solidFill>
+                  <a:srgbClr val="BFBFBF"/>
+                </a:solidFill>
+                <a:uFill>
+                  <a:solidFill>
+                    <a:srgbClr val="FFFFFF"/>
                   </a:solidFill>
                 </a:uFill>
                 <a:latin typeface="Trebuchet MS"/>
@@ -4294,13 +4569,13 @@
               </a:rPr>
               <a:t>Adjust the size of your text based on how much content you have to present. The default template text offers a good starting point. Follow the conference requirements.</a:t>
             </a:r>
-            <a:endParaRPr b="0" lang="de-DE" sz="1200" spc="-1" strike="noStrike">
-              <a:solidFill>
-                <a:srgbClr val="000000"/>
-              </a:solidFill>
-              <a:uFill>
-                <a:solidFill>
-                  <a:srgbClr val="ffffff"/>
+            <a:endParaRPr lang="de-DE" sz="1200" b="0" strike="noStrike" spc="-1">
+              <a:solidFill>
+                <a:srgbClr val="000000"/>
+              </a:solidFill>
+              <a:uFill>
+                <a:solidFill>
+                  <a:srgbClr val="FFFFFF"/>
                 </a:solidFill>
               </a:uFill>
               <a:latin typeface="Arial"/>
@@ -4312,13 +4587,13 @@
                 <a:spcPct val="100000"/>
               </a:lnSpc>
             </a:pPr>
-            <a:endParaRPr b="0" lang="de-DE" sz="1200" spc="-1" strike="noStrike">
-              <a:solidFill>
-                <a:srgbClr val="000000"/>
-              </a:solidFill>
-              <a:uFill>
-                <a:solidFill>
-                  <a:srgbClr val="ffffff"/>
+            <a:endParaRPr lang="de-DE" sz="1200" b="0" strike="noStrike" spc="-1">
+              <a:solidFill>
+                <a:srgbClr val="000000"/>
+              </a:solidFill>
+              <a:uFill>
+                <a:solidFill>
+                  <a:srgbClr val="FFFFFF"/>
                 </a:solidFill>
               </a:uFill>
               <a:latin typeface="Arial"/>
@@ -4331,13 +4606,13 @@
               </a:lnSpc>
             </a:pPr>
             <a:r>
-              <a:rPr b="1" lang="de-DE" sz="1600" spc="-1" strike="noStrike">
-                <a:solidFill>
-                  <a:srgbClr val="ffc000"/>
-                </a:solidFill>
-                <a:uFill>
-                  <a:solidFill>
-                    <a:srgbClr val="ffffff"/>
+              <a:rPr lang="de-DE" sz="1600" b="1" strike="noStrike" spc="-1">
+                <a:solidFill>
+                  <a:srgbClr val="FFC000"/>
+                </a:solidFill>
+                <a:uFill>
+                  <a:solidFill>
+                    <a:srgbClr val="FFFFFF"/>
                   </a:solidFill>
                 </a:uFill>
                 <a:latin typeface="Trebuchet MS"/>
@@ -4345,13 +4620,13 @@
               </a:rPr>
               <a:t>How to add Tables</a:t>
             </a:r>
-            <a:endParaRPr b="0" lang="de-DE" sz="1600" spc="-1" strike="noStrike">
-              <a:solidFill>
-                <a:srgbClr val="000000"/>
-              </a:solidFill>
-              <a:uFill>
-                <a:solidFill>
-                  <a:srgbClr val="ffffff"/>
+            <a:endParaRPr lang="de-DE" sz="1600" b="0" strike="noStrike" spc="-1">
+              <a:solidFill>
+                <a:srgbClr val="000000"/>
+              </a:solidFill>
+              <a:uFill>
+                <a:solidFill>
+                  <a:srgbClr val="FFFFFF"/>
                 </a:solidFill>
               </a:uFill>
               <a:latin typeface="Arial"/>
@@ -4364,13 +4639,13 @@
               </a:lnSpc>
             </a:pPr>
             <a:r>
-              <a:rPr b="0" lang="de-DE" sz="1200" spc="-1" strike="noStrike">
-                <a:solidFill>
-                  <a:srgbClr val="bfbfbf"/>
-                </a:solidFill>
-                <a:uFill>
-                  <a:solidFill>
-                    <a:srgbClr val="ffffff"/>
+              <a:rPr lang="de-DE" sz="1200" b="0" strike="noStrike" spc="-1">
+                <a:solidFill>
+                  <a:srgbClr val="BFBFBF"/>
+                </a:solidFill>
+                <a:uFill>
+                  <a:solidFill>
+                    <a:srgbClr val="FFFFFF"/>
                   </a:solidFill>
                 </a:uFill>
                 <a:latin typeface="Trebuchet MS"/>
@@ -4378,13 +4653,13 @@
               </a:rPr>
               <a:t>To add a table from scratch go to the INSERT menu and click on TABLE. A drop-down box will help you select rows and columns. </a:t>
             </a:r>
-            <a:endParaRPr b="0" lang="de-DE" sz="1200" spc="-1" strike="noStrike">
-              <a:solidFill>
-                <a:srgbClr val="000000"/>
-              </a:solidFill>
-              <a:uFill>
-                <a:solidFill>
-                  <a:srgbClr val="ffffff"/>
+            <a:endParaRPr lang="de-DE" sz="1200" b="0" strike="noStrike" spc="-1">
+              <a:solidFill>
+                <a:srgbClr val="000000"/>
+              </a:solidFill>
+              <a:uFill>
+                <a:solidFill>
+                  <a:srgbClr val="FFFFFF"/>
                 </a:solidFill>
               </a:uFill>
               <a:latin typeface="Arial"/>
@@ -4397,13 +4672,13 @@
               </a:lnSpc>
             </a:pPr>
             <a:r>
-              <a:rPr b="0" lang="de-DE" sz="1200" spc="-1" strike="noStrike">
-                <a:solidFill>
-                  <a:srgbClr val="bfbfbf"/>
-                </a:solidFill>
-                <a:uFill>
-                  <a:solidFill>
-                    <a:srgbClr val="ffffff"/>
+              <a:rPr lang="de-DE" sz="1200" b="0" strike="noStrike" spc="-1">
+                <a:solidFill>
+                  <a:srgbClr val="BFBFBF"/>
+                </a:solidFill>
+                <a:uFill>
+                  <a:solidFill>
+                    <a:srgbClr val="FFFFFF"/>
                   </a:solidFill>
                 </a:uFill>
                 <a:latin typeface="Trebuchet MS"/>
@@ -4411,13 +4686,13 @@
               </a:rPr>
               <a:t>You can also copy and a paste a table from Word or another PowerPoint document. A pasted table may need to be re-formatted by RIGHT-CLICK &gt; FORMAT SHAPE, TEXT BOX, Margins.</a:t>
             </a:r>
-            <a:endParaRPr b="0" lang="de-DE" sz="1200" spc="-1" strike="noStrike">
-              <a:solidFill>
-                <a:srgbClr val="000000"/>
-              </a:solidFill>
-              <a:uFill>
-                <a:solidFill>
-                  <a:srgbClr val="ffffff"/>
+            <a:endParaRPr lang="de-DE" sz="1200" b="0" strike="noStrike" spc="-1">
+              <a:solidFill>
+                <a:srgbClr val="000000"/>
+              </a:solidFill>
+              <a:uFill>
+                <a:solidFill>
+                  <a:srgbClr val="FFFFFF"/>
                 </a:solidFill>
               </a:uFill>
               <a:latin typeface="Arial"/>
@@ -4429,13 +4704,13 @@
                 <a:spcPct val="100000"/>
               </a:lnSpc>
             </a:pPr>
-            <a:endParaRPr b="0" lang="de-DE" sz="1200" spc="-1" strike="noStrike">
-              <a:solidFill>
-                <a:srgbClr val="000000"/>
-              </a:solidFill>
-              <a:uFill>
-                <a:solidFill>
-                  <a:srgbClr val="ffffff"/>
+            <a:endParaRPr lang="de-DE" sz="1200" b="0" strike="noStrike" spc="-1">
+              <a:solidFill>
+                <a:srgbClr val="000000"/>
+              </a:solidFill>
+              <a:uFill>
+                <a:solidFill>
+                  <a:srgbClr val="FFFFFF"/>
                 </a:solidFill>
               </a:uFill>
               <a:latin typeface="Arial"/>
@@ -4448,13 +4723,13 @@
               </a:lnSpc>
             </a:pPr>
             <a:r>
-              <a:rPr b="1" lang="de-DE" sz="1600" spc="-1" strike="noStrike">
-                <a:solidFill>
-                  <a:srgbClr val="ffc000"/>
-                </a:solidFill>
-                <a:uFill>
-                  <a:solidFill>
-                    <a:srgbClr val="ffffff"/>
+              <a:rPr lang="de-DE" sz="1600" b="1" strike="noStrike" spc="-1">
+                <a:solidFill>
+                  <a:srgbClr val="FFC000"/>
+                </a:solidFill>
+                <a:uFill>
+                  <a:solidFill>
+                    <a:srgbClr val="FFFFFF"/>
                   </a:solidFill>
                 </a:uFill>
                 <a:latin typeface="Trebuchet MS"/>
@@ -4462,13 +4737,13 @@
               </a:rPr>
               <a:t>Graphs / Charts</a:t>
             </a:r>
-            <a:endParaRPr b="0" lang="de-DE" sz="1600" spc="-1" strike="noStrike">
-              <a:solidFill>
-                <a:srgbClr val="000000"/>
-              </a:solidFill>
-              <a:uFill>
-                <a:solidFill>
-                  <a:srgbClr val="ffffff"/>
+            <a:endParaRPr lang="de-DE" sz="1600" b="0" strike="noStrike" spc="-1">
+              <a:solidFill>
+                <a:srgbClr val="000000"/>
+              </a:solidFill>
+              <a:uFill>
+                <a:solidFill>
+                  <a:srgbClr val="FFFFFF"/>
                 </a:solidFill>
               </a:uFill>
               <a:latin typeface="Arial"/>
@@ -4481,13 +4756,13 @@
               </a:lnSpc>
             </a:pPr>
             <a:r>
-              <a:rPr b="0" lang="de-DE" sz="1200" spc="-1" strike="noStrike">
-                <a:solidFill>
-                  <a:srgbClr val="bfbfbf"/>
-                </a:solidFill>
-                <a:uFill>
-                  <a:solidFill>
-                    <a:srgbClr val="ffffff"/>
+              <a:rPr lang="de-DE" sz="1200" b="0" strike="noStrike" spc="-1">
+                <a:solidFill>
+                  <a:srgbClr val="BFBFBF"/>
+                </a:solidFill>
+                <a:uFill>
+                  <a:solidFill>
+                    <a:srgbClr val="FFFFFF"/>
                   </a:solidFill>
                 </a:uFill>
                 <a:latin typeface="Trebuchet MS"/>
@@ -4495,13 +4770,13 @@
               </a:rPr>
               <a:t>You can simply copy and paste charts and graphs from Excel or Word. Some reformatting may be required depending on how the original document has been created.</a:t>
             </a:r>
-            <a:endParaRPr b="0" lang="de-DE" sz="1200" spc="-1" strike="noStrike">
-              <a:solidFill>
-                <a:srgbClr val="000000"/>
-              </a:solidFill>
-              <a:uFill>
-                <a:solidFill>
-                  <a:srgbClr val="ffffff"/>
+            <a:endParaRPr lang="de-DE" sz="1200" b="0" strike="noStrike" spc="-1">
+              <a:solidFill>
+                <a:srgbClr val="000000"/>
+              </a:solidFill>
+              <a:uFill>
+                <a:solidFill>
+                  <a:srgbClr val="FFFFFF"/>
                 </a:solidFill>
               </a:uFill>
               <a:latin typeface="Arial"/>
@@ -4513,13 +4788,13 @@
                 <a:spcPct val="100000"/>
               </a:lnSpc>
             </a:pPr>
-            <a:endParaRPr b="0" lang="de-DE" sz="1200" spc="-1" strike="noStrike">
-              <a:solidFill>
-                <a:srgbClr val="000000"/>
-              </a:solidFill>
-              <a:uFill>
-                <a:solidFill>
-                  <a:srgbClr val="ffffff"/>
+            <a:endParaRPr lang="de-DE" sz="1200" b="0" strike="noStrike" spc="-1">
+              <a:solidFill>
+                <a:srgbClr val="000000"/>
+              </a:solidFill>
+              <a:uFill>
+                <a:solidFill>
+                  <a:srgbClr val="FFFFFF"/>
                 </a:solidFill>
               </a:uFill>
               <a:latin typeface="Arial"/>
@@ -4532,13 +4807,13 @@
               </a:lnSpc>
             </a:pPr>
             <a:r>
-              <a:rPr b="1" lang="de-DE" sz="1600" spc="-1" strike="noStrike">
-                <a:solidFill>
-                  <a:srgbClr val="ffc000"/>
-                </a:solidFill>
-                <a:uFill>
-                  <a:solidFill>
-                    <a:srgbClr val="ffffff"/>
+              <a:rPr lang="de-DE" sz="1600" b="1" strike="noStrike" spc="-1">
+                <a:solidFill>
+                  <a:srgbClr val="FFC000"/>
+                </a:solidFill>
+                <a:uFill>
+                  <a:solidFill>
+                    <a:srgbClr val="FFFFFF"/>
                   </a:solidFill>
                 </a:uFill>
                 <a:latin typeface="Trebuchet MS"/>
@@ -4546,13 +4821,13 @@
               </a:rPr>
               <a:t>How to change the column configuration</a:t>
             </a:r>
-            <a:endParaRPr b="0" lang="de-DE" sz="1600" spc="-1" strike="noStrike">
-              <a:solidFill>
-                <a:srgbClr val="000000"/>
-              </a:solidFill>
-              <a:uFill>
-                <a:solidFill>
-                  <a:srgbClr val="ffffff"/>
+            <a:endParaRPr lang="de-DE" sz="1600" b="0" strike="noStrike" spc="-1">
+              <a:solidFill>
+                <a:srgbClr val="000000"/>
+              </a:solidFill>
+              <a:uFill>
+                <a:solidFill>
+                  <a:srgbClr val="FFFFFF"/>
                 </a:solidFill>
               </a:uFill>
               <a:latin typeface="Arial"/>
@@ -4565,13 +4840,13 @@
               </a:lnSpc>
             </a:pPr>
             <a:r>
-              <a:rPr b="0" lang="de-DE" sz="1200" spc="-1" strike="noStrike">
-                <a:solidFill>
-                  <a:srgbClr val="bfbfbf"/>
-                </a:solidFill>
-                <a:uFill>
-                  <a:solidFill>
-                    <a:srgbClr val="ffffff"/>
+              <a:rPr lang="de-DE" sz="1200" b="0" strike="noStrike" spc="-1">
+                <a:solidFill>
+                  <a:srgbClr val="BFBFBF"/>
+                </a:solidFill>
+                <a:uFill>
+                  <a:solidFill>
+                    <a:srgbClr val="FFFFFF"/>
                   </a:solidFill>
                 </a:uFill>
                 <a:latin typeface="Trebuchet MS"/>
@@ -4579,13 +4854,13 @@
               </a:rPr>
               <a:t>RIGHT-CLICK on the poster background and select LAYOUT to see the column options available for this template. The poster columns can also be customized on the Master. VIEW &gt; MASTER.</a:t>
             </a:r>
-            <a:endParaRPr b="0" lang="de-DE" sz="1200" spc="-1" strike="noStrike">
-              <a:solidFill>
-                <a:srgbClr val="000000"/>
-              </a:solidFill>
-              <a:uFill>
-                <a:solidFill>
-                  <a:srgbClr val="ffffff"/>
+            <a:endParaRPr lang="de-DE" sz="1200" b="0" strike="noStrike" spc="-1">
+              <a:solidFill>
+                <a:srgbClr val="000000"/>
+              </a:solidFill>
+              <a:uFill>
+                <a:solidFill>
+                  <a:srgbClr val="FFFFFF"/>
                 </a:solidFill>
               </a:uFill>
               <a:latin typeface="Arial"/>
@@ -4597,13 +4872,13 @@
                 <a:spcPct val="100000"/>
               </a:lnSpc>
             </a:pPr>
-            <a:endParaRPr b="0" lang="de-DE" sz="1200" spc="-1" strike="noStrike">
-              <a:solidFill>
-                <a:srgbClr val="000000"/>
-              </a:solidFill>
-              <a:uFill>
-                <a:solidFill>
-                  <a:srgbClr val="ffffff"/>
+            <a:endParaRPr lang="de-DE" sz="1200" b="0" strike="noStrike" spc="-1">
+              <a:solidFill>
+                <a:srgbClr val="000000"/>
+              </a:solidFill>
+              <a:uFill>
+                <a:solidFill>
+                  <a:srgbClr val="FFFFFF"/>
                 </a:solidFill>
               </a:uFill>
               <a:latin typeface="Arial"/>
@@ -4616,13 +4891,13 @@
               </a:lnSpc>
             </a:pPr>
             <a:r>
-              <a:rPr b="1" lang="de-DE" sz="1600" spc="-1" strike="noStrike">
-                <a:solidFill>
-                  <a:srgbClr val="ffc000"/>
-                </a:solidFill>
-                <a:uFill>
-                  <a:solidFill>
-                    <a:srgbClr val="ffffff"/>
+              <a:rPr lang="de-DE" sz="1600" b="1" strike="noStrike" spc="-1">
+                <a:solidFill>
+                  <a:srgbClr val="FFC000"/>
+                </a:solidFill>
+                <a:uFill>
+                  <a:solidFill>
+                    <a:srgbClr val="FFFFFF"/>
                   </a:solidFill>
                 </a:uFill>
                 <a:latin typeface="Trebuchet MS"/>
@@ -4630,13 +4905,13 @@
               </a:rPr>
               <a:t>How to remove the info bars</a:t>
             </a:r>
-            <a:endParaRPr b="0" lang="de-DE" sz="1600" spc="-1" strike="noStrike">
-              <a:solidFill>
-                <a:srgbClr val="000000"/>
-              </a:solidFill>
-              <a:uFill>
-                <a:solidFill>
-                  <a:srgbClr val="ffffff"/>
+            <a:endParaRPr lang="de-DE" sz="1600" b="0" strike="noStrike" spc="-1">
+              <a:solidFill>
+                <a:srgbClr val="000000"/>
+              </a:solidFill>
+              <a:uFill>
+                <a:solidFill>
+                  <a:srgbClr val="FFFFFF"/>
                 </a:solidFill>
               </a:uFill>
               <a:latin typeface="Arial"/>
@@ -4649,13 +4924,13 @@
               </a:lnSpc>
             </a:pPr>
             <a:r>
-              <a:rPr b="0" lang="de-DE" sz="1200" spc="-1" strike="noStrike">
-                <a:solidFill>
-                  <a:srgbClr val="bfbfbf"/>
-                </a:solidFill>
-                <a:uFill>
-                  <a:solidFill>
-                    <a:srgbClr val="ffffff"/>
+              <a:rPr lang="de-DE" sz="1200" b="0" strike="noStrike" spc="-1">
+                <a:solidFill>
+                  <a:srgbClr val="BFBFBF"/>
+                </a:solidFill>
+                <a:uFill>
+                  <a:solidFill>
+                    <a:srgbClr val="FFFFFF"/>
                   </a:solidFill>
                 </a:uFill>
                 <a:latin typeface="Trebuchet MS"/>
@@ -4663,13 +4938,13 @@
               </a:rPr>
               <a:t>If you are working in PowerPoint for Windows and have finished your poster, save as PDF and the bars will not be included. You can also delete them by going to VIEW &gt; MASTER. On the Mac adjust the Page-Setup to match the Page-Setup in PowerPoint before you create a PDF. You can also delete them from the Slide Master.</a:t>
             </a:r>
-            <a:endParaRPr b="0" lang="de-DE" sz="1200" spc="-1" strike="noStrike">
-              <a:solidFill>
-                <a:srgbClr val="000000"/>
-              </a:solidFill>
-              <a:uFill>
-                <a:solidFill>
-                  <a:srgbClr val="ffffff"/>
+            <a:endParaRPr lang="de-DE" sz="1200" b="0" strike="noStrike" spc="-1">
+              <a:solidFill>
+                <a:srgbClr val="000000"/>
+              </a:solidFill>
+              <a:uFill>
+                <a:solidFill>
+                  <a:srgbClr val="FFFFFF"/>
                 </a:solidFill>
               </a:uFill>
               <a:latin typeface="Arial"/>
@@ -4681,13 +4956,13 @@
                 <a:spcPct val="100000"/>
               </a:lnSpc>
             </a:pPr>
-            <a:endParaRPr b="0" lang="de-DE" sz="1200" spc="-1" strike="noStrike">
-              <a:solidFill>
-                <a:srgbClr val="000000"/>
-              </a:solidFill>
-              <a:uFill>
-                <a:solidFill>
-                  <a:srgbClr val="ffffff"/>
+            <a:endParaRPr lang="de-DE" sz="1200" b="0" strike="noStrike" spc="-1">
+              <a:solidFill>
+                <a:srgbClr val="000000"/>
+              </a:solidFill>
+              <a:uFill>
+                <a:solidFill>
+                  <a:srgbClr val="FFFFFF"/>
                 </a:solidFill>
               </a:uFill>
               <a:latin typeface="Arial"/>
@@ -4700,13 +4975,13 @@
               </a:lnSpc>
             </a:pPr>
             <a:r>
-              <a:rPr b="1" lang="de-DE" sz="1600" spc="-1" strike="noStrike">
-                <a:solidFill>
-                  <a:srgbClr val="ffc000"/>
-                </a:solidFill>
-                <a:uFill>
-                  <a:solidFill>
-                    <a:srgbClr val="ffffff"/>
+              <a:rPr lang="de-DE" sz="1600" b="1" strike="noStrike" spc="-1">
+                <a:solidFill>
+                  <a:srgbClr val="FFC000"/>
+                </a:solidFill>
+                <a:uFill>
+                  <a:solidFill>
+                    <a:srgbClr val="FFFFFF"/>
                   </a:solidFill>
                 </a:uFill>
                 <a:latin typeface="Trebuchet MS"/>
@@ -4714,13 +4989,13 @@
               </a:rPr>
               <a:t>Save your work</a:t>
             </a:r>
-            <a:endParaRPr b="0" lang="de-DE" sz="1600" spc="-1" strike="noStrike">
-              <a:solidFill>
-                <a:srgbClr val="000000"/>
-              </a:solidFill>
-              <a:uFill>
-                <a:solidFill>
-                  <a:srgbClr val="ffffff"/>
+            <a:endParaRPr lang="de-DE" sz="1600" b="0" strike="noStrike" spc="-1">
+              <a:solidFill>
+                <a:srgbClr val="000000"/>
+              </a:solidFill>
+              <a:uFill>
+                <a:solidFill>
+                  <a:srgbClr val="FFFFFF"/>
                 </a:solidFill>
               </a:uFill>
               <a:latin typeface="Arial"/>
@@ -4733,13 +5008,13 @@
               </a:lnSpc>
             </a:pPr>
             <a:r>
-              <a:rPr b="0" lang="de-DE" sz="1200" spc="-1" strike="noStrike">
-                <a:solidFill>
-                  <a:srgbClr val="bfbfbf"/>
-                </a:solidFill>
-                <a:uFill>
-                  <a:solidFill>
-                    <a:srgbClr val="ffffff"/>
+              <a:rPr lang="de-DE" sz="1200" b="0" strike="noStrike" spc="-1">
+                <a:solidFill>
+                  <a:srgbClr val="BFBFBF"/>
+                </a:solidFill>
+                <a:uFill>
+                  <a:solidFill>
+                    <a:srgbClr val="FFFFFF"/>
                   </a:solidFill>
                 </a:uFill>
                 <a:latin typeface="Trebuchet MS"/>
@@ -4747,13 +5022,13 @@
               </a:rPr>
               <a:t>Save your template as a PowerPoint document. For printing, save as PowerPoint or “Print-quality” PDF.</a:t>
             </a:r>
-            <a:endParaRPr b="0" lang="de-DE" sz="1200" spc="-1" strike="noStrike">
-              <a:solidFill>
-                <a:srgbClr val="000000"/>
-              </a:solidFill>
-              <a:uFill>
-                <a:solidFill>
-                  <a:srgbClr val="ffffff"/>
+            <a:endParaRPr lang="de-DE" sz="1200" b="0" strike="noStrike" spc="-1">
+              <a:solidFill>
+                <a:srgbClr val="000000"/>
+              </a:solidFill>
+              <a:uFill>
+                <a:solidFill>
+                  <a:srgbClr val="FFFFFF"/>
                 </a:solidFill>
               </a:uFill>
               <a:latin typeface="Arial"/>
@@ -4765,13 +5040,13 @@
                 <a:spcPct val="100000"/>
               </a:lnSpc>
             </a:pPr>
-            <a:endParaRPr b="0" lang="de-DE" sz="1200" spc="-1" strike="noStrike">
-              <a:solidFill>
-                <a:srgbClr val="000000"/>
-              </a:solidFill>
-              <a:uFill>
-                <a:solidFill>
-                  <a:srgbClr val="ffffff"/>
+            <a:endParaRPr lang="de-DE" sz="1200" b="0" strike="noStrike" spc="-1">
+              <a:solidFill>
+                <a:srgbClr val="000000"/>
+              </a:solidFill>
+              <a:uFill>
+                <a:solidFill>
+                  <a:srgbClr val="FFFFFF"/>
                 </a:solidFill>
               </a:uFill>
               <a:latin typeface="Arial"/>
@@ -4783,13 +5058,13 @@
                 <a:spcPct val="100000"/>
               </a:lnSpc>
             </a:pPr>
-            <a:endParaRPr b="0" lang="de-DE" sz="1200" spc="-1" strike="noStrike">
-              <a:solidFill>
-                <a:srgbClr val="000000"/>
-              </a:solidFill>
-              <a:uFill>
-                <a:solidFill>
-                  <a:srgbClr val="ffffff"/>
+            <a:endParaRPr lang="de-DE" sz="1200" b="0" strike="noStrike" spc="-1">
+              <a:solidFill>
+                <a:srgbClr val="000000"/>
+              </a:solidFill>
+              <a:uFill>
+                <a:solidFill>
+                  <a:srgbClr val="FFFFFF"/>
                 </a:solidFill>
               </a:uFill>
               <a:latin typeface="Arial"/>
@@ -4799,12 +5074,12 @@
       </p:sp>
       <p:pic>
         <p:nvPicPr>
-          <p:cNvPr id="17" name="Picture 114" descr=""/>
+          <p:cNvPr id="17" name="Picture 114"/>
           <p:cNvPicPr/>
           <p:nvPr/>
         </p:nvPicPr>
         <p:blipFill>
-          <a:blip r:embed="rId11"/>
+          <a:blip r:embed="rId22"/>
           <a:stretch/>
         </p:blipFill>
         <p:spPr>
@@ -4860,12 +5135,12 @@
       </p:sp>
       <p:pic>
         <p:nvPicPr>
-          <p:cNvPr id="19" name="Picture 7" descr=""/>
+          <p:cNvPr id="19" name="Picture 7"/>
           <p:cNvPicPr/>
           <p:nvPr/>
         </p:nvPicPr>
         <p:blipFill>
-          <a:blip r:embed="rId12"/>
+          <a:blip r:embed="rId23"/>
           <a:stretch/>
         </p:blipFill>
         <p:spPr>
@@ -4901,13 +5176,20 @@
           </a:ln>
         </p:spPr>
         <p:style>
-          <a:lnRef idx="0"/>
-          <a:fillRef idx="0"/>
-          <a:effectRef idx="0"/>
+          <a:lnRef idx="0">
+            <a:scrgbClr r="0" g="0" b="0"/>
+          </a:lnRef>
+          <a:fillRef idx="0">
+            <a:scrgbClr r="0" g="0" b="0"/>
+          </a:fillRef>
+          <a:effectRef idx="0">
+            <a:scrgbClr r="0" g="0" b="0"/>
+          </a:effectRef>
           <a:fontRef idx="minor"/>
         </p:style>
         <p:txBody>
-          <a:bodyPr lIns="90000" rIns="90000" tIns="45000" bIns="45000"/>
+          <a:bodyPr lIns="90000" tIns="45000" rIns="90000" bIns="45000"/>
+          <a:lstStyle/>
           <a:p>
             <a:pPr>
               <a:lnSpc>
@@ -4915,13 +5197,13 @@
               </a:lnSpc>
             </a:pPr>
             <a:r>
-              <a:rPr b="0" lang="de-DE" sz="1400" spc="-1" strike="noStrike">
-                <a:solidFill>
-                  <a:srgbClr val="44546a"/>
-                </a:solidFill>
-                <a:uFill>
-                  <a:solidFill>
-                    <a:srgbClr val="ffffff"/>
+              <a:rPr lang="de-DE" sz="1400" b="0" strike="noStrike" spc="-1">
+                <a:solidFill>
+                  <a:srgbClr val="44546A"/>
+                </a:solidFill>
+                <a:uFill>
+                  <a:solidFill>
+                    <a:srgbClr val="FFFFFF"/>
                   </a:solidFill>
                 </a:uFill>
                 <a:latin typeface="Trebuchet MS"/>
@@ -4931,13 +5213,13 @@
             </a:r>
             <a:br/>
             <a:r>
-              <a:rPr b="0" lang="de-DE" sz="1400" spc="-1" strike="noStrike">
-                <a:solidFill>
-                  <a:srgbClr val="44546a"/>
-                </a:solidFill>
-                <a:uFill>
-                  <a:solidFill>
-                    <a:srgbClr val="ffffff"/>
+              <a:rPr lang="de-DE" sz="1400" b="0" strike="noStrike" spc="-1">
+                <a:solidFill>
+                  <a:srgbClr val="44546A"/>
+                </a:solidFill>
+                <a:uFill>
+                  <a:solidFill>
+                    <a:srgbClr val="FFFFFF"/>
                   </a:solidFill>
                 </a:uFill>
                 <a:latin typeface="Trebuchet MS"/>
@@ -4946,13 +5228,13 @@
               <a:t>Go to </a:t>
             </a:r>
             <a:r>
-              <a:rPr b="0" lang="de-DE" sz="1400" spc="-1" strike="noStrike" u="sng">
-                <a:solidFill>
-                  <a:srgbClr val="44546a"/>
-                </a:solidFill>
-                <a:uFill>
-                  <a:solidFill>
-                    <a:srgbClr val="ffffff"/>
+              <a:rPr lang="de-DE" sz="1400" b="0" u="sng" strike="noStrike" spc="-1">
+                <a:solidFill>
+                  <a:srgbClr val="44546A"/>
+                </a:solidFill>
+                <a:uFill>
+                  <a:solidFill>
+                    <a:srgbClr val="FFFFFF"/>
                   </a:solidFill>
                 </a:uFill>
                 <a:latin typeface="Trebuchet MS"/>
@@ -4961,13 +5243,13 @@
               <a:t>PosterPresentations.com</a:t>
             </a:r>
             <a:r>
-              <a:rPr b="0" lang="de-DE" sz="1400" spc="-1" strike="noStrike">
-                <a:solidFill>
-                  <a:srgbClr val="44546a"/>
-                </a:solidFill>
-                <a:uFill>
-                  <a:solidFill>
-                    <a:srgbClr val="ffffff"/>
+              <a:rPr lang="de-DE" sz="1400" b="0" strike="noStrike" spc="-1">
+                <a:solidFill>
+                  <a:srgbClr val="44546A"/>
+                </a:solidFill>
+                <a:uFill>
+                  <a:solidFill>
+                    <a:srgbClr val="FFFFFF"/>
                   </a:solidFill>
                 </a:uFill>
                 <a:latin typeface="Trebuchet MS"/>
@@ -4975,13 +5257,13 @@
               </a:rPr>
               <a:t> and click on the FB icon. </a:t>
             </a:r>
-            <a:endParaRPr b="0" lang="de-DE" sz="1400" spc="-1" strike="noStrike">
-              <a:solidFill>
-                <a:srgbClr val="000000"/>
-              </a:solidFill>
-              <a:uFill>
-                <a:solidFill>
-                  <a:srgbClr val="ffffff"/>
+            <a:endParaRPr lang="de-DE" sz="1400" b="0" strike="noStrike" spc="-1">
+              <a:solidFill>
+                <a:srgbClr val="000000"/>
+              </a:solidFill>
+              <a:uFill>
+                <a:solidFill>
+                  <a:srgbClr val="FFFFFF"/>
                 </a:solidFill>
               </a:uFill>
               <a:latin typeface="Arial"/>
@@ -5009,13 +5291,20 @@
           </a:ln>
         </p:spPr>
         <p:style>
-          <a:lnRef idx="0"/>
-          <a:fillRef idx="0"/>
-          <a:effectRef idx="0"/>
+          <a:lnRef idx="0">
+            <a:scrgbClr r="0" g="0" b="0"/>
+          </a:lnRef>
+          <a:fillRef idx="0">
+            <a:scrgbClr r="0" g="0" b="0"/>
+          </a:fillRef>
+          <a:effectRef idx="0">
+            <a:scrgbClr r="0" g="0" b="0"/>
+          </a:effectRef>
           <a:fontRef idx="minor"/>
         </p:style>
         <p:txBody>
-          <a:bodyPr wrap="none" lIns="0" rIns="0" tIns="0" bIns="0"/>
+          <a:bodyPr wrap="none" lIns="0" tIns="0" rIns="0" bIns="0"/>
+          <a:lstStyle/>
           <a:p>
             <a:pPr>
               <a:lnSpc>
@@ -5023,13 +5312,13 @@
               </a:lnSpc>
             </a:pPr>
             <a:r>
-              <a:rPr b="0" lang="de-DE" sz="1400" spc="-1" strike="noStrike">
-                <a:solidFill>
-                  <a:srgbClr val="ffffff"/>
-                </a:solidFill>
-                <a:uFill>
-                  <a:solidFill>
-                    <a:srgbClr val="ffffff"/>
+              <a:rPr lang="de-DE" sz="1400" b="0" strike="noStrike" spc="-1">
+                <a:solidFill>
+                  <a:srgbClr val="FFFFFF"/>
+                </a:solidFill>
+                <a:uFill>
+                  <a:solidFill>
+                    <a:srgbClr val="FFFFFF"/>
                   </a:solidFill>
                 </a:uFill>
                 <a:latin typeface="Calibri"/>
@@ -5037,13 +5326,13 @@
               </a:rPr>
               <a:t>© 2015 PosterPresentations.com</a:t>
             </a:r>
-            <a:endParaRPr b="0" lang="de-DE" sz="1400" spc="-1" strike="noStrike">
-              <a:solidFill>
-                <a:srgbClr val="000000"/>
-              </a:solidFill>
-              <a:uFill>
-                <a:solidFill>
-                  <a:srgbClr val="ffffff"/>
+            <a:endParaRPr lang="de-DE" sz="1400" b="0" strike="noStrike" spc="-1">
+              <a:solidFill>
+                <a:srgbClr val="000000"/>
+              </a:solidFill>
+              <a:uFill>
+                <a:solidFill>
+                  <a:srgbClr val="FFFFFF"/>
                 </a:solidFill>
               </a:uFill>
               <a:latin typeface="Arial"/>
@@ -5056,13 +5345,13 @@
               </a:lnSpc>
             </a:pPr>
             <a:r>
-              <a:rPr b="0" lang="de-DE" sz="1400" spc="-1" strike="noStrike">
-                <a:solidFill>
-                  <a:srgbClr val="ffffff"/>
-                </a:solidFill>
-                <a:uFill>
-                  <a:solidFill>
-                    <a:srgbClr val="ffffff"/>
+              <a:rPr lang="de-DE" sz="1400" b="0" strike="noStrike" spc="-1">
+                <a:solidFill>
+                  <a:srgbClr val="FFFFFF"/>
+                </a:solidFill>
+                <a:uFill>
+                  <a:solidFill>
+                    <a:srgbClr val="FFFFFF"/>
                   </a:solidFill>
                 </a:uFill>
                 <a:latin typeface="Calibri"/>
@@ -5070,13 +5359,13 @@
               </a:rPr>
               <a:t>2117 Fourth Street , Unit C</a:t>
             </a:r>
-            <a:endParaRPr b="0" lang="de-DE" sz="1400" spc="-1" strike="noStrike">
-              <a:solidFill>
-                <a:srgbClr val="000000"/>
-              </a:solidFill>
-              <a:uFill>
-                <a:solidFill>
-                  <a:srgbClr val="ffffff"/>
+            <a:endParaRPr lang="de-DE" sz="1400" b="0" strike="noStrike" spc="-1">
+              <a:solidFill>
+                <a:srgbClr val="000000"/>
+              </a:solidFill>
+              <a:uFill>
+                <a:solidFill>
+                  <a:srgbClr val="FFFFFF"/>
                 </a:solidFill>
               </a:uFill>
               <a:latin typeface="Arial"/>
@@ -5089,13 +5378,13 @@
               </a:lnSpc>
             </a:pPr>
             <a:r>
-              <a:rPr b="0" lang="de-DE" sz="1400" spc="-1" strike="noStrike">
-                <a:solidFill>
-                  <a:srgbClr val="ffffff"/>
-                </a:solidFill>
-                <a:uFill>
-                  <a:solidFill>
-                    <a:srgbClr val="ffffff"/>
+              <a:rPr lang="de-DE" sz="1400" b="0" strike="noStrike" spc="-1">
+                <a:solidFill>
+                  <a:srgbClr val="FFFFFF"/>
+                </a:solidFill>
+                <a:uFill>
+                  <a:solidFill>
+                    <a:srgbClr val="FFFFFF"/>
                   </a:solidFill>
                 </a:uFill>
                 <a:latin typeface="Calibri"/>
@@ -5105,13 +5394,13 @@
             </a:r>
             <a:br/>
             <a:r>
-              <a:rPr b="1" lang="de-DE" sz="1400" spc="-1" strike="noStrike">
-                <a:solidFill>
-                  <a:srgbClr val="ffff00"/>
-                </a:solidFill>
-                <a:uFill>
-                  <a:solidFill>
-                    <a:srgbClr val="ffffff"/>
+              <a:rPr lang="de-DE" sz="1400" b="1" strike="noStrike" spc="-1">
+                <a:solidFill>
+                  <a:srgbClr val="FFFF00"/>
+                </a:solidFill>
+                <a:uFill>
+                  <a:solidFill>
+                    <a:srgbClr val="FFFFFF"/>
                   </a:solidFill>
                 </a:uFill>
                 <a:latin typeface="Calibri"/>
@@ -5119,13 +5408,13 @@
               </a:rPr>
               <a:t>posterpresenter@gmail.com</a:t>
             </a:r>
-            <a:endParaRPr b="0" lang="de-DE" sz="1400" spc="-1" strike="noStrike">
-              <a:solidFill>
-                <a:srgbClr val="000000"/>
-              </a:solidFill>
-              <a:uFill>
-                <a:solidFill>
-                  <a:srgbClr val="ffffff"/>
+            <a:endParaRPr lang="de-DE" sz="1400" b="0" strike="noStrike" spc="-1">
+              <a:solidFill>
+                <a:srgbClr val="000000"/>
+              </a:solidFill>
+              <a:uFill>
+                <a:solidFill>
+                  <a:srgbClr val="FFFFFF"/>
                 </a:solidFill>
               </a:uFill>
               <a:latin typeface="Arial"/>
@@ -5153,13 +5442,20 @@
           </a:ln>
         </p:spPr>
         <p:style>
-          <a:lnRef idx="0"/>
-          <a:fillRef idx="0"/>
-          <a:effectRef idx="0"/>
+          <a:lnRef idx="0">
+            <a:scrgbClr r="0" g="0" b="0"/>
+          </a:lnRef>
+          <a:fillRef idx="0">
+            <a:scrgbClr r="0" g="0" b="0"/>
+          </a:fillRef>
+          <a:effectRef idx="0">
+            <a:scrgbClr r="0" g="0" b="0"/>
+          </a:effectRef>
           <a:fontRef idx="minor"/>
         </p:style>
         <p:txBody>
-          <a:bodyPr lIns="31680" rIns="31680" tIns="15840" bIns="15840"/>
+          <a:bodyPr lIns="31680" tIns="15840" rIns="31680" bIns="15840"/>
+          <a:lstStyle/>
           <a:p>
             <a:pPr>
               <a:lnSpc>
@@ -5170,13 +5466,13 @@
               </a:spcBef>
             </a:pPr>
             <a:r>
-              <a:rPr b="1" lang="de-DE" sz="200" spc="-1" strike="noStrike">
-                <a:solidFill>
-                  <a:srgbClr val="bfbfbf"/>
-                </a:solidFill>
-                <a:uFill>
-                  <a:solidFill>
-                    <a:srgbClr val="ffffff"/>
+              <a:rPr lang="de-DE" sz="200" b="1" strike="noStrike" spc="-1">
+                <a:solidFill>
+                  <a:srgbClr val="BFBFBF"/>
+                </a:solidFill>
+                <a:uFill>
+                  <a:solidFill>
+                    <a:srgbClr val="FFFFFF"/>
                   </a:solidFill>
                 </a:uFill>
                 <a:latin typeface="Arial"/>
@@ -5184,13 +5480,13 @@
               </a:rPr>
               <a:t>RESEARCH POSTER PRESENTATION DESIGN © 2015</a:t>
             </a:r>
-            <a:endParaRPr b="0" lang="de-DE" sz="200" spc="-1" strike="noStrike">
-              <a:solidFill>
-                <a:srgbClr val="000000"/>
-              </a:solidFill>
-              <a:uFill>
-                <a:solidFill>
-                  <a:srgbClr val="ffffff"/>
+            <a:endParaRPr lang="de-DE" sz="200" b="0" strike="noStrike" spc="-1">
+              <a:solidFill>
+                <a:srgbClr val="000000"/>
+              </a:solidFill>
+              <a:uFill>
+                <a:solidFill>
+                  <a:srgbClr val="FFFFFF"/>
                 </a:solidFill>
               </a:uFill>
               <a:latin typeface="Arial"/>
@@ -5206,13 +5502,13 @@
               </a:spcBef>
             </a:pPr>
             <a:r>
-              <a:rPr b="1" lang="de-DE" sz="400" spc="-1" strike="noStrike">
-                <a:solidFill>
-                  <a:srgbClr val="bfbfbf"/>
-                </a:solidFill>
-                <a:uFill>
-                  <a:solidFill>
-                    <a:srgbClr val="ffffff"/>
+              <a:rPr lang="de-DE" sz="400" b="1" strike="noStrike" spc="-1">
+                <a:solidFill>
+                  <a:srgbClr val="BFBFBF"/>
+                </a:solidFill>
+                <a:uFill>
+                  <a:solidFill>
+                    <a:srgbClr val="FFFFFF"/>
                   </a:solidFill>
                 </a:uFill>
                 <a:latin typeface="Arial"/>
@@ -5220,13 +5516,13 @@
               </a:rPr>
               <a:t>www.PosterPresentations.com</a:t>
             </a:r>
-            <a:endParaRPr b="0" lang="de-DE" sz="400" spc="-1" strike="noStrike">
-              <a:solidFill>
-                <a:srgbClr val="000000"/>
-              </a:solidFill>
-              <a:uFill>
-                <a:solidFill>
-                  <a:srgbClr val="ffffff"/>
+            <a:endParaRPr lang="de-DE" sz="400" b="0" strike="noStrike" spc="-1">
+              <a:solidFill>
+                <a:srgbClr val="000000"/>
+              </a:solidFill>
+              <a:uFill>
+                <a:solidFill>
+                  <a:srgbClr val="FFFFFF"/>
                 </a:solidFill>
               </a:uFill>
               <a:latin typeface="Arial"/>
@@ -5327,6 +5623,7 @@
             <a:avLst/>
             <a:gdLst/>
             <a:ahLst/>
+            <a:cxnLst/>
             <a:rect l="l" t="t" r="r" b="b"/>
             <a:pathLst>
               <a:path w="43824446" h="5811651">
@@ -5375,7 +5672,7 @@
             <a:noFill/>
           </a:ln>
           <a:effectLst>
-            <a:outerShdw blurRad="40000" dir="5400000" dist="23000" rotWithShape="0">
+            <a:outerShdw blurRad="40000" dist="23000" dir="5400000" rotWithShape="0">
               <a:srgbClr val="000000">
                 <a:alpha val="35000"/>
               </a:srgbClr>
@@ -5410,6 +5707,7 @@
             <a:avLst/>
             <a:gdLst/>
             <a:ahLst/>
+            <a:cxnLst/>
             <a:rect l="l" t="t" r="r" b="b"/>
             <a:pathLst>
               <a:path w="43793267" h="6680377">
@@ -5458,7 +5756,7 @@
             <a:noFill/>
           </a:ln>
           <a:effectLst>
-            <a:outerShdw blurRad="40000" dir="5400000" dist="23000" rotWithShape="0">
+            <a:outerShdw blurRad="40000" dist="23000" dir="5400000" rotWithShape="0">
               <a:srgbClr val="000000">
                 <a:alpha val="35000"/>
               </a:srgbClr>
@@ -5493,6 +5791,7 @@
             <a:avLst/>
             <a:gdLst/>
             <a:ahLst/>
+            <a:cxnLst/>
             <a:rect l="l" t="t" r="r" b="b"/>
             <a:pathLst>
               <a:path w="43909598" h="5388329">
@@ -5541,7 +5840,7 @@
             <a:noFill/>
           </a:ln>
           <a:effectLst>
-            <a:outerShdw blurRad="40000" dir="5400000" dist="23000" rotWithShape="0">
+            <a:outerShdw blurRad="40000" dist="23000" dir="5400000" rotWithShape="0">
               <a:srgbClr val="000000">
                 <a:alpha val="35000"/>
               </a:srgbClr>
@@ -5576,6 +5875,7 @@
             <a:avLst/>
             <a:gdLst/>
             <a:ahLst/>
+            <a:cxnLst/>
             <a:rect l="l" t="t" r="r" b="b"/>
             <a:pathLst>
               <a:path w="43824446" h="5811651">
@@ -5624,7 +5924,7 @@
             <a:noFill/>
           </a:ln>
           <a:effectLst>
-            <a:outerShdw blurRad="40000" dir="5400000" dist="23000" rotWithShape="0">
+            <a:outerShdw blurRad="40000" dist="23000" dir="5400000" rotWithShape="0">
               <a:srgbClr val="000000">
                 <a:alpha val="35000"/>
               </a:srgbClr>
@@ -5659,6 +5959,7 @@
             <a:avLst/>
             <a:gdLst/>
             <a:ahLst/>
+            <a:cxnLst/>
             <a:rect l="l" t="t" r="r" b="b"/>
             <a:pathLst>
               <a:path w="43793267" h="6680377">
@@ -5707,7 +6008,7 @@
             <a:noFill/>
           </a:ln>
           <a:effectLst>
-            <a:outerShdw blurRad="40000" dir="5400000" dist="23000" rotWithShape="0">
+            <a:outerShdw blurRad="40000" dist="23000" dir="5400000" rotWithShape="0">
               <a:srgbClr val="000000">
                 <a:alpha val="35000"/>
               </a:srgbClr>
@@ -5742,6 +6043,7 @@
             <a:avLst/>
             <a:gdLst/>
             <a:ahLst/>
+            <a:cxnLst/>
             <a:rect l="l" t="t" r="r" b="b"/>
             <a:pathLst>
               <a:path w="43909598" h="5388329">
@@ -5790,7 +6092,7 @@
             <a:noFill/>
           </a:ln>
           <a:effectLst>
-            <a:outerShdw blurRad="40000" dir="5400000" dist="23000" rotWithShape="0">
+            <a:outerShdw blurRad="40000" dist="23000" dir="5400000" rotWithShape="0">
               <a:srgbClr val="000000">
                 <a:alpha val="35000"/>
               </a:srgbClr>
@@ -5830,13 +6132,20 @@
           </a:ln>
         </p:spPr>
         <p:style>
-          <a:lnRef idx="0"/>
-          <a:fillRef idx="0"/>
-          <a:effectRef idx="0"/>
+          <a:lnRef idx="0">
+            <a:scrgbClr r="0" g="0" b="0"/>
+          </a:lnRef>
+          <a:fillRef idx="0">
+            <a:scrgbClr r="0" g="0" b="0"/>
+          </a:fillRef>
+          <a:effectRef idx="0">
+            <a:scrgbClr r="0" g="0" b="0"/>
+          </a:effectRef>
           <a:fontRef idx="minor"/>
         </p:style>
         <p:txBody>
-          <a:bodyPr lIns="78120" rIns="78120" tIns="39240" bIns="39240"/>
+          <a:bodyPr lIns="78120" tIns="39240" rIns="78120" bIns="39240"/>
+          <a:lstStyle/>
           <a:p>
             <a:pPr>
               <a:lnSpc>
@@ -5847,13 +6156,13 @@
               </a:spcBef>
             </a:pPr>
             <a:r>
-              <a:rPr b="1" lang="de-DE" sz="500" spc="-1" strike="noStrike">
-                <a:solidFill>
-                  <a:srgbClr val="bfbfbf"/>
-                </a:solidFill>
-                <a:uFill>
-                  <a:solidFill>
-                    <a:srgbClr val="ffffff"/>
+              <a:rPr lang="de-DE" sz="500" b="1" strike="noStrike" spc="-1">
+                <a:solidFill>
+                  <a:srgbClr val="BFBFBF"/>
+                </a:solidFill>
+                <a:uFill>
+                  <a:solidFill>
+                    <a:srgbClr val="FFFFFF"/>
                   </a:solidFill>
                 </a:uFill>
                 <a:latin typeface="Arial"/>
@@ -5861,13 +6170,13 @@
               </a:rPr>
               <a:t>RESEARCH POSTER PRESENTATION DESIGN © 2015</a:t>
             </a:r>
-            <a:endParaRPr b="0" lang="de-DE" sz="500" spc="-1" strike="noStrike">
-              <a:solidFill>
-                <a:srgbClr val="000000"/>
-              </a:solidFill>
-              <a:uFill>
-                <a:solidFill>
-                  <a:srgbClr val="ffffff"/>
+            <a:endParaRPr lang="de-DE" sz="500" b="0" strike="noStrike" spc="-1">
+              <a:solidFill>
+                <a:srgbClr val="000000"/>
+              </a:solidFill>
+              <a:uFill>
+                <a:solidFill>
+                  <a:srgbClr val="FFFFFF"/>
                 </a:solidFill>
               </a:uFill>
               <a:latin typeface="Arial"/>
@@ -5883,13 +6192,13 @@
               </a:spcBef>
             </a:pPr>
             <a:r>
-              <a:rPr b="1" lang="de-DE" sz="700" spc="-1" strike="noStrike">
-                <a:solidFill>
-                  <a:srgbClr val="bfbfbf"/>
-                </a:solidFill>
-                <a:uFill>
-                  <a:solidFill>
-                    <a:srgbClr val="ffffff"/>
+              <a:rPr lang="de-DE" sz="700" b="1" strike="noStrike" spc="-1">
+                <a:solidFill>
+                  <a:srgbClr val="BFBFBF"/>
+                </a:solidFill>
+                <a:uFill>
+                  <a:solidFill>
+                    <a:srgbClr val="FFFFFF"/>
                   </a:solidFill>
                 </a:uFill>
                 <a:latin typeface="Arial"/>
@@ -5897,13 +6206,13 @@
               </a:rPr>
               <a:t>www.PosterPresentations.com</a:t>
             </a:r>
-            <a:endParaRPr b="0" lang="de-DE" sz="700" spc="-1" strike="noStrike">
-              <a:solidFill>
-                <a:srgbClr val="000000"/>
-              </a:solidFill>
-              <a:uFill>
-                <a:solidFill>
-                  <a:srgbClr val="ffffff"/>
+            <a:endParaRPr lang="de-DE" sz="700" b="0" strike="noStrike" spc="-1">
+              <a:solidFill>
+                <a:srgbClr val="000000"/>
+              </a:solidFill>
+              <a:uFill>
+                <a:solidFill>
+                  <a:srgbClr val="FFFFFF"/>
                 </a:solidFill>
               </a:uFill>
               <a:latin typeface="Arial"/>
@@ -5913,12 +6222,12 @@
       </p:sp>
       <p:pic>
         <p:nvPicPr>
-          <p:cNvPr id="32" name="" descr=""/>
+          <p:cNvPr id="32" name="Grafik 31"/>
           <p:cNvPicPr/>
           <p:nvPr/>
         </p:nvPicPr>
         <p:blipFill>
-          <a:blip r:embed="rId13"/>
+          <a:blip r:embed="rId14"/>
           <a:stretch/>
         </p:blipFill>
         <p:spPr>
@@ -5936,12 +6245,12 @@
       </p:pic>
       <p:pic>
         <p:nvPicPr>
-          <p:cNvPr id="33" name="" descr=""/>
+          <p:cNvPr id="33" name="Grafik 32"/>
           <p:cNvPicPr/>
           <p:nvPr/>
         </p:nvPicPr>
         <p:blipFill>
-          <a:blip r:embed="rId14"/>
+          <a:blip r:embed="rId15"/>
           <a:stretch/>
         </p:blipFill>
         <p:spPr>
@@ -5959,12 +6268,12 @@
       </p:pic>
       <p:pic>
         <p:nvPicPr>
-          <p:cNvPr id="34" name="" descr=""/>
+          <p:cNvPr id="34" name="Grafik 33"/>
           <p:cNvPicPr/>
           <p:nvPr/>
         </p:nvPicPr>
         <p:blipFill>
-          <a:blip r:embed="rId15"/>
+          <a:blip r:embed="rId16"/>
           <a:stretch/>
         </p:blipFill>
         <p:spPr>
@@ -5982,12 +6291,12 @@
       </p:pic>
       <p:pic>
         <p:nvPicPr>
-          <p:cNvPr id="35" name="" descr=""/>
+          <p:cNvPr id="35" name="Grafik 34"/>
           <p:cNvPicPr/>
           <p:nvPr/>
         </p:nvPicPr>
         <p:blipFill>
-          <a:blip r:embed="rId16"/>
+          <a:blip r:embed="rId17"/>
           <a:stretch/>
         </p:blipFill>
         <p:spPr>
@@ -6023,34 +6332,24 @@
           </a:prstGeom>
         </p:spPr>
         <p:txBody>
-          <a:bodyPr lIns="0" rIns="0" tIns="0" bIns="0" anchor="ctr"/>
+          <a:bodyPr lIns="0" tIns="0" rIns="0" bIns="0" anchor="ctr"/>
+          <a:lstStyle/>
           <a:p>
             <a:pPr algn="ctr"/>
             <a:r>
-              <a:rPr b="0" lang="de-DE" sz="4400" spc="-1" strike="noStrike">
+              <a:rPr lang="de-DE" sz="4400" b="0" strike="noStrike" spc="-1">
                 <a:solidFill>
                   <a:srgbClr val="000000"/>
                 </a:solidFill>
                 <a:uFill>
                   <a:solidFill>
-                    <a:srgbClr val="ffffff"/>
+                    <a:srgbClr val="FFFFFF"/>
                   </a:solidFill>
                 </a:uFill>
                 <a:latin typeface="Arial"/>
               </a:rPr>
               <a:t>Format des Titeltextes durch Klicken bearbeiten</a:t>
             </a:r>
-            <a:endParaRPr b="0" lang="de-DE" sz="4400" spc="-1" strike="noStrike">
-              <a:solidFill>
-                <a:srgbClr val="000000"/>
-              </a:solidFill>
-              <a:uFill>
-                <a:solidFill>
-                  <a:srgbClr val="ffffff"/>
-                </a:solidFill>
-              </a:uFill>
-              <a:latin typeface="Arial"/>
-            </a:endParaRPr>
           </a:p>
         </p:txBody>
       </p:sp>
@@ -6074,9 +6373,10 @@
           </a:prstGeom>
         </p:spPr>
         <p:txBody>
-          <a:bodyPr lIns="0" rIns="0" tIns="0" bIns="0">
+          <a:bodyPr lIns="0" tIns="0" rIns="0" bIns="0">
             <a:normAutofit/>
           </a:bodyPr>
+          <a:lstStyle/>
           <a:p>
             <a:pPr marL="432000" indent="-324000">
               <a:spcBef>
@@ -6090,33 +6390,22 @@
               <a:buChar char=""/>
             </a:pPr>
             <a:r>
-              <a:rPr b="0" lang="de-DE" sz="3200" spc="-1" strike="noStrike">
+              <a:rPr lang="de-DE" sz="3200" b="0" strike="noStrike" spc="-1">
                 <a:solidFill>
                   <a:srgbClr val="000000"/>
                 </a:solidFill>
                 <a:uFill>
                   <a:solidFill>
-                    <a:srgbClr val="ffffff"/>
+                    <a:srgbClr val="FFFFFF"/>
                   </a:solidFill>
                 </a:uFill>
                 <a:latin typeface="Arial"/>
               </a:rPr>
               <a:t>Format des Gliederungstextes durch Klicken bearbeiten</a:t>
             </a:r>
-            <a:endParaRPr b="0" lang="de-DE" sz="3200" spc="-1" strike="noStrike">
-              <a:solidFill>
-                <a:srgbClr val="000000"/>
-              </a:solidFill>
-              <a:uFill>
-                <a:solidFill>
-                  <a:srgbClr val="ffffff"/>
-                </a:solidFill>
-              </a:uFill>
-              <a:latin typeface="Arial"/>
-            </a:endParaRPr>
-          </a:p>
-          <a:p>
-            <a:pPr lvl="1" marL="864000" indent="-324000">
+          </a:p>
+          <a:p>
+            <a:pPr marL="864000" lvl="1" indent="-324000">
               <a:spcBef>
                 <a:spcPts val="1134"/>
               </a:spcBef>
@@ -6128,33 +6417,22 @@
               <a:buChar char=""/>
             </a:pPr>
             <a:r>
-              <a:rPr b="0" lang="de-DE" sz="2800" spc="-1" strike="noStrike">
+              <a:rPr lang="de-DE" sz="2800" b="0" strike="noStrike" spc="-1">
                 <a:solidFill>
                   <a:srgbClr val="000000"/>
                 </a:solidFill>
                 <a:uFill>
                   <a:solidFill>
-                    <a:srgbClr val="ffffff"/>
+                    <a:srgbClr val="FFFFFF"/>
                   </a:solidFill>
                 </a:uFill>
                 <a:latin typeface="Arial"/>
               </a:rPr>
               <a:t>Zweite Gliederungsebene</a:t>
             </a:r>
-            <a:endParaRPr b="0" lang="de-DE" sz="2800" spc="-1" strike="noStrike">
-              <a:solidFill>
-                <a:srgbClr val="000000"/>
-              </a:solidFill>
-              <a:uFill>
-                <a:solidFill>
-                  <a:srgbClr val="ffffff"/>
-                </a:solidFill>
-              </a:uFill>
-              <a:latin typeface="Arial"/>
-            </a:endParaRPr>
-          </a:p>
-          <a:p>
-            <a:pPr lvl="2" marL="1296000" indent="-288000">
+          </a:p>
+          <a:p>
+            <a:pPr marL="1296000" lvl="2" indent="-288000">
               <a:spcBef>
                 <a:spcPts val="850"/>
               </a:spcBef>
@@ -6166,33 +6444,22 @@
               <a:buChar char=""/>
             </a:pPr>
             <a:r>
-              <a:rPr b="0" lang="de-DE" sz="2400" spc="-1" strike="noStrike">
+              <a:rPr lang="de-DE" sz="2400" b="0" strike="noStrike" spc="-1">
                 <a:solidFill>
                   <a:srgbClr val="000000"/>
                 </a:solidFill>
                 <a:uFill>
                   <a:solidFill>
-                    <a:srgbClr val="ffffff"/>
+                    <a:srgbClr val="FFFFFF"/>
                   </a:solidFill>
                 </a:uFill>
                 <a:latin typeface="Arial"/>
               </a:rPr>
               <a:t>Dritte Gliederungsebene</a:t>
             </a:r>
-            <a:endParaRPr b="0" lang="de-DE" sz="2400" spc="-1" strike="noStrike">
-              <a:solidFill>
-                <a:srgbClr val="000000"/>
-              </a:solidFill>
-              <a:uFill>
-                <a:solidFill>
-                  <a:srgbClr val="ffffff"/>
-                </a:solidFill>
-              </a:uFill>
-              <a:latin typeface="Arial"/>
-            </a:endParaRPr>
-          </a:p>
-          <a:p>
-            <a:pPr lvl="3" marL="1728000" indent="-216000">
+          </a:p>
+          <a:p>
+            <a:pPr marL="1728000" lvl="3" indent="-216000">
               <a:spcBef>
                 <a:spcPts val="567"/>
               </a:spcBef>
@@ -6204,33 +6471,22 @@
               <a:buChar char=""/>
             </a:pPr>
             <a:r>
-              <a:rPr b="0" lang="de-DE" sz="2000" spc="-1" strike="noStrike">
+              <a:rPr lang="de-DE" sz="2000" b="0" strike="noStrike" spc="-1">
                 <a:solidFill>
                   <a:srgbClr val="000000"/>
                 </a:solidFill>
                 <a:uFill>
                   <a:solidFill>
-                    <a:srgbClr val="ffffff"/>
+                    <a:srgbClr val="FFFFFF"/>
                   </a:solidFill>
                 </a:uFill>
                 <a:latin typeface="Arial"/>
               </a:rPr>
               <a:t>Vierte Gliederungsebene</a:t>
             </a:r>
-            <a:endParaRPr b="0" lang="de-DE" sz="2000" spc="-1" strike="noStrike">
-              <a:solidFill>
-                <a:srgbClr val="000000"/>
-              </a:solidFill>
-              <a:uFill>
-                <a:solidFill>
-                  <a:srgbClr val="ffffff"/>
-                </a:solidFill>
-              </a:uFill>
-              <a:latin typeface="Arial"/>
-            </a:endParaRPr>
-          </a:p>
-          <a:p>
-            <a:pPr lvl="4" marL="2160000" indent="-216000">
+          </a:p>
+          <a:p>
+            <a:pPr marL="2160000" lvl="4" indent="-216000">
               <a:spcBef>
                 <a:spcPts val="283"/>
               </a:spcBef>
@@ -6242,33 +6498,22 @@
               <a:buChar char=""/>
             </a:pPr>
             <a:r>
-              <a:rPr b="0" lang="de-DE" sz="2000" spc="-1" strike="noStrike">
+              <a:rPr lang="de-DE" sz="2000" b="0" strike="noStrike" spc="-1">
                 <a:solidFill>
                   <a:srgbClr val="000000"/>
                 </a:solidFill>
                 <a:uFill>
                   <a:solidFill>
-                    <a:srgbClr val="ffffff"/>
+                    <a:srgbClr val="FFFFFF"/>
                   </a:solidFill>
                 </a:uFill>
                 <a:latin typeface="Arial"/>
               </a:rPr>
               <a:t>Fünfte Gliederungsebene</a:t>
             </a:r>
-            <a:endParaRPr b="0" lang="de-DE" sz="2000" spc="-1" strike="noStrike">
-              <a:solidFill>
-                <a:srgbClr val="000000"/>
-              </a:solidFill>
-              <a:uFill>
-                <a:solidFill>
-                  <a:srgbClr val="ffffff"/>
-                </a:solidFill>
-              </a:uFill>
-              <a:latin typeface="Arial"/>
-            </a:endParaRPr>
-          </a:p>
-          <a:p>
-            <a:pPr lvl="5" marL="2592000" indent="-216000">
+          </a:p>
+          <a:p>
+            <a:pPr marL="2592000" lvl="5" indent="-216000">
               <a:spcBef>
                 <a:spcPts val="283"/>
               </a:spcBef>
@@ -6280,33 +6525,22 @@
               <a:buChar char=""/>
             </a:pPr>
             <a:r>
-              <a:rPr b="0" lang="de-DE" sz="2000" spc="-1" strike="noStrike">
+              <a:rPr lang="de-DE" sz="2000" b="0" strike="noStrike" spc="-1">
                 <a:solidFill>
                   <a:srgbClr val="000000"/>
                 </a:solidFill>
                 <a:uFill>
                   <a:solidFill>
-                    <a:srgbClr val="ffffff"/>
+                    <a:srgbClr val="FFFFFF"/>
                   </a:solidFill>
                 </a:uFill>
                 <a:latin typeface="Arial"/>
               </a:rPr>
               <a:t>Sechste Gliederungsebene</a:t>
             </a:r>
-            <a:endParaRPr b="0" lang="de-DE" sz="2000" spc="-1" strike="noStrike">
-              <a:solidFill>
-                <a:srgbClr val="000000"/>
-              </a:solidFill>
-              <a:uFill>
-                <a:solidFill>
-                  <a:srgbClr val="ffffff"/>
-                </a:solidFill>
-              </a:uFill>
-              <a:latin typeface="Arial"/>
-            </a:endParaRPr>
-          </a:p>
-          <a:p>
-            <a:pPr lvl="6" marL="3024000" indent="-216000">
+          </a:p>
+          <a:p>
+            <a:pPr marL="3024000" lvl="6" indent="-216000">
               <a:spcBef>
                 <a:spcPts val="283"/>
               </a:spcBef>
@@ -6318,55 +6552,324 @@
               <a:buChar char=""/>
             </a:pPr>
             <a:r>
-              <a:rPr b="0" lang="de-DE" sz="2000" spc="-1" strike="noStrike">
+              <a:rPr lang="de-DE" sz="2000" b="0" strike="noStrike" spc="-1">
                 <a:solidFill>
                   <a:srgbClr val="000000"/>
                 </a:solidFill>
                 <a:uFill>
                   <a:solidFill>
-                    <a:srgbClr val="ffffff"/>
+                    <a:srgbClr val="FFFFFF"/>
                   </a:solidFill>
                 </a:uFill>
                 <a:latin typeface="Arial"/>
               </a:rPr>
               <a:t>Siebte Gliederungsebene</a:t>
             </a:r>
-            <a:endParaRPr b="0" lang="de-DE" sz="2000" spc="-1" strike="noStrike">
-              <a:solidFill>
-                <a:srgbClr val="000000"/>
-              </a:solidFill>
-              <a:uFill>
-                <a:solidFill>
-                  <a:srgbClr val="ffffff"/>
-                </a:solidFill>
-              </a:uFill>
-              <a:latin typeface="Arial"/>
-            </a:endParaRPr>
           </a:p>
         </p:txBody>
       </p:sp>
     </p:spTree>
   </p:cSld>
-  <p:clrMap bg1="lt1" bg2="lt2" tx1="dk1" tx2="dk2" accent1="accent1" accent2="accent2" accent3="accent3" accent4="accent4" accent5="accent5" accent6="accent6" hlink="hlink" folHlink="folHlink"/>
+  <p:clrMap bg1="lt1" tx1="dk1" bg2="lt2" tx2="dk2" accent1="accent1" accent2="accent2" accent3="accent3" accent4="accent4" accent5="accent5" accent6="accent6" hlink="hlink" folHlink="folHlink"/>
   <p:sldLayoutIdLst>
-    <p:sldLayoutId id="2147483649" r:id="rId17"/>
-    <p:sldLayoutId id="2147483650" r:id="rId18"/>
-    <p:sldLayoutId id="2147483651" r:id="rId19"/>
-    <p:sldLayoutId id="2147483652" r:id="rId20"/>
-    <p:sldLayoutId id="2147483653" r:id="rId21"/>
-    <p:sldLayoutId id="2147483654" r:id="rId22"/>
-    <p:sldLayoutId id="2147483655" r:id="rId23"/>
-    <p:sldLayoutId id="2147483656" r:id="rId24"/>
-    <p:sldLayoutId id="2147483657" r:id="rId25"/>
-    <p:sldLayoutId id="2147483658" r:id="rId26"/>
-    <p:sldLayoutId id="2147483659" r:id="rId27"/>
-    <p:sldLayoutId id="2147483660" r:id="rId28"/>
+    <p:sldLayoutId id="2147483649" r:id="rId1"/>
+    <p:sldLayoutId id="2147483650" r:id="rId2"/>
+    <p:sldLayoutId id="2147483651" r:id="rId3"/>
+    <p:sldLayoutId id="2147483652" r:id="rId4"/>
+    <p:sldLayoutId id="2147483653" r:id="rId5"/>
+    <p:sldLayoutId id="2147483654" r:id="rId6"/>
+    <p:sldLayoutId id="2147483655" r:id="rId7"/>
+    <p:sldLayoutId id="2147483656" r:id="rId8"/>
+    <p:sldLayoutId id="2147483657" r:id="rId9"/>
+    <p:sldLayoutId id="2147483658" r:id="rId10"/>
+    <p:sldLayoutId id="2147483659" r:id="rId11"/>
+    <p:sldLayoutId id="2147483660" r:id="rId12"/>
   </p:sldLayoutIdLst>
+  <p:txStyles>
+    <p:titleStyle>
+      <a:lvl1pPr algn="l" defTabSz="914400" rtl="0" eaLnBrk="1" latinLnBrk="0" hangingPunct="1">
+        <a:lnSpc>
+          <a:spcPct val="90000"/>
+        </a:lnSpc>
+        <a:spcBef>
+          <a:spcPct val="0"/>
+        </a:spcBef>
+        <a:buNone/>
+        <a:defRPr sz="4400" kern="1200">
+          <a:solidFill>
+            <a:schemeClr val="tx1"/>
+          </a:solidFill>
+          <a:latin typeface="+mj-lt"/>
+          <a:ea typeface="+mj-ea"/>
+          <a:cs typeface="+mj-cs"/>
+        </a:defRPr>
+      </a:lvl1pPr>
+    </p:titleStyle>
+    <p:bodyStyle>
+      <a:lvl1pPr marL="228600" indent="-228600" algn="l" defTabSz="914400" rtl="0" eaLnBrk="1" latinLnBrk="0" hangingPunct="1">
+        <a:lnSpc>
+          <a:spcPct val="90000"/>
+        </a:lnSpc>
+        <a:spcBef>
+          <a:spcPts val="1000"/>
+        </a:spcBef>
+        <a:buFont typeface="Arial" panose="020B0604020202020204" pitchFamily="34" charset="0"/>
+        <a:buChar char="•"/>
+        <a:defRPr sz="2800" kern="1200">
+          <a:solidFill>
+            <a:schemeClr val="tx1"/>
+          </a:solidFill>
+          <a:latin typeface="+mn-lt"/>
+          <a:ea typeface="+mn-ea"/>
+          <a:cs typeface="+mn-cs"/>
+        </a:defRPr>
+      </a:lvl1pPr>
+      <a:lvl2pPr marL="685800" indent="-228600" algn="l" defTabSz="914400" rtl="0" eaLnBrk="1" latinLnBrk="0" hangingPunct="1">
+        <a:lnSpc>
+          <a:spcPct val="90000"/>
+        </a:lnSpc>
+        <a:spcBef>
+          <a:spcPts val="500"/>
+        </a:spcBef>
+        <a:buFont typeface="Arial" panose="020B0604020202020204" pitchFamily="34" charset="0"/>
+        <a:buChar char="•"/>
+        <a:defRPr sz="2400" kern="1200">
+          <a:solidFill>
+            <a:schemeClr val="tx1"/>
+          </a:solidFill>
+          <a:latin typeface="+mn-lt"/>
+          <a:ea typeface="+mn-ea"/>
+          <a:cs typeface="+mn-cs"/>
+        </a:defRPr>
+      </a:lvl2pPr>
+      <a:lvl3pPr marL="1143000" indent="-228600" algn="l" defTabSz="914400" rtl="0" eaLnBrk="1" latinLnBrk="0" hangingPunct="1">
+        <a:lnSpc>
+          <a:spcPct val="90000"/>
+        </a:lnSpc>
+        <a:spcBef>
+          <a:spcPts val="500"/>
+        </a:spcBef>
+        <a:buFont typeface="Arial" panose="020B0604020202020204" pitchFamily="34" charset="0"/>
+        <a:buChar char="•"/>
+        <a:defRPr sz="2000" kern="1200">
+          <a:solidFill>
+            <a:schemeClr val="tx1"/>
+          </a:solidFill>
+          <a:latin typeface="+mn-lt"/>
+          <a:ea typeface="+mn-ea"/>
+          <a:cs typeface="+mn-cs"/>
+        </a:defRPr>
+      </a:lvl3pPr>
+      <a:lvl4pPr marL="1600200" indent="-228600" algn="l" defTabSz="914400" rtl="0" eaLnBrk="1" latinLnBrk="0" hangingPunct="1">
+        <a:lnSpc>
+          <a:spcPct val="90000"/>
+        </a:lnSpc>
+        <a:spcBef>
+          <a:spcPts val="500"/>
+        </a:spcBef>
+        <a:buFont typeface="Arial" panose="020B0604020202020204" pitchFamily="34" charset="0"/>
+        <a:buChar char="•"/>
+        <a:defRPr sz="1800" kern="1200">
+          <a:solidFill>
+            <a:schemeClr val="tx1"/>
+          </a:solidFill>
+          <a:latin typeface="+mn-lt"/>
+          <a:ea typeface="+mn-ea"/>
+          <a:cs typeface="+mn-cs"/>
+        </a:defRPr>
+      </a:lvl4pPr>
+      <a:lvl5pPr marL="2057400" indent="-228600" algn="l" defTabSz="914400" rtl="0" eaLnBrk="1" latinLnBrk="0" hangingPunct="1">
+        <a:lnSpc>
+          <a:spcPct val="90000"/>
+        </a:lnSpc>
+        <a:spcBef>
+          <a:spcPts val="500"/>
+        </a:spcBef>
+        <a:buFont typeface="Arial" panose="020B0604020202020204" pitchFamily="34" charset="0"/>
+        <a:buChar char="•"/>
+        <a:defRPr sz="1800" kern="1200">
+          <a:solidFill>
+            <a:schemeClr val="tx1"/>
+          </a:solidFill>
+          <a:latin typeface="+mn-lt"/>
+          <a:ea typeface="+mn-ea"/>
+          <a:cs typeface="+mn-cs"/>
+        </a:defRPr>
+      </a:lvl5pPr>
+      <a:lvl6pPr marL="2514600" indent="-228600" algn="l" defTabSz="914400" rtl="0" eaLnBrk="1" latinLnBrk="0" hangingPunct="1">
+        <a:lnSpc>
+          <a:spcPct val="90000"/>
+        </a:lnSpc>
+        <a:spcBef>
+          <a:spcPts val="500"/>
+        </a:spcBef>
+        <a:buFont typeface="Arial" panose="020B0604020202020204" pitchFamily="34" charset="0"/>
+        <a:buChar char="•"/>
+        <a:defRPr sz="1800" kern="1200">
+          <a:solidFill>
+            <a:schemeClr val="tx1"/>
+          </a:solidFill>
+          <a:latin typeface="+mn-lt"/>
+          <a:ea typeface="+mn-ea"/>
+          <a:cs typeface="+mn-cs"/>
+        </a:defRPr>
+      </a:lvl6pPr>
+      <a:lvl7pPr marL="2971800" indent="-228600" algn="l" defTabSz="914400" rtl="0" eaLnBrk="1" latinLnBrk="0" hangingPunct="1">
+        <a:lnSpc>
+          <a:spcPct val="90000"/>
+        </a:lnSpc>
+        <a:spcBef>
+          <a:spcPts val="500"/>
+        </a:spcBef>
+        <a:buFont typeface="Arial" panose="020B0604020202020204" pitchFamily="34" charset="0"/>
+        <a:buChar char="•"/>
+        <a:defRPr sz="1800" kern="1200">
+          <a:solidFill>
+            <a:schemeClr val="tx1"/>
+          </a:solidFill>
+          <a:latin typeface="+mn-lt"/>
+          <a:ea typeface="+mn-ea"/>
+          <a:cs typeface="+mn-cs"/>
+        </a:defRPr>
+      </a:lvl7pPr>
+      <a:lvl8pPr marL="3429000" indent="-228600" algn="l" defTabSz="914400" rtl="0" eaLnBrk="1" latinLnBrk="0" hangingPunct="1">
+        <a:lnSpc>
+          <a:spcPct val="90000"/>
+        </a:lnSpc>
+        <a:spcBef>
+          <a:spcPts val="500"/>
+        </a:spcBef>
+        <a:buFont typeface="Arial" panose="020B0604020202020204" pitchFamily="34" charset="0"/>
+        <a:buChar char="•"/>
+        <a:defRPr sz="1800" kern="1200">
+          <a:solidFill>
+            <a:schemeClr val="tx1"/>
+          </a:solidFill>
+          <a:latin typeface="+mn-lt"/>
+          <a:ea typeface="+mn-ea"/>
+          <a:cs typeface="+mn-cs"/>
+        </a:defRPr>
+      </a:lvl8pPr>
+      <a:lvl9pPr marL="3886200" indent="-228600" algn="l" defTabSz="914400" rtl="0" eaLnBrk="1" latinLnBrk="0" hangingPunct="1">
+        <a:lnSpc>
+          <a:spcPct val="90000"/>
+        </a:lnSpc>
+        <a:spcBef>
+          <a:spcPts val="500"/>
+        </a:spcBef>
+        <a:buFont typeface="Arial" panose="020B0604020202020204" pitchFamily="34" charset="0"/>
+        <a:buChar char="•"/>
+        <a:defRPr sz="1800" kern="1200">
+          <a:solidFill>
+            <a:schemeClr val="tx1"/>
+          </a:solidFill>
+          <a:latin typeface="+mn-lt"/>
+          <a:ea typeface="+mn-ea"/>
+          <a:cs typeface="+mn-cs"/>
+        </a:defRPr>
+      </a:lvl9pPr>
+    </p:bodyStyle>
+    <p:otherStyle>
+      <a:defPPr>
+        <a:defRPr lang="de-DE"/>
+      </a:defPPr>
+      <a:lvl1pPr marL="0" algn="l" defTabSz="914400" rtl="0" eaLnBrk="1" latinLnBrk="0" hangingPunct="1">
+        <a:defRPr sz="1800" kern="1200">
+          <a:solidFill>
+            <a:schemeClr val="tx1"/>
+          </a:solidFill>
+          <a:latin typeface="+mn-lt"/>
+          <a:ea typeface="+mn-ea"/>
+          <a:cs typeface="+mn-cs"/>
+        </a:defRPr>
+      </a:lvl1pPr>
+      <a:lvl2pPr marL="457200" algn="l" defTabSz="914400" rtl="0" eaLnBrk="1" latinLnBrk="0" hangingPunct="1">
+        <a:defRPr sz="1800" kern="1200">
+          <a:solidFill>
+            <a:schemeClr val="tx1"/>
+          </a:solidFill>
+          <a:latin typeface="+mn-lt"/>
+          <a:ea typeface="+mn-ea"/>
+          <a:cs typeface="+mn-cs"/>
+        </a:defRPr>
+      </a:lvl2pPr>
+      <a:lvl3pPr marL="914400" algn="l" defTabSz="914400" rtl="0" eaLnBrk="1" latinLnBrk="0" hangingPunct="1">
+        <a:defRPr sz="1800" kern="1200">
+          <a:solidFill>
+            <a:schemeClr val="tx1"/>
+          </a:solidFill>
+          <a:latin typeface="+mn-lt"/>
+          <a:ea typeface="+mn-ea"/>
+          <a:cs typeface="+mn-cs"/>
+        </a:defRPr>
+      </a:lvl3pPr>
+      <a:lvl4pPr marL="1371600" algn="l" defTabSz="914400" rtl="0" eaLnBrk="1" latinLnBrk="0" hangingPunct="1">
+        <a:defRPr sz="1800" kern="1200">
+          <a:solidFill>
+            <a:schemeClr val="tx1"/>
+          </a:solidFill>
+          <a:latin typeface="+mn-lt"/>
+          <a:ea typeface="+mn-ea"/>
+          <a:cs typeface="+mn-cs"/>
+        </a:defRPr>
+      </a:lvl4pPr>
+      <a:lvl5pPr marL="1828800" algn="l" defTabSz="914400" rtl="0" eaLnBrk="1" latinLnBrk="0" hangingPunct="1">
+        <a:defRPr sz="1800" kern="1200">
+          <a:solidFill>
+            <a:schemeClr val="tx1"/>
+          </a:solidFill>
+          <a:latin typeface="+mn-lt"/>
+          <a:ea typeface="+mn-ea"/>
+          <a:cs typeface="+mn-cs"/>
+        </a:defRPr>
+      </a:lvl5pPr>
+      <a:lvl6pPr marL="2286000" algn="l" defTabSz="914400" rtl="0" eaLnBrk="1" latinLnBrk="0" hangingPunct="1">
+        <a:defRPr sz="1800" kern="1200">
+          <a:solidFill>
+            <a:schemeClr val="tx1"/>
+          </a:solidFill>
+          <a:latin typeface="+mn-lt"/>
+          <a:ea typeface="+mn-ea"/>
+          <a:cs typeface="+mn-cs"/>
+        </a:defRPr>
+      </a:lvl6pPr>
+      <a:lvl7pPr marL="2743200" algn="l" defTabSz="914400" rtl="0" eaLnBrk="1" latinLnBrk="0" hangingPunct="1">
+        <a:defRPr sz="1800" kern="1200">
+          <a:solidFill>
+            <a:schemeClr val="tx1"/>
+          </a:solidFill>
+          <a:latin typeface="+mn-lt"/>
+          <a:ea typeface="+mn-ea"/>
+          <a:cs typeface="+mn-cs"/>
+        </a:defRPr>
+      </a:lvl7pPr>
+      <a:lvl8pPr marL="3200400" algn="l" defTabSz="914400" rtl="0" eaLnBrk="1" latinLnBrk="0" hangingPunct="1">
+        <a:defRPr sz="1800" kern="1200">
+          <a:solidFill>
+            <a:schemeClr val="tx1"/>
+          </a:solidFill>
+          <a:latin typeface="+mn-lt"/>
+          <a:ea typeface="+mn-ea"/>
+          <a:cs typeface="+mn-cs"/>
+        </a:defRPr>
+      </a:lvl8pPr>
+      <a:lvl9pPr marL="3657600" algn="l" defTabSz="914400" rtl="0" eaLnBrk="1" latinLnBrk="0" hangingPunct="1">
+        <a:defRPr sz="1800" kern="1200">
+          <a:solidFill>
+            <a:schemeClr val="tx1"/>
+          </a:solidFill>
+          <a:latin typeface="+mn-lt"/>
+          <a:ea typeface="+mn-ea"/>
+          <a:cs typeface="+mn-cs"/>
+        </a:defRPr>
+      </a:lvl9pPr>
+    </p:otherStyle>
+  </p:txStyles>
 </p:sldMaster>
 </file>
 
 <file path=ppt/slides/slide1.xml><?xml version="1.0" encoding="utf-8"?>
-<p:sld xmlns:a="http://schemas.openxmlformats.org/drawingml/2006/main" xmlns:p="http://schemas.openxmlformats.org/presentationml/2006/main" xmlns:r="http://schemas.openxmlformats.org/officeDocument/2006/relationships" xmlns:p14="http://schemas.microsoft.com/office/powerpoint/2010/main" xmlns:p15="http://schemas.microsoft.com/office/powerpoint/2012/main" xmlns:mc="http://schemas.openxmlformats.org/markup-compatibility/2006">
+<p:sld xmlns:a="http://schemas.openxmlformats.org/drawingml/2006/main" xmlns:r="http://schemas.openxmlformats.org/officeDocument/2006/relationships" xmlns:p="http://schemas.openxmlformats.org/presentationml/2006/main">
   <p:cSld>
     <p:spTree>
       <p:nvGrpSpPr>
@@ -6397,16 +6900,22 @@
             <a:avLst/>
           </a:prstGeom>
           <a:solidFill>
-            <a:srgbClr val="5b9bd5"/>
+            <a:srgbClr val="5B9BD5"/>
           </a:solidFill>
           <a:ln>
             <a:noFill/>
           </a:ln>
         </p:spPr>
         <p:style>
-          <a:lnRef idx="0"/>
-          <a:fillRef idx="0"/>
-          <a:effectRef idx="0"/>
+          <a:lnRef idx="0">
+            <a:scrgbClr r="0" g="0" b="0"/>
+          </a:lnRef>
+          <a:fillRef idx="0">
+            <a:scrgbClr r="0" g="0" b="0"/>
+          </a:fillRef>
+          <a:effectRef idx="0">
+            <a:scrgbClr r="0" g="0" b="0"/>
+          </a:effectRef>
           <a:fontRef idx="minor"/>
         </p:style>
       </p:sp>
@@ -6430,13 +6939,20 @@
           </a:ln>
         </p:spPr>
         <p:style>
-          <a:lnRef idx="0"/>
-          <a:fillRef idx="0"/>
-          <a:effectRef idx="0"/>
+          <a:lnRef idx="0">
+            <a:scrgbClr r="0" g="0" b="0"/>
+          </a:lnRef>
+          <a:fillRef idx="0">
+            <a:scrgbClr r="0" g="0" b="0"/>
+          </a:fillRef>
+          <a:effectRef idx="0">
+            <a:scrgbClr r="0" g="0" b="0"/>
+          </a:effectRef>
           <a:fontRef idx="minor"/>
         </p:style>
         <p:txBody>
-          <a:bodyPr lIns="31680" rIns="31680" tIns="31680" bIns="31680" anchor="ctr"/>
+          <a:bodyPr lIns="31680" tIns="31680" rIns="31680" bIns="31680" anchor="ctr"/>
+          <a:lstStyle/>
           <a:p>
             <a:pPr algn="ctr">
               <a:lnSpc>
@@ -6447,90 +6963,26 @@
               </a:spcBef>
             </a:pPr>
             <a:r>
-              <a:rPr b="1" lang="de-DE" sz="1800" spc="-1" strike="noStrike" u="sng">
+              <a:rPr lang="en-GB" sz="2200" b="1" strike="noStrike" spc="-1">
                 <a:solidFill>
                   <a:srgbClr val="000000"/>
                 </a:solidFill>
                 <a:uFill>
                   <a:solidFill>
-                    <a:srgbClr val="ffffff"/>
+                    <a:srgbClr val="FFFFFF"/>
                   </a:solidFill>
                 </a:uFill>
                 <a:latin typeface="Calibri"/>
               </a:rPr>
               <a:t>Objective</a:t>
             </a:r>
-            <a:endParaRPr b="0" lang="de-DE" sz="1800" spc="-1" strike="noStrike">
-              <a:solidFill>
-                <a:srgbClr val="000000"/>
-              </a:solidFill>
-              <a:uFill>
-                <a:solidFill>
-                  <a:srgbClr val="ffffff"/>
-                </a:solidFill>
-              </a:uFill>
-              <a:latin typeface="Arial"/>
-            </a:endParaRPr>
-          </a:p>
-        </p:txBody>
-      </p:sp>
-      <p:sp>
-        <p:nvSpPr>
-          <p:cNvPr id="79" name="CustomShape 3"/>
-          <p:cNvSpPr/>
-          <p:nvPr/>
-        </p:nvSpPr>
-        <p:spPr>
-          <a:xfrm>
-            <a:off x="224640" y="6529680"/>
-            <a:ext cx="5044680" cy="281880"/>
-          </a:xfrm>
-          <a:prstGeom prst="rect">
-            <a:avLst/>
-          </a:prstGeom>
-          <a:noFill/>
-          <a:ln>
-            <a:noFill/>
-          </a:ln>
-        </p:spPr>
-        <p:style>
-          <a:lnRef idx="0"/>
-          <a:fillRef idx="0"/>
-          <a:effectRef idx="0"/>
-          <a:fontRef idx="minor"/>
-        </p:style>
-        <p:txBody>
-          <a:bodyPr lIns="31680" rIns="31680" tIns="31680" bIns="31680" anchor="ctr"/>
-          <a:p>
-            <a:pPr algn="ctr">
-              <a:lnSpc>
-                <a:spcPct val="100000"/>
-              </a:lnSpc>
-              <a:spcBef>
-                <a:spcPts val="281"/>
-              </a:spcBef>
-            </a:pPr>
-            <a:r>
-              <a:rPr b="1" lang="de-DE" sz="1800" spc="-1" strike="noStrike" u="sng">
-                <a:solidFill>
-                  <a:srgbClr val="000000"/>
-                </a:solidFill>
-                <a:uFill>
-                  <a:solidFill>
-                    <a:srgbClr val="ffffff"/>
-                  </a:solidFill>
-                </a:uFill>
-                <a:latin typeface="Calibri"/>
-              </a:rPr>
-              <a:t>Methods</a:t>
-            </a:r>
-            <a:endParaRPr b="0" lang="de-DE" sz="1800" spc="-1" strike="noStrike">
-              <a:solidFill>
-                <a:srgbClr val="000000"/>
-              </a:solidFill>
-              <a:uFill>
-                <a:solidFill>
-                  <a:srgbClr val="ffffff"/>
+            <a:endParaRPr lang="en-GB" sz="2200" b="0" strike="noStrike" spc="-1">
+              <a:solidFill>
+                <a:srgbClr val="000000"/>
+              </a:solidFill>
+              <a:uFill>
+                <a:solidFill>
+                  <a:srgbClr val="FFFFFF"/>
                 </a:solidFill>
               </a:uFill>
               <a:latin typeface="Arial"/>
@@ -6558,9 +7010,15 @@
           </a:ln>
         </p:spPr>
         <p:style>
-          <a:lnRef idx="0"/>
-          <a:fillRef idx="0"/>
-          <a:effectRef idx="0"/>
+          <a:lnRef idx="0">
+            <a:scrgbClr r="0" g="0" b="0"/>
+          </a:lnRef>
+          <a:fillRef idx="0">
+            <a:scrgbClr r="0" g="0" b="0"/>
+          </a:fillRef>
+          <a:effectRef idx="0">
+            <a:scrgbClr r="0" g="0" b="0"/>
+          </a:effectRef>
           <a:fontRef idx="minor"/>
         </p:style>
       </p:sp>
@@ -6579,231 +7037,151 @@
             <a:avLst/>
           </a:prstGeom>
           <a:solidFill>
-            <a:srgbClr val="5b9bd5"/>
+            <a:srgbClr val="5B9BD5"/>
           </a:solidFill>
           <a:ln>
             <a:noFill/>
           </a:ln>
         </p:spPr>
         <p:style>
-          <a:lnRef idx="0"/>
-          <a:fillRef idx="0"/>
-          <a:effectRef idx="0"/>
+          <a:lnRef idx="0">
+            <a:scrgbClr r="0" g="0" b="0"/>
+          </a:lnRef>
+          <a:fillRef idx="0">
+            <a:scrgbClr r="0" g="0" b="0"/>
+          </a:fillRef>
+          <a:effectRef idx="0">
+            <a:scrgbClr r="0" g="0" b="0"/>
+          </a:effectRef>
           <a:fontRef idx="minor"/>
         </p:style>
       </p:sp>
-      <p:sp>
-        <p:nvSpPr>
-          <p:cNvPr id="82" name="CustomShape 6"/>
-          <p:cNvSpPr/>
+      <p:grpSp>
+        <p:nvGrpSpPr>
+          <p:cNvPr id="21" name="Gruppieren 20">
+            <a:extLst>
+              <a:ext uri="{FF2B5EF4-FFF2-40B4-BE49-F238E27FC236}">
+                <a16:creationId xmlns:a16="http://schemas.microsoft.com/office/drawing/2014/main" id="{39B41CA9-EA6F-4AD1-8E5F-EA4A1A0BBCF6}"/>
+              </a:ext>
+            </a:extLst>
+          </p:cNvPr>
+          <p:cNvGrpSpPr/>
           <p:nvPr/>
-        </p:nvSpPr>
-        <p:spPr>
+        </p:nvGrpSpPr>
+        <p:grpSpPr>
           <a:xfrm>
-            <a:off x="5472000" y="8429760"/>
-            <a:ext cx="5042160" cy="281880"/>
+            <a:off x="5420055" y="9736050"/>
+            <a:ext cx="5094105" cy="665498"/>
+            <a:chOff x="5420055" y="9677994"/>
+            <a:chExt cx="5094105" cy="665498"/>
           </a:xfrm>
-          <a:prstGeom prst="rect">
-            <a:avLst/>
-          </a:prstGeom>
-          <a:noFill/>
-          <a:ln>
+        </p:grpSpPr>
+        <p:sp>
+          <p:nvSpPr>
+            <p:cNvPr id="82" name="CustomShape 6"/>
+            <p:cNvSpPr/>
+            <p:nvPr/>
+          </p:nvSpPr>
+          <p:spPr>
+            <a:xfrm>
+              <a:off x="5472000" y="9677994"/>
+              <a:ext cx="5042160" cy="281880"/>
+            </a:xfrm>
+            <a:prstGeom prst="rect">
+              <a:avLst/>
+            </a:prstGeom>
             <a:noFill/>
-          </a:ln>
-        </p:spPr>
-        <p:style>
-          <a:lnRef idx="0"/>
-          <a:fillRef idx="0"/>
-          <a:effectRef idx="0"/>
-          <a:fontRef idx="minor"/>
-        </p:style>
-        <p:txBody>
-          <a:bodyPr lIns="31680" rIns="31680" tIns="31680" bIns="31680" anchor="ctr"/>
-          <a:p>
-            <a:pPr algn="ctr">
-              <a:lnSpc>
-                <a:spcPct val="100000"/>
-              </a:lnSpc>
-              <a:spcBef>
-                <a:spcPts val="281"/>
-              </a:spcBef>
-            </a:pPr>
-            <a:r>
-              <a:rPr b="1" lang="de-DE" sz="1800" spc="-1" strike="noStrike" u="sng">
+            <a:ln>
+              <a:noFill/>
+            </a:ln>
+          </p:spPr>
+          <p:style>
+            <a:lnRef idx="0">
+              <a:scrgbClr r="0" g="0" b="0"/>
+            </a:lnRef>
+            <a:fillRef idx="0">
+              <a:scrgbClr r="0" g="0" b="0"/>
+            </a:fillRef>
+            <a:effectRef idx="0">
+              <a:scrgbClr r="0" g="0" b="0"/>
+            </a:effectRef>
+            <a:fontRef idx="minor"/>
+          </p:style>
+          <p:txBody>
+            <a:bodyPr lIns="31680" tIns="31680" rIns="31680" bIns="31680" anchor="ctr"/>
+            <a:lstStyle/>
+            <a:p>
+              <a:pPr algn="ctr">
+                <a:lnSpc>
+                  <a:spcPct val="100000"/>
+                </a:lnSpc>
+                <a:spcBef>
+                  <a:spcPts val="281"/>
+                </a:spcBef>
+              </a:pPr>
+              <a:r>
+                <a:rPr lang="en-GB" sz="2200" b="1" u="sng" strike="noStrike" spc="-1">
+                  <a:solidFill>
+                    <a:srgbClr val="000000"/>
+                  </a:solidFill>
+                  <a:uFill>
+                    <a:solidFill>
+                      <a:srgbClr val="FFFFFF"/>
+                    </a:solidFill>
+                  </a:uFill>
+                  <a:latin typeface="Calibri"/>
+                </a:rPr>
+                <a:t>Results</a:t>
+              </a:r>
+              <a:endParaRPr lang="en-GB" sz="2200" b="0" strike="noStrike" spc="-1">
                 <a:solidFill>
                   <a:srgbClr val="000000"/>
                 </a:solidFill>
                 <a:uFill>
                   <a:solidFill>
-                    <a:srgbClr val="ffffff"/>
-                  </a:solidFill>
-                </a:uFill>
-                <a:latin typeface="Calibri"/>
-              </a:rPr>
-              <a:t>Results</a:t>
-            </a:r>
-            <a:endParaRPr b="0" lang="de-DE" sz="1800" spc="-1" strike="noStrike">
-              <a:solidFill>
-                <a:srgbClr val="000000"/>
-              </a:solidFill>
-              <a:uFill>
-                <a:solidFill>
-                  <a:srgbClr val="ffffff"/>
-                </a:solidFill>
-              </a:uFill>
-              <a:latin typeface="Arial"/>
-            </a:endParaRPr>
-          </a:p>
-        </p:txBody>
-      </p:sp>
-      <p:sp>
-        <p:nvSpPr>
-          <p:cNvPr id="83" name="CustomShape 7"/>
-          <p:cNvSpPr/>
-          <p:nvPr/>
-        </p:nvSpPr>
-        <p:spPr>
-          <a:xfrm>
-            <a:off x="5467680" y="9072000"/>
-            <a:ext cx="5043960" cy="316440"/>
-          </a:xfrm>
-          <a:prstGeom prst="rect">
-            <a:avLst/>
-          </a:prstGeom>
-          <a:solidFill>
-            <a:srgbClr val="5b9bd5"/>
-          </a:solidFill>
-          <a:ln>
-            <a:noFill/>
-          </a:ln>
-        </p:spPr>
-        <p:style>
-          <a:lnRef idx="0"/>
-          <a:fillRef idx="0"/>
-          <a:effectRef idx="0"/>
-          <a:fontRef idx="minor"/>
-        </p:style>
-      </p:sp>
-      <p:sp>
-        <p:nvSpPr>
-          <p:cNvPr id="84" name="CustomShape 8"/>
-          <p:cNvSpPr/>
-          <p:nvPr/>
-        </p:nvSpPr>
-        <p:spPr>
-          <a:xfrm>
-            <a:off x="5441400" y="11798280"/>
-            <a:ext cx="5039640" cy="281880"/>
-          </a:xfrm>
-          <a:prstGeom prst="rect">
-            <a:avLst/>
-          </a:prstGeom>
-          <a:noFill/>
-          <a:ln>
-            <a:noFill/>
-          </a:ln>
-        </p:spPr>
-        <p:style>
-          <a:lnRef idx="0"/>
-          <a:fillRef idx="0"/>
-          <a:effectRef idx="0"/>
-          <a:fontRef idx="minor"/>
-        </p:style>
-      </p:sp>
-      <p:sp>
-        <p:nvSpPr>
-          <p:cNvPr id="85" name="CustomShape 9"/>
-          <p:cNvSpPr/>
-          <p:nvPr/>
-        </p:nvSpPr>
-        <p:spPr>
-          <a:xfrm>
-            <a:off x="5437440" y="12085560"/>
-            <a:ext cx="5042160" cy="316440"/>
-          </a:xfrm>
-          <a:prstGeom prst="rect">
-            <a:avLst/>
-          </a:prstGeom>
-          <a:solidFill>
-            <a:srgbClr val="5b9bd5"/>
-          </a:solidFill>
-          <a:ln>
-            <a:noFill/>
-          </a:ln>
-        </p:spPr>
-        <p:style>
-          <a:lnRef idx="0"/>
-          <a:fillRef idx="0"/>
-          <a:effectRef idx="0"/>
-          <a:fontRef idx="minor"/>
-        </p:style>
-      </p:sp>
-      <p:sp>
-        <p:nvSpPr>
-          <p:cNvPr id="86" name="CustomShape 10"/>
-          <p:cNvSpPr/>
-          <p:nvPr/>
-        </p:nvSpPr>
-        <p:spPr>
-          <a:xfrm>
-            <a:off x="220320" y="6810840"/>
-            <a:ext cx="5047920" cy="315000"/>
-          </a:xfrm>
-          <a:prstGeom prst="rect">
-            <a:avLst/>
-          </a:prstGeom>
-          <a:solidFill>
-            <a:srgbClr val="5b9bd5"/>
-          </a:solidFill>
-          <a:ln>
-            <a:noFill/>
-          </a:ln>
-        </p:spPr>
-        <p:style>
-          <a:lnRef idx="0"/>
-          <a:fillRef idx="0"/>
-          <a:effectRef idx="0"/>
-          <a:fontRef idx="minor"/>
-        </p:style>
-        <p:txBody>
-          <a:bodyPr lIns="79200" rIns="79200" tIns="79200" bIns="79200"/>
-          <a:p>
-            <a:pPr>
-              <a:lnSpc>
-                <a:spcPct val="100000"/>
-              </a:lnSpc>
-              <a:spcBef>
-                <a:spcPts val="201"/>
-              </a:spcBef>
-            </a:pPr>
-            <a:r>
-              <a:rPr b="0" i="1" lang="de-DE" sz="1600" spc="-1" strike="noStrike">
-                <a:solidFill>
-                  <a:srgbClr val="000000"/>
-                </a:solidFill>
-                <a:uFill>
-                  <a:solidFill>
-                    <a:srgbClr val="ffffff"/>
-                  </a:solidFill>
-                </a:uFill>
-                <a:latin typeface="Calibri"/>
-              </a:rPr>
-              <a:t>Target network</a:t>
-            </a:r>
-            <a:endParaRPr b="0" i="1" lang="de-DE" sz="1600" spc="-1" strike="noStrike">
-              <a:solidFill>
-                <a:srgbClr val="000000"/>
-              </a:solidFill>
-              <a:uFill>
-                <a:solidFill>
-                  <a:srgbClr val="ffffff"/>
-                </a:solidFill>
-              </a:uFill>
-              <a:latin typeface="Calibri"/>
-            </a:endParaRPr>
-          </a:p>
-        </p:txBody>
-      </p:sp>
+                    <a:srgbClr val="FFFFFF"/>
+                  </a:solidFill>
+                </a:uFill>
+                <a:latin typeface="Arial"/>
+              </a:endParaRPr>
+            </a:p>
+          </p:txBody>
+        </p:sp>
+        <p:sp>
+          <p:nvSpPr>
+            <p:cNvPr id="83" name="CustomShape 7"/>
+            <p:cNvSpPr/>
+            <p:nvPr/>
+          </p:nvSpPr>
+          <p:spPr>
+            <a:xfrm>
+              <a:off x="5420055" y="10027052"/>
+              <a:ext cx="5076000" cy="316440"/>
+            </a:xfrm>
+            <a:prstGeom prst="rect">
+              <a:avLst/>
+            </a:prstGeom>
+            <a:solidFill>
+              <a:srgbClr val="5B9BD5"/>
+            </a:solidFill>
+            <a:ln>
+              <a:noFill/>
+            </a:ln>
+          </p:spPr>
+          <p:style>
+            <a:lnRef idx="0">
+              <a:scrgbClr r="0" g="0" b="0"/>
+            </a:lnRef>
+            <a:fillRef idx="0">
+              <a:scrgbClr r="0" g="0" b="0"/>
+            </a:fillRef>
+            <a:effectRef idx="0">
+              <a:scrgbClr r="0" g="0" b="0"/>
+            </a:effectRef>
+            <a:fontRef idx="minor"/>
+          </p:style>
+        </p:sp>
+      </p:grpSp>
       <p:sp>
         <p:nvSpPr>
           <p:cNvPr id="87" name="CustomShape 11"/>
@@ -6819,20 +7197,27 @@
             <a:avLst/>
           </a:prstGeom>
           <a:solidFill>
-            <a:srgbClr val="5b9bd5"/>
+            <a:srgbClr val="5B9BD5"/>
           </a:solidFill>
           <a:ln>
             <a:noFill/>
           </a:ln>
         </p:spPr>
         <p:style>
-          <a:lnRef idx="0"/>
-          <a:fillRef idx="0"/>
-          <a:effectRef idx="0"/>
+          <a:lnRef idx="0">
+            <a:scrgbClr r="0" g="0" b="0"/>
+          </a:lnRef>
+          <a:fillRef idx="0">
+            <a:scrgbClr r="0" g="0" b="0"/>
+          </a:fillRef>
+          <a:effectRef idx="0">
+            <a:scrgbClr r="0" g="0" b="0"/>
+          </a:effectRef>
           <a:fontRef idx="minor"/>
         </p:style>
         <p:txBody>
-          <a:bodyPr lIns="27360" rIns="27360" tIns="13680" bIns="13680"/>
+          <a:bodyPr lIns="27360" tIns="13680" rIns="27360" bIns="13680"/>
+          <a:lstStyle/>
           <a:p>
             <a:pPr algn="ctr">
               <a:lnSpc>
@@ -6843,26 +7228,40 @@
               </a:spcBef>
             </a:pPr>
             <a:r>
-              <a:rPr b="0" lang="de-DE" sz="1800" spc="-1" strike="noStrike">
+              <a:rPr lang="en-GB" spc="-1">
                 <a:solidFill>
                   <a:srgbClr val="000000"/>
                 </a:solidFill>
                 <a:uFill>
                   <a:solidFill>
-                    <a:srgbClr val="ffffff"/>
+                    <a:srgbClr val="FFFFFF"/>
                   </a:solidFill>
                 </a:uFill>
                 <a:latin typeface="Calibri"/>
               </a:rPr>
-              <a:t>Hakan Yilmaz, Maryna Kapitonova, Theresa Eimer</a:t>
+              <a:t>Theresa Eimer, Maryna Kapitonova, Hakan </a:t>
             </a:r>
-            <a:endParaRPr b="0" lang="de-DE" sz="1800" spc="-1" strike="noStrike">
-              <a:solidFill>
-                <a:srgbClr val="000000"/>
-              </a:solidFill>
-              <a:uFill>
-                <a:solidFill>
-                  <a:srgbClr val="ffffff"/>
+            <a:r>
+              <a:rPr lang="en-GB" sz="1800" b="0" strike="noStrike" spc="-1">
+                <a:solidFill>
+                  <a:srgbClr val="000000"/>
+                </a:solidFill>
+                <a:uFill>
+                  <a:solidFill>
+                    <a:srgbClr val="FFFFFF"/>
+                  </a:solidFill>
+                </a:uFill>
+                <a:latin typeface="Calibri"/>
+              </a:rPr>
+              <a:t>Yilmaz </a:t>
+            </a:r>
+            <a:endParaRPr lang="en-GB" sz="1800" b="0" strike="noStrike" spc="-1">
+              <a:solidFill>
+                <a:srgbClr val="000000"/>
+              </a:solidFill>
+              <a:uFill>
+                <a:solidFill>
+                  <a:srgbClr val="FFFFFF"/>
                 </a:solidFill>
               </a:uFill>
               <a:latin typeface="Arial"/>
@@ -6885,20 +7284,27 @@
             <a:avLst/>
           </a:prstGeom>
           <a:solidFill>
-            <a:srgbClr val="5b9bd5"/>
+            <a:srgbClr val="5B9BD5"/>
           </a:solidFill>
           <a:ln>
             <a:noFill/>
           </a:ln>
         </p:spPr>
         <p:style>
-          <a:lnRef idx="0"/>
-          <a:fillRef idx="0"/>
-          <a:effectRef idx="0"/>
+          <a:lnRef idx="0">
+            <a:scrgbClr r="0" g="0" b="0"/>
+          </a:lnRef>
+          <a:fillRef idx="0">
+            <a:scrgbClr r="0" g="0" b="0"/>
+          </a:fillRef>
+          <a:effectRef idx="0">
+            <a:scrgbClr r="0" g="0" b="0"/>
+          </a:effectRef>
           <a:fontRef idx="minor"/>
         </p:style>
         <p:txBody>
-          <a:bodyPr lIns="27360" rIns="27360" tIns="13680" bIns="13680" anchorCtr="1"/>
+          <a:bodyPr lIns="27360" tIns="13680" rIns="27360" bIns="13680" anchorCtr="1"/>
+          <a:lstStyle/>
           <a:p>
             <a:pPr algn="ctr">
               <a:lnSpc>
@@ -6909,26 +7315,26 @@
               </a:spcBef>
             </a:pPr>
             <a:r>
-              <a:rPr b="1" lang="de-DE" sz="2800" spc="-1" strike="noStrike">
+              <a:rPr lang="en-GB" sz="2800" b="1" strike="noStrike" spc="-1">
                 <a:solidFill>
                   <a:srgbClr val="000000"/>
                 </a:solidFill>
                 <a:uFill>
                   <a:solidFill>
-                    <a:srgbClr val="ffffff"/>
+                    <a:srgbClr val="FFFFFF"/>
                   </a:solidFill>
                 </a:uFill>
                 <a:latin typeface="Calibri"/>
               </a:rPr>
               <a:t>Navigating the maze task using extended DQN</a:t>
             </a:r>
-            <a:endParaRPr b="0" lang="de-DE" sz="2800" spc="-1" strike="noStrike">
-              <a:solidFill>
-                <a:srgbClr val="000000"/>
-              </a:solidFill>
-              <a:uFill>
-                <a:solidFill>
-                  <a:srgbClr val="ffffff"/>
+            <a:endParaRPr lang="en-GB" sz="2800" b="0" strike="noStrike" spc="-1">
+              <a:solidFill>
+                <a:srgbClr val="000000"/>
+              </a:solidFill>
+              <a:uFill>
+                <a:solidFill>
+                  <a:srgbClr val="FFFFFF"/>
                 </a:solidFill>
               </a:uFill>
               <a:latin typeface="Arial"/>
@@ -6951,20 +7357,27 @@
             <a:avLst/>
           </a:prstGeom>
           <a:solidFill>
-            <a:srgbClr val="5b9bd5"/>
+            <a:srgbClr val="5B9BD5"/>
           </a:solidFill>
           <a:ln>
             <a:noFill/>
           </a:ln>
         </p:spPr>
         <p:style>
-          <a:lnRef idx="0"/>
-          <a:fillRef idx="0"/>
-          <a:effectRef idx="0"/>
+          <a:lnRef idx="0">
+            <a:scrgbClr r="0" g="0" b="0"/>
+          </a:lnRef>
+          <a:fillRef idx="0">
+            <a:scrgbClr r="0" g="0" b="0"/>
+          </a:fillRef>
+          <a:effectRef idx="0">
+            <a:scrgbClr r="0" g="0" b="0"/>
+          </a:effectRef>
           <a:fontRef idx="minor"/>
         </p:style>
         <p:txBody>
-          <a:bodyPr lIns="27360" rIns="27360" tIns="13680" bIns="13680" anchorCtr="1"/>
+          <a:bodyPr lIns="27360" tIns="13680" rIns="27360" bIns="13680" anchorCtr="1"/>
+          <a:lstStyle/>
           <a:p>
             <a:pPr algn="ctr">
               <a:lnSpc>
@@ -6975,26 +7388,26 @@
               </a:spcBef>
             </a:pPr>
             <a:r>
-              <a:rPr b="1" lang="de-DE" sz="4800" spc="-1" strike="noStrike">
-                <a:solidFill>
-                  <a:srgbClr val="ffffff"/>
-                </a:solidFill>
-                <a:uFill>
-                  <a:solidFill>
-                    <a:srgbClr val="ffffff"/>
+              <a:rPr lang="en-GB" sz="4800" b="1" strike="noStrike" spc="-1">
+                <a:solidFill>
+                  <a:srgbClr val="FFFFFF"/>
+                </a:solidFill>
+                <a:uFill>
+                  <a:solidFill>
+                    <a:srgbClr val="FFFFFF"/>
                   </a:solidFill>
                 </a:uFill>
                 <a:latin typeface="Calibri"/>
               </a:rPr>
               <a:t>Rainbow DQN in Planning</a:t>
             </a:r>
-            <a:endParaRPr b="0" lang="de-DE" sz="4800" spc="-1" strike="noStrike">
-              <a:solidFill>
-                <a:srgbClr val="000000"/>
-              </a:solidFill>
-              <a:uFill>
-                <a:solidFill>
-                  <a:srgbClr val="ffffff"/>
+            <a:endParaRPr lang="en-GB" sz="4800" b="0" strike="noStrike" spc="-1">
+              <a:solidFill>
+                <a:srgbClr val="000000"/>
+              </a:solidFill>
+              <a:uFill>
+                <a:solidFill>
+                  <a:srgbClr val="FFFFFF"/>
                 </a:solidFill>
               </a:uFill>
               <a:latin typeface="Arial"/>
@@ -7002,652 +7415,1525 @@
           </a:p>
         </p:txBody>
       </p:sp>
+      <p:grpSp>
+        <p:nvGrpSpPr>
+          <p:cNvPr id="19" name="Gruppieren 18">
+            <a:extLst>
+              <a:ext uri="{FF2B5EF4-FFF2-40B4-BE49-F238E27FC236}">
+                <a16:creationId xmlns:a16="http://schemas.microsoft.com/office/drawing/2014/main" id="{7DF1A1AC-44F9-4F58-8BBB-9104E46572E7}"/>
+              </a:ext>
+            </a:extLst>
+          </p:cNvPr>
+          <p:cNvGrpSpPr/>
+          <p:nvPr/>
+        </p:nvGrpSpPr>
+        <p:grpSpPr>
+          <a:xfrm>
+            <a:off x="5410200" y="5168870"/>
+            <a:ext cx="5075520" cy="2361195"/>
+            <a:chOff x="5410200" y="5168870"/>
+            <a:chExt cx="5075520" cy="2361195"/>
+          </a:xfrm>
+        </p:grpSpPr>
+        <p:sp>
+          <p:nvSpPr>
+            <p:cNvPr id="93" name="CustomShape 17"/>
+            <p:cNvSpPr/>
+            <p:nvPr/>
+          </p:nvSpPr>
+          <p:spPr>
+            <a:xfrm>
+              <a:off x="5410200" y="5168870"/>
+              <a:ext cx="5075520" cy="316440"/>
+            </a:xfrm>
+            <a:prstGeom prst="rect">
+              <a:avLst/>
+            </a:prstGeom>
+            <a:solidFill>
+              <a:srgbClr val="5B9BD5"/>
+            </a:solidFill>
+            <a:ln>
+              <a:noFill/>
+            </a:ln>
+          </p:spPr>
+          <p:style>
+            <a:lnRef idx="0">
+              <a:scrgbClr r="0" g="0" b="0"/>
+            </a:lnRef>
+            <a:fillRef idx="0">
+              <a:scrgbClr r="0" g="0" b="0"/>
+            </a:fillRef>
+            <a:effectRef idx="0">
+              <a:scrgbClr r="0" g="0" b="0"/>
+            </a:effectRef>
+            <a:fontRef idx="minor"/>
+          </p:style>
+          <p:txBody>
+            <a:bodyPr lIns="79200" tIns="79200" rIns="79200" bIns="79200" anchor="ctr"/>
+            <a:lstStyle/>
+            <a:p>
+              <a:pPr>
+                <a:lnSpc>
+                  <a:spcPct val="100000"/>
+                </a:lnSpc>
+                <a:spcBef>
+                  <a:spcPts val="201"/>
+                </a:spcBef>
+              </a:pPr>
+              <a:r>
+                <a:rPr lang="en-GB" sz="1600" b="1" strike="noStrike" spc="-1">
+                  <a:solidFill>
+                    <a:srgbClr val="000000"/>
+                  </a:solidFill>
+                  <a:uFill>
+                    <a:solidFill>
+                      <a:srgbClr val="FFFFFF"/>
+                    </a:solidFill>
+                  </a:uFill>
+                  <a:latin typeface="Calibri"/>
+                </a:rPr>
+                <a:t>Noisy Nets</a:t>
+              </a:r>
+            </a:p>
+          </p:txBody>
+        </p:sp>
+        <p:sp>
+          <p:nvSpPr>
+            <p:cNvPr id="99" name="TextShape 23"/>
+            <p:cNvSpPr txBox="1"/>
+            <p:nvPr/>
+          </p:nvSpPr>
+          <p:spPr>
+            <a:xfrm>
+              <a:off x="5463959" y="5533092"/>
+              <a:ext cx="5014551" cy="1996973"/>
+            </a:xfrm>
+            <a:prstGeom prst="rect">
+              <a:avLst/>
+            </a:prstGeom>
+            <a:noFill/>
+            <a:ln>
+              <a:noFill/>
+            </a:ln>
+          </p:spPr>
+          <p:txBody>
+            <a:bodyPr lIns="90000" tIns="45000" rIns="90000" bIns="45000"/>
+            <a:lstStyle/>
+            <a:p>
+              <a:r>
+                <a:rPr lang="en-GB" sz="1500" b="0" strike="noStrike" spc="-1">
+                  <a:solidFill>
+                    <a:srgbClr val="000000"/>
+                  </a:solidFill>
+                  <a:uFill>
+                    <a:solidFill>
+                      <a:srgbClr val="FFFFFF"/>
+                    </a:solidFill>
+                  </a:uFill>
+                  <a:latin typeface="Arial"/>
+                </a:rPr>
+                <a:t>Traditional exploration means the decision whether to follow the agent‘s predicted best action or a random action in each step independently (e.g. ε-greedily). The maze task, however, is a problem where subsequent steps are highly correlated. Noisy nets provide an exploration method which allows for exploration over multiple steps</a:t>
+              </a:r>
+              <a:r>
+                <a:rPr lang="en-GB" sz="1500" spc="-1">
+                  <a:solidFill>
+                    <a:srgbClr val="000000"/>
+                  </a:solidFill>
+                  <a:uFill>
+                    <a:solidFill>
+                      <a:srgbClr val="FFFFFF"/>
+                    </a:solidFill>
+                  </a:uFill>
+                  <a:latin typeface="Arial"/>
+                </a:rPr>
+                <a:t>. </a:t>
+              </a:r>
+              <a:r>
+                <a:rPr lang="en-GB" sz="1500" b="0" strike="noStrike" spc="-1">
+                  <a:solidFill>
+                    <a:srgbClr val="000000"/>
+                  </a:solidFill>
+                  <a:uFill>
+                    <a:solidFill>
+                      <a:srgbClr val="FFFFFF"/>
+                    </a:solidFill>
+                  </a:uFill>
+                  <a:latin typeface="Arial"/>
+                </a:rPr>
+                <a:t>The fully connected layers of the network now feature noisy weights and biases whose exploration effects attenuate in the course of training.</a:t>
+              </a:r>
+            </a:p>
+          </p:txBody>
+        </p:sp>
+      </p:grpSp>
+      <p:grpSp>
+        <p:nvGrpSpPr>
+          <p:cNvPr id="20" name="Gruppieren 19">
+            <a:extLst>
+              <a:ext uri="{FF2B5EF4-FFF2-40B4-BE49-F238E27FC236}">
+                <a16:creationId xmlns:a16="http://schemas.microsoft.com/office/drawing/2014/main" id="{B755C496-56CE-4DB5-B865-24B352F18879}"/>
+              </a:ext>
+            </a:extLst>
+          </p:cNvPr>
+          <p:cNvGrpSpPr/>
+          <p:nvPr/>
+        </p:nvGrpSpPr>
+        <p:grpSpPr>
+          <a:xfrm>
+            <a:off x="5410200" y="7767693"/>
+            <a:ext cx="5086788" cy="1772103"/>
+            <a:chOff x="5410200" y="7782207"/>
+            <a:chExt cx="5086788" cy="1772103"/>
+          </a:xfrm>
+        </p:grpSpPr>
+        <p:sp>
+          <p:nvSpPr>
+            <p:cNvPr id="94" name="CustomShape 18"/>
+            <p:cNvSpPr/>
+            <p:nvPr/>
+          </p:nvSpPr>
+          <p:spPr>
+            <a:xfrm>
+              <a:off x="5410200" y="7782207"/>
+              <a:ext cx="5076000" cy="316440"/>
+            </a:xfrm>
+            <a:prstGeom prst="rect">
+              <a:avLst/>
+            </a:prstGeom>
+            <a:solidFill>
+              <a:srgbClr val="5B9BD5"/>
+            </a:solidFill>
+            <a:ln>
+              <a:noFill/>
+            </a:ln>
+          </p:spPr>
+          <p:style>
+            <a:lnRef idx="0">
+              <a:scrgbClr r="0" g="0" b="0"/>
+            </a:lnRef>
+            <a:fillRef idx="0">
+              <a:scrgbClr r="0" g="0" b="0"/>
+            </a:fillRef>
+            <a:effectRef idx="0">
+              <a:scrgbClr r="0" g="0" b="0"/>
+            </a:effectRef>
+            <a:fontRef idx="minor"/>
+          </p:style>
+          <p:txBody>
+            <a:bodyPr lIns="79200" tIns="79200" rIns="79200" bIns="79200" anchor="ctr"/>
+            <a:lstStyle/>
+            <a:p>
+              <a:pPr>
+                <a:lnSpc>
+                  <a:spcPct val="100000"/>
+                </a:lnSpc>
+                <a:spcBef>
+                  <a:spcPts val="201"/>
+                </a:spcBef>
+              </a:pPr>
+              <a:r>
+                <a:rPr lang="en-GB" sz="1600" b="1" strike="noStrike" spc="-1">
+                  <a:solidFill>
+                    <a:srgbClr val="000000"/>
+                  </a:solidFill>
+                  <a:uFill>
+                    <a:solidFill>
+                      <a:srgbClr val="FFFFFF"/>
+                    </a:solidFill>
+                  </a:uFill>
+                  <a:latin typeface="Calibri"/>
+                </a:rPr>
+                <a:t>Multi-Step </a:t>
+              </a:r>
+              <a:r>
+                <a:rPr lang="en-GB" sz="1600" b="1" spc="-1">
+                  <a:solidFill>
+                    <a:srgbClr val="000000"/>
+                  </a:solidFill>
+                  <a:uFill>
+                    <a:solidFill>
+                      <a:srgbClr val="FFFFFF"/>
+                    </a:solidFill>
+                  </a:uFill>
+                  <a:latin typeface="Calibri"/>
+                </a:rPr>
+                <a:t>L</a:t>
+              </a:r>
+              <a:r>
+                <a:rPr lang="en-GB" sz="1600" b="1" strike="noStrike" spc="-1">
+                  <a:solidFill>
+                    <a:srgbClr val="000000"/>
+                  </a:solidFill>
+                  <a:uFill>
+                    <a:solidFill>
+                      <a:srgbClr val="FFFFFF"/>
+                    </a:solidFill>
+                  </a:uFill>
+                  <a:latin typeface="Calibri"/>
+                </a:rPr>
+                <a:t>earning</a:t>
+              </a:r>
+            </a:p>
+          </p:txBody>
+        </p:sp>
+        <p:sp>
+          <p:nvSpPr>
+            <p:cNvPr id="100" name="TextShape 24"/>
+            <p:cNvSpPr txBox="1"/>
+            <p:nvPr/>
+          </p:nvSpPr>
+          <p:spPr>
+            <a:xfrm>
+              <a:off x="5456988" y="8153355"/>
+              <a:ext cx="5040000" cy="1400955"/>
+            </a:xfrm>
+            <a:prstGeom prst="rect">
+              <a:avLst/>
+            </a:prstGeom>
+            <a:noFill/>
+            <a:ln>
+              <a:noFill/>
+            </a:ln>
+          </p:spPr>
+          <p:txBody>
+            <a:bodyPr lIns="90000" tIns="45000" rIns="90000" bIns="45000"/>
+            <a:lstStyle/>
+            <a:p>
+              <a:r>
+                <a:rPr lang="en-GB" sz="1500" b="0" strike="noStrike" spc="-1">
+                  <a:solidFill>
+                    <a:srgbClr val="000000"/>
+                  </a:solidFill>
+                  <a:uFill>
+                    <a:solidFill>
+                      <a:srgbClr val="FFFFFF"/>
+                    </a:solidFill>
+                  </a:uFill>
+                  <a:latin typeface="Arial"/>
+                </a:rPr>
+                <a:t>The reward in the maze problem is given per used step but does not consider the agent’s following actions. To make the reward a better representation of performance, we accumulate the rewards of each step taken until the end of the episode. we don‘t use the reward per step but the accumulated reward after it.</a:t>
+              </a:r>
+            </a:p>
+          </p:txBody>
+        </p:sp>
+      </p:grpSp>
+      <p:grpSp>
+        <p:nvGrpSpPr>
+          <p:cNvPr id="16" name="Gruppieren 15">
+            <a:extLst>
+              <a:ext uri="{FF2B5EF4-FFF2-40B4-BE49-F238E27FC236}">
+                <a16:creationId xmlns:a16="http://schemas.microsoft.com/office/drawing/2014/main" id="{ED210111-A980-4593-9AE0-DC503509EB25}"/>
+              </a:ext>
+            </a:extLst>
+          </p:cNvPr>
+          <p:cNvGrpSpPr/>
+          <p:nvPr/>
+        </p:nvGrpSpPr>
+        <p:grpSpPr>
+          <a:xfrm>
+            <a:off x="208080" y="8903130"/>
+            <a:ext cx="5076000" cy="2816261"/>
+            <a:chOff x="208080" y="8975700"/>
+            <a:chExt cx="5076000" cy="2816261"/>
+          </a:xfrm>
+        </p:grpSpPr>
+        <p:sp>
+          <p:nvSpPr>
+            <p:cNvPr id="79" name="CustomShape 3"/>
+            <p:cNvSpPr/>
+            <p:nvPr/>
+          </p:nvSpPr>
+          <p:spPr>
+            <a:xfrm>
+              <a:off x="224640" y="8975700"/>
+              <a:ext cx="5044680" cy="281880"/>
+            </a:xfrm>
+            <a:prstGeom prst="rect">
+              <a:avLst/>
+            </a:prstGeom>
+            <a:noFill/>
+            <a:ln>
+              <a:noFill/>
+            </a:ln>
+          </p:spPr>
+          <p:style>
+            <a:lnRef idx="0">
+              <a:scrgbClr r="0" g="0" b="0"/>
+            </a:lnRef>
+            <a:fillRef idx="0">
+              <a:scrgbClr r="0" g="0" b="0"/>
+            </a:fillRef>
+            <a:effectRef idx="0">
+              <a:scrgbClr r="0" g="0" b="0"/>
+            </a:effectRef>
+            <a:fontRef idx="minor"/>
+          </p:style>
+          <p:txBody>
+            <a:bodyPr lIns="31680" tIns="31680" rIns="31680" bIns="31680" anchor="ctr"/>
+            <a:lstStyle/>
+            <a:p>
+              <a:pPr algn="ctr">
+                <a:lnSpc>
+                  <a:spcPct val="100000"/>
+                </a:lnSpc>
+                <a:spcBef>
+                  <a:spcPts val="281"/>
+                </a:spcBef>
+              </a:pPr>
+              <a:r>
+                <a:rPr lang="en-GB" sz="2200" b="1" u="sng" strike="noStrike" spc="-1">
+                  <a:solidFill>
+                    <a:srgbClr val="000000"/>
+                  </a:solidFill>
+                  <a:uFill>
+                    <a:solidFill>
+                      <a:srgbClr val="FFFFFF"/>
+                    </a:solidFill>
+                  </a:uFill>
+                  <a:latin typeface="Calibri"/>
+                </a:rPr>
+                <a:t>Methods</a:t>
+              </a:r>
+              <a:endParaRPr lang="en-GB" sz="2200" b="0" strike="noStrike" spc="-1">
+                <a:solidFill>
+                  <a:srgbClr val="000000"/>
+                </a:solidFill>
+                <a:uFill>
+                  <a:solidFill>
+                    <a:srgbClr val="FFFFFF"/>
+                  </a:solidFill>
+                </a:uFill>
+                <a:latin typeface="Arial"/>
+              </a:endParaRPr>
+            </a:p>
+          </p:txBody>
+        </p:sp>
+        <p:sp>
+          <p:nvSpPr>
+            <p:cNvPr id="86" name="CustomShape 10"/>
+            <p:cNvSpPr/>
+            <p:nvPr/>
+          </p:nvSpPr>
+          <p:spPr>
+            <a:xfrm>
+              <a:off x="208080" y="9308022"/>
+              <a:ext cx="5076000" cy="315000"/>
+            </a:xfrm>
+            <a:prstGeom prst="rect">
+              <a:avLst/>
+            </a:prstGeom>
+            <a:solidFill>
+              <a:srgbClr val="5B9BD5"/>
+            </a:solidFill>
+            <a:ln>
+              <a:noFill/>
+            </a:ln>
+          </p:spPr>
+          <p:style>
+            <a:lnRef idx="0">
+              <a:scrgbClr r="0" g="0" b="0"/>
+            </a:lnRef>
+            <a:fillRef idx="0">
+              <a:scrgbClr r="0" g="0" b="0"/>
+            </a:fillRef>
+            <a:effectRef idx="0">
+              <a:scrgbClr r="0" g="0" b="0"/>
+            </a:effectRef>
+            <a:fontRef idx="minor"/>
+          </p:style>
+          <p:txBody>
+            <a:bodyPr lIns="79200" tIns="79200" rIns="79200" bIns="79200" anchor="ctr"/>
+            <a:lstStyle/>
+            <a:p>
+              <a:pPr>
+                <a:lnSpc>
+                  <a:spcPct val="100000"/>
+                </a:lnSpc>
+                <a:spcBef>
+                  <a:spcPts val="201"/>
+                </a:spcBef>
+              </a:pPr>
+              <a:r>
+                <a:rPr lang="en-GB" sz="1600" b="1" strike="noStrike" spc="-1">
+                  <a:solidFill>
+                    <a:srgbClr val="000000"/>
+                  </a:solidFill>
+                  <a:uFill>
+                    <a:solidFill>
+                      <a:srgbClr val="FFFFFF"/>
+                    </a:solidFill>
+                  </a:uFill>
+                  <a:latin typeface="Calibri"/>
+                </a:rPr>
+                <a:t>Target Network</a:t>
+              </a:r>
+            </a:p>
+          </p:txBody>
+        </p:sp>
+        <p:sp>
+          <p:nvSpPr>
+            <p:cNvPr id="96" name="TextShape 20"/>
+            <p:cNvSpPr txBox="1"/>
+            <p:nvPr/>
+          </p:nvSpPr>
+          <p:spPr>
+            <a:xfrm>
+              <a:off x="262078" y="9676445"/>
+              <a:ext cx="5006161" cy="1400955"/>
+            </a:xfrm>
+            <a:prstGeom prst="rect">
+              <a:avLst/>
+            </a:prstGeom>
+            <a:noFill/>
+            <a:ln>
+              <a:noFill/>
+            </a:ln>
+          </p:spPr>
+          <p:txBody>
+            <a:bodyPr lIns="90000" tIns="45000" rIns="90000" bIns="45000"/>
+            <a:lstStyle/>
+            <a:p>
+              <a:r>
+                <a:rPr lang="en-GB" sz="1500" b="0" strike="noStrike" spc="-1">
+                  <a:solidFill>
+                    <a:srgbClr val="000000"/>
+                  </a:solidFill>
+                  <a:uFill>
+                    <a:solidFill>
+                      <a:srgbClr val="FFFFFF"/>
+                    </a:solidFill>
+                  </a:uFill>
+                  <a:latin typeface="Arial"/>
+                </a:rPr>
+                <a:t>In standard DQN, </a:t>
+              </a:r>
+              <a:r>
+                <a:rPr lang="en-GB" sz="1500" spc="-1">
+                  <a:solidFill>
+                    <a:srgbClr val="000000"/>
+                  </a:solidFill>
+                  <a:uFill>
+                    <a:solidFill>
+                      <a:srgbClr val="FFFFFF"/>
+                    </a:solidFill>
+                  </a:uFill>
+                  <a:latin typeface="Arial"/>
+                </a:rPr>
+                <a:t>approximations of one network are used to update this same network (target = agent). This potentially leads to feedback loops during training. </a:t>
+              </a:r>
+              <a:r>
+                <a:rPr lang="en-GB" sz="1500" b="0" strike="noStrike" spc="-1">
+                  <a:solidFill>
+                    <a:srgbClr val="000000"/>
+                  </a:solidFill>
+                  <a:uFill>
+                    <a:solidFill>
+                      <a:srgbClr val="FFFFFF"/>
+                    </a:solidFill>
+                  </a:uFill>
+                  <a:latin typeface="Arial"/>
+                </a:rPr>
+                <a:t>To prevent the target to depend too heavily on the agent network‘s predictions, we use a fixed target network which</a:t>
+              </a:r>
+              <a:r>
+                <a:rPr lang="en-GB" sz="1500" spc="-1">
+                  <a:solidFill>
+                    <a:srgbClr val="000000"/>
+                  </a:solidFill>
+                  <a:uFill>
+                    <a:solidFill>
+                      <a:srgbClr val="FFFFFF"/>
+                    </a:solidFill>
+                  </a:uFill>
+                </a:rPr>
+                <a:t> is slowly </a:t>
+              </a:r>
+              <a:r>
+                <a:rPr lang="en-GB" sz="1500" b="0" strike="noStrike" spc="-1">
+                  <a:solidFill>
+                    <a:srgbClr val="000000"/>
+                  </a:solidFill>
+                  <a:uFill>
+                    <a:solidFill>
+                      <a:srgbClr val="FFFFFF"/>
+                    </a:solidFill>
+                  </a:uFill>
+                  <a:latin typeface="Arial"/>
+                </a:rPr>
+                <a:t>updated towards our agent. The corresponding loss function is:</a:t>
+              </a:r>
+              <a:br>
+                <a:rPr lang="en-GB" sz="1500" b="0" strike="noStrike" spc="-1">
+                  <a:solidFill>
+                    <a:srgbClr val="000000"/>
+                  </a:solidFill>
+                  <a:uFill>
+                    <a:solidFill>
+                      <a:srgbClr val="FFFFFF"/>
+                    </a:solidFill>
+                  </a:uFill>
+                  <a:latin typeface="Arial"/>
+                </a:rPr>
+              </a:br>
+              <a:endParaRPr lang="en-GB" sz="1500" b="0" strike="noStrike" spc="-1">
+                <a:solidFill>
+                  <a:srgbClr val="000000"/>
+                </a:solidFill>
+                <a:uFill>
+                  <a:solidFill>
+                    <a:srgbClr val="FFFFFF"/>
+                  </a:solidFill>
+                </a:uFill>
+                <a:latin typeface="Arial"/>
+              </a:endParaRPr>
+            </a:p>
+          </p:txBody>
+        </p:sp>
+        <p:pic>
+          <p:nvPicPr>
+            <p:cNvPr id="4" name="Grafik 3">
+              <a:extLst>
+                <a:ext uri="{FF2B5EF4-FFF2-40B4-BE49-F238E27FC236}">
+                  <a16:creationId xmlns:a16="http://schemas.microsoft.com/office/drawing/2014/main" id="{E40D3E01-A354-4A3C-A9D4-30832894E9F5}"/>
+                </a:ext>
+              </a:extLst>
+            </p:cNvPr>
+            <p:cNvPicPr>
+              <a:picLocks noChangeAspect="1"/>
+            </p:cNvPicPr>
+            <p:nvPr/>
+          </p:nvPicPr>
+          <p:blipFill>
+            <a:blip r:embed="rId3"/>
+            <a:stretch>
+              <a:fillRect/>
+            </a:stretch>
+          </p:blipFill>
+          <p:spPr>
+            <a:xfrm>
+              <a:off x="668121" y="11388683"/>
+              <a:ext cx="4155917" cy="403278"/>
+            </a:xfrm>
+            <a:prstGeom prst="rect">
+              <a:avLst/>
+            </a:prstGeom>
+          </p:spPr>
+        </p:pic>
+      </p:grpSp>
+      <p:grpSp>
+        <p:nvGrpSpPr>
+          <p:cNvPr id="17" name="Gruppieren 16">
+            <a:extLst>
+              <a:ext uri="{FF2B5EF4-FFF2-40B4-BE49-F238E27FC236}">
+                <a16:creationId xmlns:a16="http://schemas.microsoft.com/office/drawing/2014/main" id="{833E344E-5DC5-46DB-BE05-1F24F3EC8408}"/>
+              </a:ext>
+            </a:extLst>
+          </p:cNvPr>
+          <p:cNvGrpSpPr/>
+          <p:nvPr/>
+        </p:nvGrpSpPr>
+        <p:grpSpPr>
+          <a:xfrm>
+            <a:off x="208080" y="11883717"/>
+            <a:ext cx="5076000" cy="1859434"/>
+            <a:chOff x="208080" y="11912745"/>
+            <a:chExt cx="5076000" cy="1859434"/>
+          </a:xfrm>
+        </p:grpSpPr>
+        <p:sp>
+          <p:nvSpPr>
+            <p:cNvPr id="90" name="CustomShape 14"/>
+            <p:cNvSpPr/>
+            <p:nvPr/>
+          </p:nvSpPr>
+          <p:spPr>
+            <a:xfrm>
+              <a:off x="208080" y="11912745"/>
+              <a:ext cx="5076000" cy="316440"/>
+            </a:xfrm>
+            <a:prstGeom prst="rect">
+              <a:avLst/>
+            </a:prstGeom>
+            <a:solidFill>
+              <a:srgbClr val="5B9BD5"/>
+            </a:solidFill>
+            <a:ln>
+              <a:noFill/>
+            </a:ln>
+          </p:spPr>
+          <p:style>
+            <a:lnRef idx="0">
+              <a:scrgbClr r="0" g="0" b="0"/>
+            </a:lnRef>
+            <a:fillRef idx="0">
+              <a:scrgbClr r="0" g="0" b="0"/>
+            </a:fillRef>
+            <a:effectRef idx="0">
+              <a:scrgbClr r="0" g="0" b="0"/>
+            </a:effectRef>
+            <a:fontRef idx="minor"/>
+          </p:style>
+          <p:txBody>
+            <a:bodyPr lIns="79200" tIns="79200" rIns="79200" bIns="79200" anchor="ctr"/>
+            <a:lstStyle/>
+            <a:p>
+              <a:pPr>
+                <a:lnSpc>
+                  <a:spcPct val="100000"/>
+                </a:lnSpc>
+                <a:spcBef>
+                  <a:spcPts val="201"/>
+                </a:spcBef>
+              </a:pPr>
+              <a:r>
+                <a:rPr lang="en-GB" sz="1600" b="1" strike="noStrike" spc="-1">
+                  <a:solidFill>
+                    <a:srgbClr val="000000"/>
+                  </a:solidFill>
+                  <a:uFill>
+                    <a:solidFill>
+                      <a:srgbClr val="FFFFFF"/>
+                    </a:solidFill>
+                  </a:uFill>
+                  <a:latin typeface="Calibri"/>
+                </a:rPr>
+                <a:t>Double DQN (DDQN)</a:t>
+              </a:r>
+              <a:endParaRPr lang="en-GB" sz="1600" b="1" strike="noStrike" spc="-1">
+                <a:solidFill>
+                  <a:srgbClr val="000000"/>
+                </a:solidFill>
+                <a:uFill>
+                  <a:solidFill>
+                    <a:srgbClr val="FFFFFF"/>
+                  </a:solidFill>
+                </a:uFill>
+                <a:latin typeface="Arial"/>
+              </a:endParaRPr>
+            </a:p>
+          </p:txBody>
+        </p:sp>
+        <p:sp>
+          <p:nvSpPr>
+            <p:cNvPr id="97" name="TextShape 21"/>
+            <p:cNvSpPr txBox="1"/>
+            <p:nvPr/>
+          </p:nvSpPr>
+          <p:spPr>
+            <a:xfrm>
+              <a:off x="229358" y="12297970"/>
+              <a:ext cx="5040000" cy="993240"/>
+            </a:xfrm>
+            <a:prstGeom prst="rect">
+              <a:avLst/>
+            </a:prstGeom>
+            <a:noFill/>
+            <a:ln>
+              <a:noFill/>
+            </a:ln>
+          </p:spPr>
+          <p:txBody>
+            <a:bodyPr lIns="90000" tIns="45000" rIns="90000" bIns="45000"/>
+            <a:lstStyle/>
+            <a:p>
+              <a:r>
+                <a:rPr lang="en-GB" sz="1500" b="0" strike="noStrike" spc="-1">
+                  <a:solidFill>
+                    <a:srgbClr val="000000"/>
+                  </a:solidFill>
+                  <a:uFill>
+                    <a:solidFill>
+                      <a:srgbClr val="FFFFFF"/>
+                    </a:solidFill>
+                  </a:uFill>
+                  <a:latin typeface="Arial"/>
+                </a:rPr>
+                <a:t>The usage of the maximal Q-value approximation as target can cause overestimations. To counteract this, we still use the target network‘s predicted values,</a:t>
+              </a:r>
+              <a:r>
+                <a:rPr lang="en-GB" sz="1500" spc="-1">
+                  <a:solidFill>
+                    <a:srgbClr val="000000"/>
+                  </a:solidFill>
+                  <a:uFill>
+                    <a:solidFill>
+                      <a:srgbClr val="FFFFFF"/>
+                    </a:solidFill>
+                  </a:uFill>
+                  <a:latin typeface="Arial"/>
+                </a:rPr>
+                <a:t> </a:t>
+              </a:r>
+              <a:r>
+                <a:rPr lang="en-GB" sz="1500" b="0" strike="noStrike" spc="-1">
+                  <a:solidFill>
+                    <a:srgbClr val="000000"/>
+                  </a:solidFill>
+                  <a:uFill>
+                    <a:solidFill>
+                      <a:srgbClr val="FFFFFF"/>
+                    </a:solidFill>
+                  </a:uFill>
+                  <a:latin typeface="Arial"/>
+                </a:rPr>
+                <a:t>but let the agent choose the action. The loss function is now:</a:t>
+              </a:r>
+            </a:p>
+          </p:txBody>
+        </p:sp>
+        <p:pic>
+          <p:nvPicPr>
+            <p:cNvPr id="6" name="Grafik 5">
+              <a:extLst>
+                <a:ext uri="{FF2B5EF4-FFF2-40B4-BE49-F238E27FC236}">
+                  <a16:creationId xmlns:a16="http://schemas.microsoft.com/office/drawing/2014/main" id="{A6676E58-10E5-4C89-89CE-809270E3D617}"/>
+                </a:ext>
+              </a:extLst>
+            </p:cNvPr>
+            <p:cNvPicPr>
+              <a:picLocks noChangeAspect="1"/>
+            </p:cNvPicPr>
+            <p:nvPr/>
+          </p:nvPicPr>
+          <p:blipFill>
+            <a:blip r:embed="rId4"/>
+            <a:stretch>
+              <a:fillRect/>
+            </a:stretch>
+          </p:blipFill>
+          <p:spPr>
+            <a:xfrm>
+              <a:off x="322926" y="13388780"/>
+              <a:ext cx="4754147" cy="383399"/>
+            </a:xfrm>
+            <a:prstGeom prst="rect">
+              <a:avLst/>
+            </a:prstGeom>
+          </p:spPr>
+        </p:pic>
+      </p:grpSp>
+      <p:grpSp>
+        <p:nvGrpSpPr>
+          <p:cNvPr id="18" name="Gruppieren 17">
+            <a:extLst>
+              <a:ext uri="{FF2B5EF4-FFF2-40B4-BE49-F238E27FC236}">
+                <a16:creationId xmlns:a16="http://schemas.microsoft.com/office/drawing/2014/main" id="{44875924-076F-4A98-B230-C993124E0195}"/>
+              </a:ext>
+            </a:extLst>
+          </p:cNvPr>
+          <p:cNvGrpSpPr/>
+          <p:nvPr/>
+        </p:nvGrpSpPr>
+        <p:grpSpPr>
+          <a:xfrm>
+            <a:off x="5420055" y="2628786"/>
+            <a:ext cx="5076000" cy="2444932"/>
+            <a:chOff x="5420055" y="2628786"/>
+            <a:chExt cx="5076000" cy="2444932"/>
+          </a:xfrm>
+        </p:grpSpPr>
+        <p:sp>
+          <p:nvSpPr>
+            <p:cNvPr id="31" name="CustomShape 16">
+              <a:extLst>
+                <a:ext uri="{FF2B5EF4-FFF2-40B4-BE49-F238E27FC236}">
+                  <a16:creationId xmlns:a16="http://schemas.microsoft.com/office/drawing/2014/main" id="{89DDB94E-5C81-4ABE-AB3E-D3B5485096FE}"/>
+                </a:ext>
+              </a:extLst>
+            </p:cNvPr>
+            <p:cNvSpPr/>
+            <p:nvPr/>
+          </p:nvSpPr>
+          <p:spPr>
+            <a:xfrm>
+              <a:off x="5420055" y="2628786"/>
+              <a:ext cx="5076000" cy="316440"/>
+            </a:xfrm>
+            <a:prstGeom prst="rect">
+              <a:avLst/>
+            </a:prstGeom>
+            <a:solidFill>
+              <a:srgbClr val="5B9BD5"/>
+            </a:solidFill>
+            <a:ln>
+              <a:noFill/>
+            </a:ln>
+          </p:spPr>
+          <p:style>
+            <a:lnRef idx="0">
+              <a:scrgbClr r="0" g="0" b="0"/>
+            </a:lnRef>
+            <a:fillRef idx="0">
+              <a:scrgbClr r="0" g="0" b="0"/>
+            </a:fillRef>
+            <a:effectRef idx="0">
+              <a:scrgbClr r="0" g="0" b="0"/>
+            </a:effectRef>
+            <a:fontRef idx="minor"/>
+          </p:style>
+          <p:txBody>
+            <a:bodyPr lIns="79200" tIns="79200" rIns="79200" bIns="79200" anchor="ctr"/>
+            <a:lstStyle/>
+            <a:p>
+              <a:pPr>
+                <a:lnSpc>
+                  <a:spcPct val="100000"/>
+                </a:lnSpc>
+                <a:spcBef>
+                  <a:spcPts val="201"/>
+                </a:spcBef>
+              </a:pPr>
+              <a:r>
+                <a:rPr lang="en-GB" sz="1600" b="1" strike="noStrike" spc="-1">
+                  <a:solidFill>
+                    <a:srgbClr val="000000"/>
+                  </a:solidFill>
+                  <a:uFill>
+                    <a:solidFill>
+                      <a:srgbClr val="FFFFFF"/>
+                    </a:solidFill>
+                  </a:uFill>
+                  <a:latin typeface="Calibri"/>
+                </a:rPr>
+                <a:t>Prioritized Experience Replay</a:t>
+              </a:r>
+              <a:endParaRPr lang="en-GB" sz="1000" b="1" strike="noStrike" spc="-1">
+                <a:solidFill>
+                  <a:srgbClr val="000000"/>
+                </a:solidFill>
+                <a:uFill>
+                  <a:solidFill>
+                    <a:srgbClr val="FFFFFF"/>
+                  </a:solidFill>
+                </a:uFill>
+                <a:latin typeface="Arial"/>
+              </a:endParaRPr>
+            </a:p>
+          </p:txBody>
+        </p:sp>
+        <p:sp>
+          <p:nvSpPr>
+            <p:cNvPr id="32" name="TextShape 22">
+              <a:extLst>
+                <a:ext uri="{FF2B5EF4-FFF2-40B4-BE49-F238E27FC236}">
+                  <a16:creationId xmlns:a16="http://schemas.microsoft.com/office/drawing/2014/main" id="{F1DFE41F-8A88-4B53-BCB6-07A3E4539693}"/>
+                </a:ext>
+              </a:extLst>
+            </p:cNvPr>
+            <p:cNvSpPr txBox="1"/>
+            <p:nvPr/>
+          </p:nvSpPr>
+          <p:spPr>
+            <a:xfrm>
+              <a:off x="5450874" y="2951878"/>
+              <a:ext cx="5027637" cy="2121840"/>
+            </a:xfrm>
+            <a:prstGeom prst="rect">
+              <a:avLst/>
+            </a:prstGeom>
+            <a:noFill/>
+            <a:ln>
+              <a:noFill/>
+            </a:ln>
+          </p:spPr>
+          <p:txBody>
+            <a:bodyPr lIns="90000" tIns="45000" rIns="90000" bIns="45000"/>
+            <a:lstStyle/>
+            <a:p>
+              <a:r>
+                <a:rPr lang="en-GB" sz="1500" spc="-1">
+                  <a:solidFill>
+                    <a:srgbClr val="000000"/>
+                  </a:solidFill>
+                  <a:uFill>
+                    <a:solidFill>
+                      <a:srgbClr val="FFFFFF"/>
+                    </a:solidFill>
+                  </a:uFill>
+                  <a:latin typeface="Arial"/>
+                </a:rPr>
+                <a:t>In standard DQN, experiences are stored and uniformly sampled from during training without considering learning potentials of different experiences. </a:t>
+              </a:r>
+              <a:r>
+                <a:rPr lang="en-GB" sz="1500" b="0" strike="noStrike" spc="-1">
+                  <a:solidFill>
+                    <a:srgbClr val="000000"/>
+                  </a:solidFill>
+                  <a:uFill>
+                    <a:solidFill>
+                      <a:srgbClr val="FFFFFF"/>
+                    </a:solidFill>
+                  </a:uFill>
+                  <a:latin typeface="Arial"/>
+                </a:rPr>
+                <a:t>To make the learning process more efficient, experiences with highest learning power are prioritized</a:t>
+              </a:r>
+              <a:r>
+                <a:rPr lang="en-GB" sz="1500" spc="-1">
+                  <a:solidFill>
+                    <a:srgbClr val="000000"/>
+                  </a:solidFill>
+                  <a:uFill>
+                    <a:solidFill>
+                      <a:srgbClr val="FFFFFF"/>
+                    </a:solidFill>
+                  </a:uFill>
+                  <a:latin typeface="Arial"/>
+                </a:rPr>
+                <a:t>. To achieve that, experiences are drawn from a probability distribution based on the TD-error. This leads to more frequently drawn experiences with relatively high TD-error, the agent‘s “weaknesses“ are trained.</a:t>
+              </a:r>
+              <a:endParaRPr lang="en-GB" sz="1500" b="0" strike="noStrike" spc="-1">
+                <a:solidFill>
+                  <a:srgbClr val="000000"/>
+                </a:solidFill>
+                <a:uFill>
+                  <a:solidFill>
+                    <a:srgbClr val="FFFFFF"/>
+                  </a:solidFill>
+                </a:uFill>
+                <a:latin typeface="Arial"/>
+              </a:endParaRPr>
+            </a:p>
+          </p:txBody>
+        </p:sp>
+      </p:grpSp>
       <p:sp>
         <p:nvSpPr>
-          <p:cNvPr id="90" name="CustomShape 14"/>
+          <p:cNvPr id="8" name="Rechteck 7">
+            <a:extLst>
+              <a:ext uri="{FF2B5EF4-FFF2-40B4-BE49-F238E27FC236}">
+                <a16:creationId xmlns:a16="http://schemas.microsoft.com/office/drawing/2014/main" id="{4D9CA8E9-EFA8-4F77-8A5A-CE1371D356A4}"/>
+              </a:ext>
+            </a:extLst>
+          </p:cNvPr>
           <p:cNvSpPr/>
           <p:nvPr/>
         </p:nvSpPr>
         <p:spPr>
           <a:xfrm>
-            <a:off x="208080" y="9288000"/>
-            <a:ext cx="5047920" cy="316440"/>
+            <a:off x="364659" y="14630400"/>
+            <a:ext cx="1944201" cy="383399"/>
           </a:xfrm>
           <a:prstGeom prst="rect">
             <a:avLst/>
           </a:prstGeom>
           <a:solidFill>
-            <a:srgbClr val="5b9bd5"/>
+            <a:schemeClr val="bg1"/>
           </a:solidFill>
           <a:ln>
             <a:noFill/>
           </a:ln>
         </p:spPr>
         <p:style>
-          <a:lnRef idx="0"/>
-          <a:fillRef idx="0"/>
-          <a:effectRef idx="0"/>
-          <a:fontRef idx="minor"/>
+          <a:lnRef idx="2">
+            <a:schemeClr val="accent1">
+              <a:shade val="50000"/>
+            </a:schemeClr>
+          </a:lnRef>
+          <a:fillRef idx="1">
+            <a:schemeClr val="accent1"/>
+          </a:fillRef>
+          <a:effectRef idx="0">
+            <a:schemeClr val="accent1"/>
+          </a:effectRef>
+          <a:fontRef idx="minor">
+            <a:schemeClr val="lt1"/>
+          </a:fontRef>
         </p:style>
         <p:txBody>
-          <a:bodyPr lIns="79200" rIns="79200" tIns="79200" bIns="79200"/>
-          <a:p>
-            <a:pPr>
-              <a:lnSpc>
-                <a:spcPct val="100000"/>
-              </a:lnSpc>
-              <a:spcBef>
-                <a:spcPts val="201"/>
-              </a:spcBef>
-            </a:pPr>
-            <a:r>
-              <a:rPr b="0" lang="de-DE" sz="1600" spc="-1" strike="noStrike">
-                <a:solidFill>
-                  <a:srgbClr val="000000"/>
-                </a:solidFill>
-                <a:uFill>
-                  <a:solidFill>
-                    <a:srgbClr val="ffffff"/>
-                  </a:solidFill>
-                </a:uFill>
-                <a:latin typeface="Calibri"/>
-              </a:rPr>
-              <a:t>DDQN</a:t>
-            </a:r>
-            <a:endParaRPr b="0" lang="de-DE" sz="1600" spc="-1" strike="noStrike">
-              <a:solidFill>
-                <a:srgbClr val="000000"/>
-              </a:solidFill>
-              <a:uFill>
-                <a:solidFill>
-                  <a:srgbClr val="ffffff"/>
-                </a:solidFill>
-              </a:uFill>
-              <a:latin typeface="Arial"/>
-            </a:endParaRPr>
+          <a:bodyPr rtlCol="0" anchor="ctr"/>
+          <a:lstStyle/>
+          <a:p>
+            <a:pPr algn="ctr"/>
+            <a:endParaRPr lang="en-GB"/>
           </a:p>
         </p:txBody>
       </p:sp>
       <p:sp>
         <p:nvSpPr>
-          <p:cNvPr id="91" name="CustomShape 15"/>
-          <p:cNvSpPr/>
-          <p:nvPr/>
-        </p:nvSpPr>
-        <p:spPr>
-          <a:xfrm>
-            <a:off x="5437440" y="2701440"/>
-            <a:ext cx="5047920" cy="316440"/>
-          </a:xfrm>
-          <a:prstGeom prst="rect">
-            <a:avLst/>
-          </a:prstGeom>
-          <a:solidFill>
-            <a:srgbClr val="5b9bd5"/>
-          </a:solidFill>
-          <a:ln>
-            <a:noFill/>
-          </a:ln>
-        </p:spPr>
-        <p:style>
-          <a:lnRef idx="0"/>
-          <a:fillRef idx="0"/>
-          <a:effectRef idx="0"/>
-          <a:fontRef idx="minor"/>
-        </p:style>
-        <p:txBody>
-          <a:bodyPr lIns="79200" rIns="79200" tIns="79200" bIns="79200"/>
-          <a:p>
-            <a:pPr>
-              <a:lnSpc>
-                <a:spcPct val="100000"/>
-              </a:lnSpc>
-              <a:spcBef>
-                <a:spcPts val="201"/>
-              </a:spcBef>
-            </a:pPr>
-            <a:r>
-              <a:rPr b="0" lang="de-DE" sz="1000" spc="-1" strike="noStrike">
-                <a:solidFill>
-                  <a:srgbClr val="000000"/>
-                </a:solidFill>
-                <a:uFill>
-                  <a:solidFill>
-                    <a:srgbClr val="ffffff"/>
-                  </a:solidFill>
-                </a:uFill>
-                <a:latin typeface="Times New Roman"/>
-              </a:rPr>
-              <a:t>Noisy nets</a:t>
-            </a:r>
-            <a:endParaRPr b="0" lang="de-DE" sz="1000" spc="-1" strike="noStrike">
-              <a:solidFill>
-                <a:srgbClr val="000000"/>
-              </a:solidFill>
-              <a:uFill>
-                <a:solidFill>
-                  <a:srgbClr val="ffffff"/>
-                </a:solidFill>
-              </a:uFill>
-              <a:latin typeface="Arial"/>
-            </a:endParaRPr>
-          </a:p>
-        </p:txBody>
-      </p:sp>
-      <p:sp>
-        <p:nvSpPr>
-          <p:cNvPr id="92" name="CustomShape 16"/>
-          <p:cNvSpPr/>
-          <p:nvPr/>
-        </p:nvSpPr>
-        <p:spPr>
-          <a:xfrm>
-            <a:off x="216000" y="11059560"/>
-            <a:ext cx="5047920" cy="316440"/>
-          </a:xfrm>
-          <a:prstGeom prst="rect">
-            <a:avLst/>
-          </a:prstGeom>
-          <a:solidFill>
-            <a:srgbClr val="5b9bd5"/>
-          </a:solidFill>
-          <a:ln>
-            <a:noFill/>
-          </a:ln>
-        </p:spPr>
-        <p:style>
-          <a:lnRef idx="0"/>
-          <a:fillRef idx="0"/>
-          <a:effectRef idx="0"/>
-          <a:fontRef idx="minor"/>
-        </p:style>
-        <p:txBody>
-          <a:bodyPr lIns="79200" rIns="79200" tIns="79200" bIns="79200"/>
-          <a:p>
-            <a:pPr>
-              <a:lnSpc>
-                <a:spcPct val="100000"/>
-              </a:lnSpc>
-              <a:spcBef>
-                <a:spcPts val="201"/>
-              </a:spcBef>
-            </a:pPr>
-            <a:r>
-              <a:rPr b="0" lang="de-DE" sz="1600" spc="-1" strike="noStrike">
-                <a:solidFill>
-                  <a:srgbClr val="000000"/>
-                </a:solidFill>
-                <a:uFill>
-                  <a:solidFill>
-                    <a:srgbClr val="ffffff"/>
-                  </a:solidFill>
-                </a:uFill>
-                <a:latin typeface="Calibri"/>
-              </a:rPr>
-              <a:t>Prioritized expereince repla</a:t>
-            </a:r>
-            <a:r>
-              <a:rPr b="0" lang="de-DE" sz="1000" spc="-1" strike="noStrike">
-                <a:solidFill>
-                  <a:srgbClr val="000000"/>
-                </a:solidFill>
-                <a:uFill>
-                  <a:solidFill>
-                    <a:srgbClr val="ffffff"/>
-                  </a:solidFill>
-                </a:uFill>
-                <a:latin typeface="Times New Roman"/>
-              </a:rPr>
-              <a:t>y</a:t>
-            </a:r>
-            <a:endParaRPr b="0" lang="de-DE" sz="1000" spc="-1" strike="noStrike">
-              <a:solidFill>
-                <a:srgbClr val="000000"/>
-              </a:solidFill>
-              <a:uFill>
-                <a:solidFill>
-                  <a:srgbClr val="ffffff"/>
-                </a:solidFill>
-              </a:uFill>
-              <a:latin typeface="Arial"/>
-            </a:endParaRPr>
-          </a:p>
-        </p:txBody>
-      </p:sp>
-      <p:sp>
-        <p:nvSpPr>
-          <p:cNvPr id="93" name="CustomShape 17"/>
-          <p:cNvSpPr/>
-          <p:nvPr/>
-        </p:nvSpPr>
-        <p:spPr>
-          <a:xfrm>
-            <a:off x="5437800" y="2701440"/>
-            <a:ext cx="5047920" cy="316440"/>
-          </a:xfrm>
-          <a:prstGeom prst="rect">
-            <a:avLst/>
-          </a:prstGeom>
-          <a:solidFill>
-            <a:srgbClr val="5b9bd5"/>
-          </a:solidFill>
-          <a:ln>
-            <a:noFill/>
-          </a:ln>
-        </p:spPr>
-        <p:style>
-          <a:lnRef idx="0"/>
-          <a:fillRef idx="0"/>
-          <a:effectRef idx="0"/>
-          <a:fontRef idx="minor"/>
-        </p:style>
-        <p:txBody>
-          <a:bodyPr lIns="79200" rIns="79200" tIns="79200" bIns="79200"/>
-          <a:p>
-            <a:pPr>
-              <a:lnSpc>
-                <a:spcPct val="100000"/>
-              </a:lnSpc>
-              <a:spcBef>
-                <a:spcPts val="201"/>
-              </a:spcBef>
-            </a:pPr>
-            <a:r>
-              <a:rPr b="0" lang="de-DE" sz="1600" spc="-1" strike="noStrike">
-                <a:solidFill>
-                  <a:srgbClr val="000000"/>
-                </a:solidFill>
-                <a:uFill>
-                  <a:solidFill>
-                    <a:srgbClr val="ffffff"/>
-                  </a:solidFill>
-                </a:uFill>
-                <a:latin typeface="Calibri"/>
-              </a:rPr>
-              <a:t>Noisy nets</a:t>
-            </a:r>
-            <a:endParaRPr b="0" lang="de-DE" sz="1600" spc="-1" strike="noStrike">
-              <a:solidFill>
-                <a:srgbClr val="000000"/>
-              </a:solidFill>
-              <a:uFill>
-                <a:solidFill>
-                  <a:srgbClr val="ffffff"/>
-                </a:solidFill>
-              </a:uFill>
-              <a:latin typeface="Calibri"/>
-            </a:endParaRPr>
-          </a:p>
-        </p:txBody>
-      </p:sp>
-      <p:sp>
-        <p:nvSpPr>
-          <p:cNvPr id="94" name="CustomShape 18"/>
-          <p:cNvSpPr/>
-          <p:nvPr/>
-        </p:nvSpPr>
-        <p:spPr>
-          <a:xfrm>
-            <a:off x="5464080" y="5839560"/>
-            <a:ext cx="5047920" cy="316440"/>
-          </a:xfrm>
-          <a:prstGeom prst="rect">
-            <a:avLst/>
-          </a:prstGeom>
-          <a:solidFill>
-            <a:srgbClr val="5b9bd5"/>
-          </a:solidFill>
-          <a:ln>
-            <a:noFill/>
-          </a:ln>
-        </p:spPr>
-        <p:style>
-          <a:lnRef idx="0"/>
-          <a:fillRef idx="0"/>
-          <a:effectRef idx="0"/>
-          <a:fontRef idx="minor"/>
-        </p:style>
-        <p:txBody>
-          <a:bodyPr lIns="79200" rIns="79200" tIns="79200" bIns="79200"/>
-          <a:p>
-            <a:pPr>
-              <a:lnSpc>
-                <a:spcPct val="100000"/>
-              </a:lnSpc>
-              <a:spcBef>
-                <a:spcPts val="201"/>
-              </a:spcBef>
-            </a:pPr>
-            <a:r>
-              <a:rPr b="0" lang="de-DE" sz="1600" spc="-1" strike="noStrike">
-                <a:solidFill>
-                  <a:srgbClr val="000000"/>
-                </a:solidFill>
-                <a:uFill>
-                  <a:solidFill>
-                    <a:srgbClr val="ffffff"/>
-                  </a:solidFill>
-                </a:uFill>
-                <a:latin typeface="Calibri"/>
-              </a:rPr>
-              <a:t>Multi-step learning</a:t>
-            </a:r>
-            <a:endParaRPr b="0" lang="de-DE" sz="1600" spc="-1" strike="noStrike">
-              <a:solidFill>
-                <a:srgbClr val="000000"/>
-              </a:solidFill>
-              <a:uFill>
-                <a:solidFill>
-                  <a:srgbClr val="ffffff"/>
-                </a:solidFill>
-              </a:uFill>
-              <a:latin typeface="Calibri"/>
-            </a:endParaRPr>
-          </a:p>
-        </p:txBody>
-      </p:sp>
-      <p:sp>
-        <p:nvSpPr>
-          <p:cNvPr id="95" name="TextShape 19"/>
+          <p:cNvPr id="9" name="Textfeld 8">
+            <a:extLst>
+              <a:ext uri="{FF2B5EF4-FFF2-40B4-BE49-F238E27FC236}">
+                <a16:creationId xmlns:a16="http://schemas.microsoft.com/office/drawing/2014/main" id="{8442BF02-FA7D-4197-87C9-F1E0978EF198}"/>
+              </a:ext>
+            </a:extLst>
+          </p:cNvPr>
           <p:cNvSpPr txBox="1"/>
           <p:nvPr/>
         </p:nvSpPr>
         <p:spPr>
           <a:xfrm>
-            <a:off x="216000" y="2952000"/>
-            <a:ext cx="4968000" cy="3024720"/>
+            <a:off x="208080" y="14054455"/>
+            <a:ext cx="4959360" cy="861774"/>
           </a:xfrm>
           <a:prstGeom prst="rect">
             <a:avLst/>
           </a:prstGeom>
           <a:noFill/>
-          <a:ln>
-            <a:noFill/>
-          </a:ln>
         </p:spPr>
         <p:txBody>
-          <a:bodyPr lIns="90000" rIns="90000" tIns="45000" bIns="45000"/>
+          <a:bodyPr wrap="square" rtlCol="0">
+            <a:spAutoFit/>
+          </a:bodyPr>
+          <a:lstStyle/>
           <a:p>
             <a:r>
-              <a:rPr b="0" lang="de-DE" sz="1600" spc="-1" strike="noStrike">
-                <a:solidFill>
-                  <a:srgbClr val="000000"/>
-                </a:solidFill>
-                <a:uFill>
-                  <a:solidFill>
-                    <a:srgbClr val="ffffff"/>
-                  </a:solidFill>
-                </a:uFill>
-                <a:latin typeface="Arial"/>
-              </a:rPr>
-              <a:t>Standard DQN trains a neural network to evaluate problem states and an experience replay to save and learn from past states and rewards. This is a very basic approach and it didn‘t perform optimally in the maze task. Luckily, there are several extensions of DQN that significantly improve the performance and training time of the agent. Google Deepmind published a paper in 2017 titled „Rainbow: Combining improvements in Reinforcement Learning“ in which they described the approaches we based out implementations on. Out goal was to train a better agent faster than it was possible using only standard DQN.</a:t>
+              <a:rPr lang="en-GB" sz="1000"/>
+              <a:t>[1] M Hessel, J Modayil, H van Hasselt, T Schaul, G Ostrovski, W Dabney, D Horgan, B Piot, M G Azar, D Silver, “Rainbow: Combining Improvements in Deep Reinforcement Learning, 2017.</a:t>
             </a:r>
-            <a:endParaRPr b="0" lang="de-DE" sz="1600" spc="-1" strike="noStrike">
-              <a:solidFill>
-                <a:srgbClr val="000000"/>
-              </a:solidFill>
-              <a:uFill>
-                <a:solidFill>
-                  <a:srgbClr val="ffffff"/>
-                </a:solidFill>
-              </a:uFill>
-              <a:latin typeface="Arial"/>
-            </a:endParaRPr>
+          </a:p>
+          <a:p>
+            <a:r>
+              <a:rPr lang="en-GB" sz="1000"/>
+              <a:t>[2] TensorFlow: Large-scale machine learning on heterogeneous systems, 2015. Software available from tensorflow.org.</a:t>
+            </a:r>
           </a:p>
         </p:txBody>
       </p:sp>
-      <p:sp>
-        <p:nvSpPr>
-          <p:cNvPr id="96" name="TextShape 20"/>
-          <p:cNvSpPr txBox="1"/>
+      <p:grpSp>
+        <p:nvGrpSpPr>
+          <p:cNvPr id="15" name="Gruppieren 14">
+            <a:extLst>
+              <a:ext uri="{FF2B5EF4-FFF2-40B4-BE49-F238E27FC236}">
+                <a16:creationId xmlns:a16="http://schemas.microsoft.com/office/drawing/2014/main" id="{0B260FA5-EC6F-4A24-B381-003C15AAA0B2}"/>
+              </a:ext>
+            </a:extLst>
+          </p:cNvPr>
+          <p:cNvGrpSpPr/>
           <p:nvPr/>
-        </p:nvSpPr>
-        <p:spPr>
+        </p:nvGrpSpPr>
+        <p:grpSpPr>
           <a:xfrm>
-            <a:off x="216000" y="7254000"/>
-            <a:ext cx="5040000" cy="1896120"/>
+            <a:off x="210126" y="2831148"/>
+            <a:ext cx="5076000" cy="6031453"/>
+            <a:chOff x="210126" y="2816634"/>
+            <a:chExt cx="5076000" cy="6031453"/>
           </a:xfrm>
-          <a:prstGeom prst="rect">
-            <a:avLst/>
-          </a:prstGeom>
-          <a:noFill/>
-          <a:ln>
+        </p:grpSpPr>
+        <p:sp>
+          <p:nvSpPr>
+            <p:cNvPr id="95" name="TextShape 19"/>
+            <p:cNvSpPr txBox="1"/>
+            <p:nvPr/>
+          </p:nvSpPr>
+          <p:spPr>
+            <a:xfrm>
+              <a:off x="262079" y="3198883"/>
+              <a:ext cx="4992092" cy="5649204"/>
+            </a:xfrm>
+            <a:prstGeom prst="rect">
+              <a:avLst/>
+            </a:prstGeom>
             <a:noFill/>
-          </a:ln>
-        </p:spPr>
-        <p:txBody>
-          <a:bodyPr lIns="90000" rIns="90000" tIns="45000" bIns="45000"/>
-          <a:p>
-            <a:r>
-              <a:rPr b="0" lang="de-DE" sz="1600" spc="-1" strike="noStrike">
+            <a:ln>
+              <a:noFill/>
+            </a:ln>
+          </p:spPr>
+          <p:txBody>
+            <a:bodyPr lIns="90000" tIns="45000" rIns="90000" bIns="45000"/>
+            <a:lstStyle/>
+            <a:p>
+              <a:r>
+                <a:rPr lang="en-GB" sz="1500" spc="-1">
+                  <a:solidFill>
+                    <a:srgbClr val="000000"/>
+                  </a:solidFill>
+                  <a:uFill>
+                    <a:solidFill>
+                      <a:srgbClr val="FFFFFF"/>
+                    </a:solidFill>
+                  </a:uFill>
+                  <a:latin typeface="Arial"/>
+                </a:rPr>
+                <a:t>The goal of this project was the navigation of an agent through a maze with fixed goal position using Deep Q-Learning (DQN) and variants thereof.</a:t>
+              </a:r>
+              <a:br>
+                <a:rPr lang="en-GB" sz="1500" spc="-1">
+                  <a:solidFill>
+                    <a:srgbClr val="000000"/>
+                  </a:solidFill>
+                  <a:uFill>
+                    <a:solidFill>
+                      <a:srgbClr val="FFFFFF"/>
+                    </a:solidFill>
+                  </a:uFill>
+                  <a:latin typeface="Arial"/>
+                </a:rPr>
+              </a:br>
+              <a:br>
+                <a:rPr lang="en-GB" sz="1500" spc="-1">
+                  <a:solidFill>
+                    <a:srgbClr val="000000"/>
+                  </a:solidFill>
+                  <a:uFill>
+                    <a:solidFill>
+                      <a:srgbClr val="FFFFFF"/>
+                    </a:solidFill>
+                  </a:uFill>
+                  <a:latin typeface="Arial"/>
+                </a:rPr>
+              </a:br>
+              <a:br>
+                <a:rPr lang="en-GB" sz="1500" spc="-1">
+                  <a:solidFill>
+                    <a:srgbClr val="000000"/>
+                  </a:solidFill>
+                  <a:uFill>
+                    <a:solidFill>
+                      <a:srgbClr val="FFFFFF"/>
+                    </a:solidFill>
+                  </a:uFill>
+                  <a:latin typeface="Arial"/>
+                </a:rPr>
+              </a:br>
+              <a:br>
+                <a:rPr lang="en-GB" sz="1500" spc="-1">
+                  <a:solidFill>
+                    <a:srgbClr val="000000"/>
+                  </a:solidFill>
+                  <a:uFill>
+                    <a:solidFill>
+                      <a:srgbClr val="FFFFFF"/>
+                    </a:solidFill>
+                  </a:uFill>
+                  <a:latin typeface="Arial"/>
+                </a:rPr>
+              </a:br>
+              <a:br>
+                <a:rPr lang="en-GB" sz="1500" spc="-1">
+                  <a:solidFill>
+                    <a:srgbClr val="000000"/>
+                  </a:solidFill>
+                  <a:uFill>
+                    <a:solidFill>
+                      <a:srgbClr val="FFFFFF"/>
+                    </a:solidFill>
+                  </a:uFill>
+                  <a:latin typeface="Arial"/>
+                </a:rPr>
+              </a:br>
+              <a:br>
+                <a:rPr lang="en-GB" sz="1500" spc="-1">
+                  <a:solidFill>
+                    <a:srgbClr val="000000"/>
+                  </a:solidFill>
+                  <a:uFill>
+                    <a:solidFill>
+                      <a:srgbClr val="FFFFFF"/>
+                    </a:solidFill>
+                  </a:uFill>
+                  <a:latin typeface="Arial"/>
+                </a:rPr>
+              </a:br>
+              <a:endParaRPr lang="en-GB" sz="1500" b="0" strike="noStrike" spc="-1">
                 <a:solidFill>
                   <a:srgbClr val="000000"/>
                 </a:solidFill>
                 <a:uFill>
                   <a:solidFill>
-                    <a:srgbClr val="ffffff"/>
+                    <a:srgbClr val="FFFFFF"/>
                   </a:solidFill>
                 </a:uFill>
                 <a:latin typeface="Arial"/>
-              </a:rPr>
-              <a:t>In DQN, we want our network to approximate the reward, so out training target is calculated using the reward and the value prediction of our network. The network changes in response to this again and thus feedback loops can occur. To prevent the target to depend too heavily on the network predictions, we use a fixed target network that‘s updated very slowly towards our agent.</a:t>
-            </a:r>
-            <a:endParaRPr b="0" lang="de-DE" sz="1600" spc="-1" strike="noStrike">
-              <a:solidFill>
-                <a:srgbClr val="000000"/>
-              </a:solidFill>
-              <a:uFill>
-                <a:solidFill>
-                  <a:srgbClr val="ffffff"/>
-                </a:solidFill>
-              </a:uFill>
-              <a:latin typeface="Arial"/>
-            </a:endParaRPr>
-          </a:p>
-        </p:txBody>
-      </p:sp>
-      <p:sp>
-        <p:nvSpPr>
-          <p:cNvPr id="97" name="TextShape 21"/>
-          <p:cNvSpPr txBox="1"/>
-          <p:nvPr/>
-        </p:nvSpPr>
-        <p:spPr>
-          <a:xfrm>
-            <a:off x="216000" y="9792000"/>
-            <a:ext cx="5040000" cy="993240"/>
-          </a:xfrm>
-          <a:prstGeom prst="rect">
-            <a:avLst/>
-          </a:prstGeom>
-          <a:noFill/>
-          <a:ln>
+              </a:endParaRPr>
+            </a:p>
+            <a:p>
+              <a:endParaRPr lang="en-GB" sz="1500" b="0" strike="noStrike" spc="-1">
+                <a:solidFill>
+                  <a:srgbClr val="000000"/>
+                </a:solidFill>
+                <a:uFill>
+                  <a:solidFill>
+                    <a:srgbClr val="FFFFFF"/>
+                  </a:solidFill>
+                </a:uFill>
+                <a:latin typeface="Arial"/>
+              </a:endParaRPr>
+            </a:p>
+            <a:p>
+              <a:endParaRPr lang="en-GB" sz="1500" spc="-1">
+                <a:solidFill>
+                  <a:srgbClr val="000000"/>
+                </a:solidFill>
+                <a:uFill>
+                  <a:solidFill>
+                    <a:srgbClr val="FFFFFF"/>
+                  </a:solidFill>
+                </a:uFill>
+                <a:latin typeface="Arial"/>
+              </a:endParaRPr>
+            </a:p>
+            <a:p>
+              <a:endParaRPr lang="en-GB" sz="1500" b="0" strike="noStrike" spc="-1">
+                <a:solidFill>
+                  <a:srgbClr val="000000"/>
+                </a:solidFill>
+                <a:uFill>
+                  <a:solidFill>
+                    <a:srgbClr val="FFFFFF"/>
+                  </a:solidFill>
+                </a:uFill>
+                <a:latin typeface="Arial"/>
+              </a:endParaRPr>
+            </a:p>
+            <a:p>
+              <a:endParaRPr lang="en-GB" sz="1500" b="0" strike="noStrike" spc="-1">
+                <a:solidFill>
+                  <a:srgbClr val="000000"/>
+                </a:solidFill>
+                <a:uFill>
+                  <a:solidFill>
+                    <a:srgbClr val="FFFFFF"/>
+                  </a:solidFill>
+                </a:uFill>
+                <a:latin typeface="Arial"/>
+              </a:endParaRPr>
+            </a:p>
+            <a:p>
+              <a:endParaRPr lang="en-GB" sz="1500" b="0" strike="noStrike" spc="-1">
+                <a:solidFill>
+                  <a:srgbClr val="000000"/>
+                </a:solidFill>
+                <a:uFill>
+                  <a:solidFill>
+                    <a:srgbClr val="FFFFFF"/>
+                  </a:solidFill>
+                </a:uFill>
+                <a:latin typeface="Arial"/>
+              </a:endParaRPr>
+            </a:p>
+            <a:p>
+              <a:r>
+                <a:rPr lang="en-GB" sz="1500" b="0" strike="noStrike" spc="-1">
+                  <a:solidFill>
+                    <a:srgbClr val="000000"/>
+                  </a:solidFill>
+                  <a:uFill>
+                    <a:solidFill>
+                      <a:srgbClr val="FFFFFF"/>
+                    </a:solidFill>
+                  </a:uFill>
+                  <a:latin typeface="Arial"/>
+                </a:rPr>
+                <a:t>Standard DQN using experience replay and e.g. a CNN as q-value approximator turns out to be highly limited. </a:t>
+              </a:r>
+              <a:r>
+                <a:rPr lang="en-GB" sz="1500" spc="-1">
+                  <a:solidFill>
+                    <a:srgbClr val="000000"/>
+                  </a:solidFill>
+                  <a:uFill>
+                    <a:solidFill>
+                      <a:srgbClr val="FFFFFF"/>
+                    </a:solidFill>
+                  </a:uFill>
+                  <a:latin typeface="Arial"/>
+                </a:rPr>
+                <a:t>This potentially complicates the training procedure and </a:t>
+              </a:r>
+              <a:r>
+                <a:rPr lang="en-GB" sz="1500" b="0" strike="noStrike" spc="-1">
+                  <a:solidFill>
+                    <a:srgbClr val="000000"/>
+                  </a:solidFill>
+                  <a:uFill>
+                    <a:solidFill>
+                      <a:srgbClr val="FFFFFF"/>
+                    </a:solidFill>
+                  </a:uFill>
+                  <a:latin typeface="Arial"/>
+                </a:rPr>
+                <a:t>leads to poor navigation performance. To increase performance and training efficiency, several extensions (combinations are referred to as “Rainbow” version in [1]) have been </a:t>
+              </a:r>
+              <a:r>
+                <a:rPr lang="en-GB" sz="1500" spc="-1">
+                  <a:solidFill>
+                    <a:srgbClr val="000000"/>
+                  </a:solidFill>
+                  <a:uFill>
+                    <a:solidFill>
+                      <a:srgbClr val="FFFFFF"/>
+                    </a:solidFill>
+                  </a:uFill>
+                  <a:latin typeface="Arial"/>
+                </a:rPr>
+                <a:t>developed. </a:t>
+              </a:r>
+              <a:r>
+                <a:rPr lang="en-GB" sz="1500" b="0" strike="noStrike" spc="-1">
+                  <a:solidFill>
+                    <a:srgbClr val="000000"/>
+                  </a:solidFill>
+                  <a:uFill>
+                    <a:solidFill>
+                      <a:srgbClr val="FFFFFF"/>
+                    </a:solidFill>
+                  </a:uFill>
+                  <a:latin typeface="Arial"/>
+                </a:rPr>
+                <a:t>Here, we </a:t>
+              </a:r>
+              <a:r>
+                <a:rPr lang="en-GB" sz="1500" spc="-1">
+                  <a:solidFill>
+                    <a:srgbClr val="000000"/>
+                  </a:solidFill>
+                  <a:uFill>
+                    <a:solidFill>
+                      <a:srgbClr val="FFFFFF"/>
+                    </a:solidFill>
+                  </a:uFill>
+                  <a:latin typeface="Arial"/>
+                </a:rPr>
+                <a:t>implement a selection of these extensions and use the standard DQN performance as a benchmark [1]. The training was performed using the TensorFlow framework [2].</a:t>
+              </a:r>
+              <a:endParaRPr lang="en-GB" sz="1500" b="0" strike="noStrike" spc="-1">
+                <a:solidFill>
+                  <a:srgbClr val="000000"/>
+                </a:solidFill>
+                <a:uFill>
+                  <a:solidFill>
+                    <a:srgbClr val="FFFFFF"/>
+                  </a:solidFill>
+                </a:uFill>
+                <a:latin typeface="Arial"/>
+              </a:endParaRPr>
+            </a:p>
+          </p:txBody>
+        </p:sp>
+        <p:pic>
+          <p:nvPicPr>
+            <p:cNvPr id="3" name="Grafik 2">
+              <a:extLst>
+                <a:ext uri="{FF2B5EF4-FFF2-40B4-BE49-F238E27FC236}">
+                  <a16:creationId xmlns:a16="http://schemas.microsoft.com/office/drawing/2014/main" id="{8FFC8DBA-037A-4FE5-BC05-A3E8629B4574}"/>
+                </a:ext>
+              </a:extLst>
+            </p:cNvPr>
+            <p:cNvPicPr>
+              <a:picLocks noChangeAspect="1"/>
+            </p:cNvPicPr>
+            <p:nvPr/>
+          </p:nvPicPr>
+          <p:blipFill>
+            <a:blip r:embed="rId5">
+              <a:extLst>
+                <a:ext uri="{28A0092B-C50C-407E-A947-70E740481C1C}">
+                  <a14:useLocalDpi xmlns:a14="http://schemas.microsoft.com/office/drawing/2010/main" val="0"/>
+                </a:ext>
+              </a:extLst>
+            </a:blip>
+            <a:stretch>
+              <a:fillRect/>
+            </a:stretch>
+          </p:blipFill>
+          <p:spPr>
+            <a:xfrm>
+              <a:off x="591394" y="4070637"/>
+              <a:ext cx="4028730" cy="1965960"/>
+            </a:xfrm>
+            <a:prstGeom prst="rect">
+              <a:avLst/>
+            </a:prstGeom>
+          </p:spPr>
+        </p:pic>
+        <p:sp>
+          <p:nvSpPr>
+            <p:cNvPr id="7" name="Textfeld 6">
+              <a:extLst>
+                <a:ext uri="{FF2B5EF4-FFF2-40B4-BE49-F238E27FC236}">
+                  <a16:creationId xmlns:a16="http://schemas.microsoft.com/office/drawing/2014/main" id="{6DBEC633-6711-489C-A78D-8C1589EFABD8}"/>
+                </a:ext>
+              </a:extLst>
+            </p:cNvPr>
+            <p:cNvSpPr txBox="1"/>
+            <p:nvPr/>
+          </p:nvSpPr>
+          <p:spPr>
+            <a:xfrm>
+              <a:off x="364659" y="6036597"/>
+              <a:ext cx="4762842" cy="276999"/>
+            </a:xfrm>
+            <a:prstGeom prst="rect">
+              <a:avLst/>
+            </a:prstGeom>
             <a:noFill/>
-          </a:ln>
-        </p:spPr>
-        <p:txBody>
-          <a:bodyPr lIns="90000" rIns="90000" tIns="45000" bIns="45000"/>
-          <a:p>
-            <a:r>
-              <a:rPr b="0" lang="de-DE" sz="1600" spc="-1" strike="noStrike">
-                <a:solidFill>
-                  <a:srgbClr val="000000"/>
-                </a:solidFill>
-                <a:uFill>
-                  <a:solidFill>
-                    <a:srgbClr val="ffffff"/>
-                  </a:solidFill>
-                </a:uFill>
-                <a:latin typeface="Arial"/>
-              </a:rPr>
-              <a:t>We use the maximal predicted Q-value to calculate our target which can cause overestimations. To counteract this, we still use the target network‘s predicted values, but let the agent choose the action.</a:t>
-            </a:r>
-            <a:endParaRPr b="0" lang="de-DE" sz="1600" spc="-1" strike="noStrike">
-              <a:solidFill>
-                <a:srgbClr val="000000"/>
-              </a:solidFill>
-              <a:uFill>
-                <a:solidFill>
-                  <a:srgbClr val="ffffff"/>
-                </a:solidFill>
-              </a:uFill>
-              <a:latin typeface="Arial"/>
-            </a:endParaRPr>
-          </a:p>
-        </p:txBody>
-      </p:sp>
-      <p:sp>
-        <p:nvSpPr>
-          <p:cNvPr id="98" name="TextShape 22"/>
-          <p:cNvSpPr txBox="1"/>
-          <p:nvPr/>
-        </p:nvSpPr>
-        <p:spPr>
-          <a:xfrm>
-            <a:off x="216000" y="11520000"/>
-            <a:ext cx="4968000" cy="2121840"/>
-          </a:xfrm>
-          <a:prstGeom prst="rect">
-            <a:avLst/>
-          </a:prstGeom>
-          <a:noFill/>
-          <a:ln>
-            <a:noFill/>
-          </a:ln>
-        </p:spPr>
-        <p:txBody>
-          <a:bodyPr lIns="90000" rIns="90000" tIns="45000" bIns="45000"/>
-          <a:p>
-            <a:r>
-              <a:rPr b="0" lang="de-DE" sz="1600" spc="-1" strike="noStrike">
-                <a:solidFill>
-                  <a:srgbClr val="000000"/>
-                </a:solidFill>
-                <a:uFill>
-                  <a:solidFill>
-                    <a:srgbClr val="ffffff"/>
-                  </a:solidFill>
-                </a:uFill>
-                <a:latin typeface="Arial"/>
-              </a:rPr>
-              <a:t>To get the maximum benefit from our learning, we always want to learn from the experiences with the most information. We assume this means the largest error and thus use a ranked experience replay where to probability of a transition being sampled to learn from corresponds to its total ranking. This way, it‘s less likely that we try to learn things we already know and can focus on the agent‘s weaknesses.</a:t>
-            </a:r>
-            <a:endParaRPr b="0" lang="de-DE" sz="1600" spc="-1" strike="noStrike">
-              <a:solidFill>
-                <a:srgbClr val="000000"/>
-              </a:solidFill>
-              <a:uFill>
-                <a:solidFill>
-                  <a:srgbClr val="ffffff"/>
-                </a:solidFill>
-              </a:uFill>
-              <a:latin typeface="Arial"/>
-            </a:endParaRPr>
-          </a:p>
-        </p:txBody>
-      </p:sp>
-      <p:sp>
-        <p:nvSpPr>
-          <p:cNvPr id="99" name="TextShape 23"/>
-          <p:cNvSpPr txBox="1"/>
-          <p:nvPr/>
-        </p:nvSpPr>
-        <p:spPr>
-          <a:xfrm>
-            <a:off x="5472000" y="3168000"/>
-            <a:ext cx="4968000" cy="2347560"/>
-          </a:xfrm>
-          <a:prstGeom prst="rect">
-            <a:avLst/>
-          </a:prstGeom>
-          <a:noFill/>
-          <a:ln>
-            <a:noFill/>
-          </a:ln>
-        </p:spPr>
-        <p:txBody>
-          <a:bodyPr lIns="90000" rIns="90000" tIns="45000" bIns="45000"/>
-          <a:p>
-            <a:r>
-              <a:rPr b="0" lang="de-DE" sz="1600" spc="-1" strike="noStrike">
-                <a:solidFill>
-                  <a:srgbClr val="000000"/>
-                </a:solidFill>
-                <a:uFill>
-                  <a:solidFill>
-                    <a:srgbClr val="ffffff"/>
-                  </a:solidFill>
-                </a:uFill>
-                <a:latin typeface="Arial"/>
-              </a:rPr>
-              <a:t>Traditional exploration decides whether to follow the agent‘s best prediction in each step independently (e.g. e-greedily). The maze task, however is problem where the single steps depend on one another. Noisy nets provide an exploration method that allows for exploration over multiple steps that  decreases on its own over time. The fully connected layers of the network now feature noisy weights and biases that are randomly generated and the agent has to learn to ignore that nois at its own pace.</a:t>
-            </a:r>
-            <a:endParaRPr b="0" lang="de-DE" sz="1600" spc="-1" strike="noStrike">
-              <a:solidFill>
-                <a:srgbClr val="000000"/>
-              </a:solidFill>
-              <a:uFill>
-                <a:solidFill>
-                  <a:srgbClr val="ffffff"/>
-                </a:solidFill>
-              </a:uFill>
-              <a:latin typeface="Arial"/>
-            </a:endParaRPr>
-          </a:p>
-        </p:txBody>
-      </p:sp>
-      <p:sp>
-        <p:nvSpPr>
-          <p:cNvPr id="100" name="TextShape 24"/>
-          <p:cNvSpPr txBox="1"/>
-          <p:nvPr/>
-        </p:nvSpPr>
-        <p:spPr>
-          <a:xfrm>
-            <a:off x="5400000" y="6408000"/>
-            <a:ext cx="5040000" cy="1896120"/>
-          </a:xfrm>
-          <a:prstGeom prst="rect">
-            <a:avLst/>
-          </a:prstGeom>
-          <a:noFill/>
-          <a:ln>
-            <a:noFill/>
-          </a:ln>
-        </p:spPr>
-        <p:txBody>
-          <a:bodyPr lIns="90000" rIns="90000" tIns="45000" bIns="45000"/>
-          <a:p>
-            <a:r>
-              <a:rPr b="0" lang="de-DE" sz="1600" spc="-1" strike="noStrike">
-                <a:solidFill>
-                  <a:srgbClr val="000000"/>
-                </a:solidFill>
-                <a:uFill>
-                  <a:solidFill>
-                    <a:srgbClr val="ffffff"/>
-                  </a:solidFill>
-                </a:uFill>
-                <a:latin typeface="Arial"/>
-              </a:rPr>
-              <a:t>The reward in the maze problem is given per used step but doesn‘t take into account where the agent is going. To make the reward a better representation of performance, we don‘t use the reward per step but the accumuluted reward after it. This way we know how long it takes to get to the goal after the chosen action and can thus compare it more easily to the alternatives.</a:t>
-            </a:r>
-            <a:endParaRPr b="0" lang="de-DE" sz="1600" spc="-1" strike="noStrike">
-              <a:solidFill>
-                <a:srgbClr val="000000"/>
-              </a:solidFill>
-              <a:uFill>
-                <a:solidFill>
-                  <a:srgbClr val="ffffff"/>
-                </a:solidFill>
-              </a:uFill>
-              <a:latin typeface="Arial"/>
-            </a:endParaRPr>
-          </a:p>
-        </p:txBody>
-      </p:sp>
+          </p:spPr>
+          <p:txBody>
+            <a:bodyPr wrap="none" rtlCol="0">
+              <a:spAutoFit/>
+            </a:bodyPr>
+            <a:lstStyle/>
+            <a:p>
+              <a:r>
+                <a:rPr lang="en-GB" sz="1200"/>
+                <a:t>Fig. 1: Maze task. </a:t>
+              </a:r>
+              <a:r>
+                <a:rPr lang="en-GB" sz="1200" i="1"/>
+                <a:t>Left</a:t>
+              </a:r>
+              <a:r>
+                <a:rPr lang="en-GB" sz="1200"/>
+                <a:t>: Full environment. </a:t>
+              </a:r>
+              <a:r>
+                <a:rPr lang="en-GB" sz="1200" i="1"/>
+                <a:t>Right</a:t>
+              </a:r>
+              <a:r>
+                <a:rPr lang="en-GB" sz="1200"/>
+                <a:t>: Partial observation.</a:t>
+              </a:r>
+            </a:p>
+          </p:txBody>
+        </p:sp>
+        <p:sp>
+          <p:nvSpPr>
+            <p:cNvPr id="43" name="CustomShape 7">
+              <a:extLst>
+                <a:ext uri="{FF2B5EF4-FFF2-40B4-BE49-F238E27FC236}">
+                  <a16:creationId xmlns:a16="http://schemas.microsoft.com/office/drawing/2014/main" id="{70509CE1-7D71-4CE4-90DC-9B11BE38879A}"/>
+                </a:ext>
+              </a:extLst>
+            </p:cNvPr>
+            <p:cNvSpPr/>
+            <p:nvPr/>
+          </p:nvSpPr>
+          <p:spPr>
+            <a:xfrm>
+              <a:off x="210126" y="2816634"/>
+              <a:ext cx="5076000" cy="316440"/>
+            </a:xfrm>
+            <a:prstGeom prst="rect">
+              <a:avLst/>
+            </a:prstGeom>
+            <a:solidFill>
+              <a:srgbClr val="5B9BD5"/>
+            </a:solidFill>
+            <a:ln>
+              <a:noFill/>
+            </a:ln>
+          </p:spPr>
+          <p:style>
+            <a:lnRef idx="0">
+              <a:scrgbClr r="0" g="0" b="0"/>
+            </a:lnRef>
+            <a:fillRef idx="0">
+              <a:scrgbClr r="0" g="0" b="0"/>
+            </a:fillRef>
+            <a:effectRef idx="0">
+              <a:scrgbClr r="0" g="0" b="0"/>
+            </a:effectRef>
+            <a:fontRef idx="minor"/>
+          </p:style>
+        </p:sp>
+      </p:grpSp>
     </p:spTree>
   </p:cSld>
+  <p:clrMapOvr>
+    <a:masterClrMapping/>
+  </p:clrMapOvr>
   <p:timing>
     <p:tnLst>
       <p:par>
@@ -7656,14 +8942,14 @@
             <p:seq>
               <p:cTn id="2" nodeType="mainSeq"/>
               <p:prevCondLst>
-                <p:cond delay="0" evt="onPrev">
+                <p:cond evt="onPrev" delay="0">
                   <p:tgtEl>
                     <p:sldTgt/>
                   </p:tgtEl>
                 </p:cond>
               </p:prevCondLst>
               <p:nextCondLst>
-                <p:cond delay="0" evt="onNext">
+                <p:cond evt="onNext" delay="0">
                   <p:tgtEl>
                     <p:sldTgt/>
                   </p:tgtEl>
@@ -7898,6 +9184,8 @@
       </a:bgFillStyleLst>
     </a:fmtScheme>
   </a:themeElements>
+  <a:objectDefaults/>
+  <a:extraClrSchemeLst/>
 </a:theme>
 </file>
 
@@ -8121,5 +9409,7 @@
       </a:bgFillStyleLst>
     </a:fmtScheme>
   </a:themeElements>
+  <a:objectDefaults/>
+  <a:extraClrSchemeLst/>
 </a:theme>
 </file>